--- a/Presentation_828_JiayuChen.pptx
+++ b/Presentation_828_JiayuChen.pptx
@@ -5,24 +5,26 @@
     <p:sldMasterId id="2147483648" r:id="rId1"/>
   </p:sldMasterIdLst>
   <p:notesMasterIdLst>
-    <p:notesMasterId r:id="rId17"/>
+    <p:notesMasterId r:id="rId19"/>
   </p:notesMasterIdLst>
   <p:sldIdLst>
     <p:sldId id="256" r:id="rId2"/>
     <p:sldId id="291" r:id="rId3"/>
     <p:sldId id="271" r:id="rId4"/>
-    <p:sldId id="302" r:id="rId5"/>
-    <p:sldId id="303" r:id="rId6"/>
-    <p:sldId id="301" r:id="rId7"/>
-    <p:sldId id="304" r:id="rId8"/>
+    <p:sldId id="308" r:id="rId5"/>
+    <p:sldId id="302" r:id="rId6"/>
+    <p:sldId id="303" r:id="rId7"/>
+    <p:sldId id="301" r:id="rId8"/>
     <p:sldId id="305" r:id="rId9"/>
-    <p:sldId id="265" r:id="rId10"/>
-    <p:sldId id="306" r:id="rId11"/>
-    <p:sldId id="307" r:id="rId12"/>
-    <p:sldId id="268" r:id="rId13"/>
-    <p:sldId id="260" r:id="rId14"/>
-    <p:sldId id="263" r:id="rId15"/>
-    <p:sldId id="293" r:id="rId16"/>
+    <p:sldId id="304" r:id="rId10"/>
+    <p:sldId id="309" r:id="rId11"/>
+    <p:sldId id="310" r:id="rId12"/>
+    <p:sldId id="265" r:id="rId13"/>
+    <p:sldId id="306" r:id="rId14"/>
+    <p:sldId id="307" r:id="rId15"/>
+    <p:sldId id="268" r:id="rId16"/>
+    <p:sldId id="260" r:id="rId17"/>
+    <p:sldId id="263" r:id="rId18"/>
   </p:sldIdLst>
   <p:sldSz cx="12192000" cy="6858000"/>
   <p:notesSz cx="6858000" cy="9144000"/>
@@ -223,7 +225,7 @@
           <a:p>
             <a:fld id="{F724740E-8F52-4821-8A8D-03DDEC038A3B}" type="datetimeFigureOut">
               <a:rPr lang="zh-CN" altLang="en-US" smtClean="0"/>
-              <a:t>2023-08-26</a:t>
+              <a:t>2023-08-27</a:t>
             </a:fld>
             <a:endParaRPr lang="zh-CN" altLang="en-US"/>
           </a:p>
@@ -622,7 +624,7 @@
           <a:bodyPr/>
           <a:lstStyle/>
           <a:p>
-            <a:endParaRPr lang="zh-CN" altLang="en-US" dirty="0"/>
+            <a:endParaRPr lang="en-US" altLang="zh-CN" dirty="0"/>
           </a:p>
         </p:txBody>
       </p:sp>
@@ -652,7 +654,7 @@
     </p:spTree>
     <p:extLst>
       <p:ext uri="{BB962C8B-B14F-4D97-AF65-F5344CB8AC3E}">
-        <p14:creationId xmlns:p14="http://schemas.microsoft.com/office/powerpoint/2010/main" val="2786191053"/>
+        <p14:creationId xmlns:p14="http://schemas.microsoft.com/office/powerpoint/2010/main" val="56701015"/>
       </p:ext>
     </p:extLst>
   </p:cSld>
@@ -706,7 +708,7 @@
           <a:bodyPr/>
           <a:lstStyle/>
           <a:p>
-            <a:endParaRPr lang="zh-CN" altLang="en-US" dirty="0"/>
+            <a:endParaRPr lang="en-US" altLang="zh-CN" dirty="0"/>
           </a:p>
         </p:txBody>
       </p:sp>
@@ -736,7 +738,7 @@
     </p:spTree>
     <p:extLst>
       <p:ext uri="{BB962C8B-B14F-4D97-AF65-F5344CB8AC3E}">
-        <p14:creationId xmlns:p14="http://schemas.microsoft.com/office/powerpoint/2010/main" val="4034433539"/>
+        <p14:creationId xmlns:p14="http://schemas.microsoft.com/office/powerpoint/2010/main" val="3429291579"/>
       </p:ext>
     </p:extLst>
   </p:cSld>
@@ -790,19 +792,6 @@
           <a:bodyPr/>
           <a:lstStyle/>
           <a:p>
-            <a:r>
-              <a:rPr lang="en-US" altLang="zh-CN" dirty="0"/>
-              <a:t>This week, I have a hard time learning Hidden Markov Models.</a:t>
-            </a:r>
-          </a:p>
-          <a:p>
-            <a:endParaRPr lang="en-US" altLang="zh-CN" dirty="0"/>
-          </a:p>
-          <a:p>
-            <a:r>
-              <a:rPr lang="en-US" altLang="zh-CN" dirty="0"/>
-              <a:t>I need to allocate some time to learning probability in order to better understand advanced concepts.</a:t>
-            </a:r>
             <a:endParaRPr lang="zh-CN" altLang="en-US" dirty="0"/>
           </a:p>
         </p:txBody>
@@ -833,7 +822,7 @@
     </p:spTree>
     <p:extLst>
       <p:ext uri="{BB962C8B-B14F-4D97-AF65-F5344CB8AC3E}">
-        <p14:creationId xmlns:p14="http://schemas.microsoft.com/office/powerpoint/2010/main" val="2552014677"/>
+        <p14:creationId xmlns:p14="http://schemas.microsoft.com/office/powerpoint/2010/main" val="2633367435"/>
       </p:ext>
     </p:extLst>
   </p:cSld>
@@ -917,7 +906,7 @@
     </p:spTree>
     <p:extLst>
       <p:ext uri="{BB962C8B-B14F-4D97-AF65-F5344CB8AC3E}">
-        <p14:creationId xmlns:p14="http://schemas.microsoft.com/office/powerpoint/2010/main" val="689081089"/>
+        <p14:creationId xmlns:p14="http://schemas.microsoft.com/office/powerpoint/2010/main" val="2786191053"/>
       </p:ext>
     </p:extLst>
   </p:cSld>
@@ -1001,7 +990,7 @@
     </p:spTree>
     <p:extLst>
       <p:ext uri="{BB962C8B-B14F-4D97-AF65-F5344CB8AC3E}">
-        <p14:creationId xmlns:p14="http://schemas.microsoft.com/office/powerpoint/2010/main" val="3344493625"/>
+        <p14:creationId xmlns:p14="http://schemas.microsoft.com/office/powerpoint/2010/main" val="4034433539"/>
       </p:ext>
     </p:extLst>
   </p:cSld>
@@ -1055,369 +1044,20 @@
           <a:bodyPr/>
           <a:lstStyle/>
           <a:p>
-            <a:pPr marL="0" marR="0" lvl="0" indent="0" algn="l" defTabSz="914400" rtl="0" eaLnBrk="1" fontAlgn="auto" latinLnBrk="0" hangingPunct="1">
-              <a:lnSpc>
-                <a:spcPct val="100000"/>
-              </a:lnSpc>
-              <a:spcBef>
-                <a:spcPts val="0"/>
-              </a:spcBef>
-              <a:spcAft>
-                <a:spcPts val="0"/>
-              </a:spcAft>
-              <a:buClrTx/>
-              <a:buSzTx/>
-              <a:buFontTx/>
-              <a:buNone/>
-              <a:tabLst/>
-              <a:defRPr/>
-            </a:pPr>
             <a:r>
               <a:rPr lang="en-US" altLang="zh-CN" dirty="0"/>
-              <a:t>Here is the process.</a:t>
-            </a:r>
-          </a:p>
-          <a:p>
-            <a:pPr marL="0" marR="0" lvl="0" indent="0" algn="l" defTabSz="914400" rtl="0" eaLnBrk="1" fontAlgn="auto" latinLnBrk="0" hangingPunct="1">
-              <a:lnSpc>
-                <a:spcPct val="100000"/>
-              </a:lnSpc>
-              <a:spcBef>
-                <a:spcPts val="0"/>
-              </a:spcBef>
-              <a:spcAft>
-                <a:spcPts val="0"/>
-              </a:spcAft>
-              <a:buClrTx/>
-              <a:buSzTx/>
-              <a:buFontTx/>
-              <a:buNone/>
-              <a:tabLst/>
-              <a:defRPr/>
-            </a:pPr>
+              <a:t>This week, I have a hard time learning Hidden Markov Models.</a:t>
+            </a:r>
+          </a:p>
+          <a:p>
             <a:endParaRPr lang="en-US" altLang="zh-CN" dirty="0"/>
           </a:p>
           <a:p>
-            <a:pPr marL="0" marR="0" lvl="0" indent="0" algn="l" defTabSz="914400" rtl="0" eaLnBrk="1" fontAlgn="auto" latinLnBrk="0" hangingPunct="1">
-              <a:lnSpc>
-                <a:spcPct val="100000"/>
-              </a:lnSpc>
-              <a:spcBef>
-                <a:spcPts val="0"/>
-              </a:spcBef>
-              <a:spcAft>
-                <a:spcPts val="0"/>
-              </a:spcAft>
-              <a:buClrTx/>
-              <a:buSzTx/>
-              <a:buFontTx/>
-              <a:buNone/>
-              <a:tabLst/>
-              <a:defRPr/>
-            </a:pPr>
             <a:r>
               <a:rPr lang="en-US" altLang="zh-CN" dirty="0"/>
-              <a:t>1st. Extract Basic Features,</a:t>
-            </a:r>
-            <a:r>
-              <a:rPr lang="zh-CN" altLang="en-US" dirty="0"/>
-              <a:t> </a:t>
-            </a:r>
-            <a:r>
-              <a:rPr lang="en-US" altLang="zh-CN" dirty="0"/>
-              <a:t>I choose 20 commonly used fundamental features.</a:t>
+              <a:t>I need to allocate some time to learning probability in order to better understand advanced concepts.</a:t>
             </a:r>
             <a:endParaRPr lang="zh-CN" altLang="en-US" dirty="0"/>
-          </a:p>
-          <a:p>
-            <a:pPr marL="0" marR="0" lvl="0" indent="0" algn="l" defTabSz="914400" rtl="0" eaLnBrk="1" fontAlgn="auto" latinLnBrk="0" hangingPunct="1">
-              <a:lnSpc>
-                <a:spcPct val="100000"/>
-              </a:lnSpc>
-              <a:spcBef>
-                <a:spcPts val="0"/>
-              </a:spcBef>
-              <a:spcAft>
-                <a:spcPts val="0"/>
-              </a:spcAft>
-              <a:buClrTx/>
-              <a:buSzTx/>
-              <a:buFontTx/>
-              <a:buNone/>
-              <a:tabLst/>
-              <a:defRPr/>
-            </a:pPr>
-            <a:endParaRPr lang="en-US" altLang="zh-CN" dirty="0"/>
-          </a:p>
-          <a:p>
-            <a:pPr marL="0" marR="0" lvl="0" indent="0" algn="l" defTabSz="914400" rtl="0" eaLnBrk="1" fontAlgn="auto" latinLnBrk="0" hangingPunct="1">
-              <a:lnSpc>
-                <a:spcPct val="100000"/>
-              </a:lnSpc>
-              <a:spcBef>
-                <a:spcPts val="0"/>
-              </a:spcBef>
-              <a:spcAft>
-                <a:spcPts val="0"/>
-              </a:spcAft>
-              <a:buClrTx/>
-              <a:buSzTx/>
-              <a:buFontTx/>
-              <a:buNone/>
-              <a:tabLst/>
-              <a:defRPr/>
-            </a:pPr>
-            <a:r>
-              <a:rPr lang="en-US" altLang="zh-CN" dirty="0"/>
-              <a:t>2nd. Perform Feature Cross and The 20 features are expanded into 480 features</a:t>
-            </a:r>
-          </a:p>
-          <a:p>
-            <a:pPr marL="0" marR="0" lvl="0" indent="0" algn="l" defTabSz="914400" rtl="0" eaLnBrk="1" fontAlgn="auto" latinLnBrk="0" hangingPunct="1">
-              <a:lnSpc>
-                <a:spcPct val="100000"/>
-              </a:lnSpc>
-              <a:spcBef>
-                <a:spcPts val="0"/>
-              </a:spcBef>
-              <a:spcAft>
-                <a:spcPts val="0"/>
-              </a:spcAft>
-              <a:buClrTx/>
-              <a:buSzTx/>
-              <a:buFontTx/>
-              <a:buNone/>
-              <a:tabLst/>
-              <a:defRPr/>
-            </a:pPr>
-            <a:endParaRPr lang="en-US" altLang="zh-CN" dirty="0"/>
-          </a:p>
-          <a:p>
-            <a:pPr marL="0" marR="0" lvl="0" indent="0" algn="l" defTabSz="914400" rtl="0" eaLnBrk="1" fontAlgn="auto" latinLnBrk="0" hangingPunct="1">
-              <a:lnSpc>
-                <a:spcPct val="100000"/>
-              </a:lnSpc>
-              <a:spcBef>
-                <a:spcPts val="0"/>
-              </a:spcBef>
-              <a:spcAft>
-                <a:spcPts val="0"/>
-              </a:spcAft>
-              <a:buClrTx/>
-              <a:buSzTx/>
-              <a:buFontTx/>
-              <a:buNone/>
-              <a:tabLst/>
-              <a:defRPr/>
-            </a:pPr>
-            <a:r>
-              <a:rPr lang="en-US" altLang="zh-CN" dirty="0"/>
-              <a:t>third. Calculate relevance between Features and Predicted Values</a:t>
-            </a:r>
-            <a:r>
-              <a:rPr lang="en-US" altLang="zh-CN" sz="1400" dirty="0"/>
-              <a:t>.</a:t>
-            </a:r>
-            <a:r>
-              <a:rPr lang="zh-CN" altLang="en-US" dirty="0"/>
-              <a:t> </a:t>
-            </a:r>
-            <a:r>
-              <a:rPr lang="en-US" altLang="zh-CN" dirty="0"/>
-              <a:t>This relevance is not Pearson corelated coefficient. It is hypothesis testing.</a:t>
-            </a:r>
-          </a:p>
-          <a:p>
-            <a:pPr marL="0" marR="0" lvl="0" indent="0" algn="l" defTabSz="914400" rtl="0" eaLnBrk="1" fontAlgn="auto" latinLnBrk="0" hangingPunct="1">
-              <a:lnSpc>
-                <a:spcPct val="100000"/>
-              </a:lnSpc>
-              <a:spcBef>
-                <a:spcPts val="0"/>
-              </a:spcBef>
-              <a:spcAft>
-                <a:spcPts val="0"/>
-              </a:spcAft>
-              <a:buClrTx/>
-              <a:buSzTx/>
-              <a:buFontTx/>
-              <a:buNone/>
-              <a:tabLst/>
-              <a:defRPr/>
-            </a:pPr>
-            <a:r>
-              <a:rPr lang="en-US" altLang="zh-CN" dirty="0"/>
-              <a:t>To S Prediction</a:t>
-            </a:r>
-            <a:r>
-              <a:rPr lang="zh-CN" altLang="en-US" dirty="0"/>
-              <a:t>，</a:t>
-            </a:r>
-            <a:r>
-              <a:rPr lang="en-US" altLang="zh-CN" dirty="0"/>
-              <a:t>480 are reduced to 428. To D Prediction, 480 are reduced to 370</a:t>
-            </a:r>
-          </a:p>
-          <a:p>
-            <a:pPr marL="0" marR="0" lvl="0" indent="0" algn="l" defTabSz="914400" rtl="0" eaLnBrk="1" fontAlgn="auto" latinLnBrk="0" hangingPunct="1">
-              <a:lnSpc>
-                <a:spcPct val="100000"/>
-              </a:lnSpc>
-              <a:spcBef>
-                <a:spcPts val="0"/>
-              </a:spcBef>
-              <a:spcAft>
-                <a:spcPts val="0"/>
-              </a:spcAft>
-              <a:buClrTx/>
-              <a:buSzTx/>
-              <a:buFontTx/>
-              <a:buNone/>
-              <a:tabLst/>
-              <a:defRPr/>
-            </a:pPr>
-            <a:endParaRPr lang="en-US" altLang="zh-CN" dirty="0"/>
-          </a:p>
-          <a:p>
-            <a:pPr marL="0" marR="0" lvl="0" indent="0" algn="l" defTabSz="914400" rtl="0" eaLnBrk="1" fontAlgn="auto" latinLnBrk="0" hangingPunct="1">
-              <a:lnSpc>
-                <a:spcPct val="100000"/>
-              </a:lnSpc>
-              <a:spcBef>
-                <a:spcPts val="0"/>
-              </a:spcBef>
-              <a:spcAft>
-                <a:spcPts val="0"/>
-              </a:spcAft>
-              <a:buClrTx/>
-              <a:buSzTx/>
-              <a:buFontTx/>
-              <a:buNone/>
-              <a:tabLst/>
-              <a:defRPr/>
-            </a:pPr>
-            <a:r>
-              <a:rPr lang="en-US" altLang="zh-CN" dirty="0"/>
-              <a:t>forth. Apply Univariate Feature Selection and Choose Best K. The number of features is significantly reduced.</a:t>
-            </a:r>
-          </a:p>
-          <a:p>
-            <a:pPr marL="0" marR="0" lvl="0" indent="0" algn="l" defTabSz="914400" rtl="0" eaLnBrk="1" fontAlgn="auto" latinLnBrk="0" hangingPunct="1">
-              <a:lnSpc>
-                <a:spcPct val="100000"/>
-              </a:lnSpc>
-              <a:spcBef>
-                <a:spcPts val="0"/>
-              </a:spcBef>
-              <a:spcAft>
-                <a:spcPts val="0"/>
-              </a:spcAft>
-              <a:buClrTx/>
-              <a:buSzTx/>
-              <a:buFontTx/>
-              <a:buNone/>
-              <a:tabLst/>
-              <a:defRPr/>
-            </a:pPr>
-            <a:endParaRPr lang="en-US" altLang="zh-CN" dirty="0"/>
-          </a:p>
-          <a:p>
-            <a:pPr marL="0" marR="0" lvl="0" indent="0" algn="l" defTabSz="914400" rtl="0" eaLnBrk="1" fontAlgn="auto" latinLnBrk="0" hangingPunct="1">
-              <a:lnSpc>
-                <a:spcPct val="100000"/>
-              </a:lnSpc>
-              <a:spcBef>
-                <a:spcPts val="0"/>
-              </a:spcBef>
-              <a:spcAft>
-                <a:spcPts val="0"/>
-              </a:spcAft>
-              <a:buClrTx/>
-              <a:buSzTx/>
-              <a:buFontTx/>
-              <a:buNone/>
-              <a:tabLst/>
-              <a:defRPr/>
-            </a:pPr>
-            <a:r>
-              <a:rPr lang="en-US" altLang="zh-CN" dirty="0"/>
-              <a:t>Before that. Perform Recursive Feature Elimination (RFE) for Final Feature Selection</a:t>
-            </a:r>
-            <a:r>
-              <a:rPr lang="en-US" altLang="zh-CN" sz="1400" dirty="0"/>
-              <a:t>. For S Prediction</a:t>
-            </a:r>
-            <a:r>
-              <a:rPr lang="zh-CN" altLang="en-US" sz="1400" dirty="0"/>
-              <a:t>，</a:t>
-            </a:r>
-            <a:r>
-              <a:rPr lang="en-US" altLang="zh-CN" sz="1400" dirty="0"/>
-              <a:t>core feature is selected. For D prediction, core feature is included in the final feature selection.</a:t>
-            </a:r>
-          </a:p>
-          <a:p>
-            <a:pPr marL="0" marR="0" lvl="0" indent="0" algn="l" defTabSz="914400" rtl="0" eaLnBrk="1" fontAlgn="auto" latinLnBrk="0" hangingPunct="1">
-              <a:lnSpc>
-                <a:spcPct val="100000"/>
-              </a:lnSpc>
-              <a:spcBef>
-                <a:spcPts val="0"/>
-              </a:spcBef>
-              <a:spcAft>
-                <a:spcPts val="0"/>
-              </a:spcAft>
-              <a:buClrTx/>
-              <a:buSzTx/>
-              <a:buFontTx/>
-              <a:buNone/>
-              <a:tabLst/>
-              <a:defRPr/>
-            </a:pPr>
-            <a:endParaRPr lang="en-US" altLang="zh-CN" dirty="0"/>
-          </a:p>
-          <a:p>
-            <a:pPr marL="0" marR="0" lvl="0" indent="0" algn="l" defTabSz="914400" rtl="0" eaLnBrk="1" fontAlgn="auto" latinLnBrk="0" hangingPunct="1">
-              <a:lnSpc>
-                <a:spcPct val="100000"/>
-              </a:lnSpc>
-              <a:spcBef>
-                <a:spcPts val="0"/>
-              </a:spcBef>
-              <a:spcAft>
-                <a:spcPts val="0"/>
-              </a:spcAft>
-              <a:buClrTx/>
-              <a:buSzTx/>
-              <a:buFontTx/>
-              <a:buNone/>
-              <a:tabLst/>
-              <a:defRPr/>
-            </a:pPr>
-            <a:r>
-              <a:rPr lang="en-US" altLang="zh-CN" dirty="0"/>
-              <a:t>Lastly. Conclude with Testing Using the Test Set.</a:t>
-            </a:r>
-          </a:p>
-          <a:p>
-            <a:pPr marL="0" marR="0" lvl="0" indent="0" algn="l" defTabSz="914400" rtl="0" eaLnBrk="1" fontAlgn="auto" latinLnBrk="0" hangingPunct="1">
-              <a:lnSpc>
-                <a:spcPct val="100000"/>
-              </a:lnSpc>
-              <a:spcBef>
-                <a:spcPts val="0"/>
-              </a:spcBef>
-              <a:spcAft>
-                <a:spcPts val="0"/>
-              </a:spcAft>
-              <a:buClrTx/>
-              <a:buSzTx/>
-              <a:buFontTx/>
-              <a:buNone/>
-              <a:tabLst/>
-              <a:defRPr/>
-            </a:pPr>
-            <a:endParaRPr lang="en-US" altLang="zh-CN" dirty="0"/>
           </a:p>
         </p:txBody>
       </p:sp>
@@ -1447,7 +1087,175 @@
     </p:spTree>
     <p:extLst>
       <p:ext uri="{BB962C8B-B14F-4D97-AF65-F5344CB8AC3E}">
-        <p14:creationId xmlns:p14="http://schemas.microsoft.com/office/powerpoint/2010/main" val="2531388118"/>
+        <p14:creationId xmlns:p14="http://schemas.microsoft.com/office/powerpoint/2010/main" val="2552014677"/>
+      </p:ext>
+    </p:extLst>
+  </p:cSld>
+  <p:clrMapOvr>
+    <a:masterClrMapping/>
+  </p:clrMapOvr>
+</p:notes>
+</file>
+
+<file path=ppt/notesSlides/notesSlide16.xml><?xml version="1.0" encoding="utf-8"?>
+<p:notes xmlns:a="http://schemas.openxmlformats.org/drawingml/2006/main" xmlns:r="http://schemas.openxmlformats.org/officeDocument/2006/relationships" xmlns:p="http://schemas.openxmlformats.org/presentationml/2006/main">
+  <p:cSld>
+    <p:spTree>
+      <p:nvGrpSpPr>
+        <p:cNvPr id="1" name=""/>
+        <p:cNvGrpSpPr/>
+        <p:nvPr/>
+      </p:nvGrpSpPr>
+      <p:grpSpPr>
+        <a:xfrm>
+          <a:off x="0" y="0"/>
+          <a:ext cx="0" cy="0"/>
+          <a:chOff x="0" y="0"/>
+          <a:chExt cx="0" cy="0"/>
+        </a:xfrm>
+      </p:grpSpPr>
+      <p:sp>
+        <p:nvSpPr>
+          <p:cNvPr id="2" name="幻灯片图像占位符 1"/>
+          <p:cNvSpPr>
+            <a:spLocks noGrp="1" noRot="1" noChangeAspect="1"/>
+          </p:cNvSpPr>
+          <p:nvPr>
+            <p:ph type="sldImg"/>
+          </p:nvPr>
+        </p:nvSpPr>
+        <p:spPr/>
+      </p:sp>
+      <p:sp>
+        <p:nvSpPr>
+          <p:cNvPr id="3" name="备注占位符 2"/>
+          <p:cNvSpPr>
+            <a:spLocks noGrp="1"/>
+          </p:cNvSpPr>
+          <p:nvPr>
+            <p:ph type="body" idx="1"/>
+          </p:nvPr>
+        </p:nvSpPr>
+        <p:spPr/>
+        <p:txBody>
+          <a:bodyPr/>
+          <a:lstStyle/>
+          <a:p>
+            <a:endParaRPr lang="zh-CN" altLang="en-US" dirty="0"/>
+          </a:p>
+        </p:txBody>
+      </p:sp>
+      <p:sp>
+        <p:nvSpPr>
+          <p:cNvPr id="4" name="灯片编号占位符 3"/>
+          <p:cNvSpPr>
+            <a:spLocks noGrp="1"/>
+          </p:cNvSpPr>
+          <p:nvPr>
+            <p:ph type="sldNum" sz="quarter" idx="5"/>
+          </p:nvPr>
+        </p:nvSpPr>
+        <p:spPr/>
+        <p:txBody>
+          <a:bodyPr/>
+          <a:lstStyle/>
+          <a:p>
+            <a:fld id="{E39FA662-60CA-45D5-8BB1-0A7D21FB8FF0}" type="slidenum">
+              <a:rPr lang="zh-CN" altLang="en-US" smtClean="0"/>
+              <a:t>16</a:t>
+            </a:fld>
+            <a:endParaRPr lang="zh-CN" altLang="en-US"/>
+          </a:p>
+        </p:txBody>
+      </p:sp>
+    </p:spTree>
+    <p:extLst>
+      <p:ext uri="{BB962C8B-B14F-4D97-AF65-F5344CB8AC3E}">
+        <p14:creationId xmlns:p14="http://schemas.microsoft.com/office/powerpoint/2010/main" val="689081089"/>
+      </p:ext>
+    </p:extLst>
+  </p:cSld>
+  <p:clrMapOvr>
+    <a:masterClrMapping/>
+  </p:clrMapOvr>
+</p:notes>
+</file>
+
+<file path=ppt/notesSlides/notesSlide17.xml><?xml version="1.0" encoding="utf-8"?>
+<p:notes xmlns:a="http://schemas.openxmlformats.org/drawingml/2006/main" xmlns:r="http://schemas.openxmlformats.org/officeDocument/2006/relationships" xmlns:p="http://schemas.openxmlformats.org/presentationml/2006/main">
+  <p:cSld>
+    <p:spTree>
+      <p:nvGrpSpPr>
+        <p:cNvPr id="1" name=""/>
+        <p:cNvGrpSpPr/>
+        <p:nvPr/>
+      </p:nvGrpSpPr>
+      <p:grpSpPr>
+        <a:xfrm>
+          <a:off x="0" y="0"/>
+          <a:ext cx="0" cy="0"/>
+          <a:chOff x="0" y="0"/>
+          <a:chExt cx="0" cy="0"/>
+        </a:xfrm>
+      </p:grpSpPr>
+      <p:sp>
+        <p:nvSpPr>
+          <p:cNvPr id="2" name="幻灯片图像占位符 1"/>
+          <p:cNvSpPr>
+            <a:spLocks noGrp="1" noRot="1" noChangeAspect="1"/>
+          </p:cNvSpPr>
+          <p:nvPr>
+            <p:ph type="sldImg"/>
+          </p:nvPr>
+        </p:nvSpPr>
+        <p:spPr/>
+      </p:sp>
+      <p:sp>
+        <p:nvSpPr>
+          <p:cNvPr id="3" name="备注占位符 2"/>
+          <p:cNvSpPr>
+            <a:spLocks noGrp="1"/>
+          </p:cNvSpPr>
+          <p:nvPr>
+            <p:ph type="body" idx="1"/>
+          </p:nvPr>
+        </p:nvSpPr>
+        <p:spPr/>
+        <p:txBody>
+          <a:bodyPr/>
+          <a:lstStyle/>
+          <a:p>
+            <a:endParaRPr lang="zh-CN" altLang="en-US" dirty="0"/>
+          </a:p>
+        </p:txBody>
+      </p:sp>
+      <p:sp>
+        <p:nvSpPr>
+          <p:cNvPr id="4" name="灯片编号占位符 3"/>
+          <p:cNvSpPr>
+            <a:spLocks noGrp="1"/>
+          </p:cNvSpPr>
+          <p:nvPr>
+            <p:ph type="sldNum" sz="quarter" idx="5"/>
+          </p:nvPr>
+        </p:nvSpPr>
+        <p:spPr/>
+        <p:txBody>
+          <a:bodyPr/>
+          <a:lstStyle/>
+          <a:p>
+            <a:fld id="{E39FA662-60CA-45D5-8BB1-0A7D21FB8FF0}" type="slidenum">
+              <a:rPr lang="zh-CN" altLang="en-US" smtClean="0"/>
+              <a:t>17</a:t>
+            </a:fld>
+            <a:endParaRPr lang="zh-CN" altLang="en-US"/>
+          </a:p>
+        </p:txBody>
+      </p:sp>
+    </p:spTree>
+    <p:extLst>
+      <p:ext uri="{BB962C8B-B14F-4D97-AF65-F5344CB8AC3E}">
+        <p14:creationId xmlns:p14="http://schemas.microsoft.com/office/powerpoint/2010/main" val="3344493625"/>
       </p:ext>
     </p:extLst>
   </p:cSld>
@@ -1501,46 +1309,7 @@
           <a:bodyPr/>
           <a:lstStyle/>
           <a:p>
-            <a:r>
-              <a:rPr lang="en-US" altLang="zh-CN" dirty="0"/>
-              <a:t>Here is a brief work description </a:t>
-            </a:r>
-          </a:p>
-          <a:p>
             <a:endParaRPr lang="en-US" altLang="zh-CN" dirty="0"/>
-          </a:p>
-          <a:p>
-            <a:r>
-              <a:rPr lang="en-US" altLang="zh-CN" dirty="0"/>
-              <a:t>In Work_1, I automate feature selection from 480 features. This automated feature selection demonstrates good performance.</a:t>
-            </a:r>
-          </a:p>
-          <a:p>
-            <a:endParaRPr lang="en-US" altLang="zh-CN" dirty="0"/>
-          </a:p>
-          <a:p>
-            <a:r>
-              <a:rPr lang="en-US" altLang="zh-CN" dirty="0"/>
-              <a:t>Work_2 involves predicting S and D using signals with a noise level of 0.8. </a:t>
-            </a:r>
-          </a:p>
-          <a:p>
-            <a:endParaRPr lang="en-US" altLang="zh-CN" dirty="0"/>
-          </a:p>
-          <a:p>
-            <a:r>
-              <a:rPr lang="en-US" altLang="zh-CN" dirty="0"/>
-              <a:t>Work_3 is tutorial writing.</a:t>
-            </a:r>
-          </a:p>
-          <a:p>
-            <a:endParaRPr lang="en-US" altLang="zh-CN" dirty="0"/>
-          </a:p>
-          <a:p>
-            <a:r>
-              <a:rPr lang="en-US" altLang="zh-CN" dirty="0"/>
-              <a:t>Work_4 is about theoretical knowledge learning.</a:t>
-            </a:r>
           </a:p>
         </p:txBody>
       </p:sp>
@@ -1772,7 +1541,7 @@
     </p:spTree>
     <p:extLst>
       <p:ext uri="{BB962C8B-B14F-4D97-AF65-F5344CB8AC3E}">
-        <p14:creationId xmlns:p14="http://schemas.microsoft.com/office/powerpoint/2010/main" val="490292871"/>
+        <p14:creationId xmlns:p14="http://schemas.microsoft.com/office/powerpoint/2010/main" val="2655594240"/>
       </p:ext>
     </p:extLst>
   </p:cSld>
@@ -1873,7 +1642,7 @@
     </p:spTree>
     <p:extLst>
       <p:ext uri="{BB962C8B-B14F-4D97-AF65-F5344CB8AC3E}">
-        <p14:creationId xmlns:p14="http://schemas.microsoft.com/office/powerpoint/2010/main" val="447819840"/>
+        <p14:creationId xmlns:p14="http://schemas.microsoft.com/office/powerpoint/2010/main" val="490292871"/>
       </p:ext>
     </p:extLst>
   </p:cSld>
@@ -1927,6 +1696,23 @@
           <a:bodyPr/>
           <a:lstStyle/>
           <a:p>
+            <a:pPr marL="0" marR="0" lvl="0" indent="0" algn="l" defTabSz="914400" rtl="0" eaLnBrk="1" fontAlgn="auto" latinLnBrk="0" hangingPunct="1">
+              <a:lnSpc>
+                <a:spcPct val="100000"/>
+              </a:lnSpc>
+              <a:spcBef>
+                <a:spcPts val="0"/>
+              </a:spcBef>
+              <a:spcAft>
+                <a:spcPts val="0"/>
+              </a:spcAft>
+              <a:buClrTx/>
+              <a:buSzTx/>
+              <a:buFontTx/>
+              <a:buNone/>
+              <a:tabLst/>
+              <a:defRPr/>
+            </a:pPr>
             <a:endParaRPr lang="en-US" altLang="zh-CN" dirty="0"/>
           </a:p>
         </p:txBody>
@@ -1957,7 +1743,7 @@
     </p:spTree>
     <p:extLst>
       <p:ext uri="{BB962C8B-B14F-4D97-AF65-F5344CB8AC3E}">
-        <p14:creationId xmlns:p14="http://schemas.microsoft.com/office/powerpoint/2010/main" val="3061107480"/>
+        <p14:creationId xmlns:p14="http://schemas.microsoft.com/office/powerpoint/2010/main" val="447819840"/>
       </p:ext>
     </p:extLst>
   </p:cSld>
@@ -2041,7 +1827,7 @@
     </p:spTree>
     <p:extLst>
       <p:ext uri="{BB962C8B-B14F-4D97-AF65-F5344CB8AC3E}">
-        <p14:creationId xmlns:p14="http://schemas.microsoft.com/office/powerpoint/2010/main" val="635934631"/>
+        <p14:creationId xmlns:p14="http://schemas.microsoft.com/office/powerpoint/2010/main" val="3061107480"/>
       </p:ext>
     </p:extLst>
   </p:cSld>
@@ -2179,7 +1965,7 @@
           <a:bodyPr/>
           <a:lstStyle/>
           <a:p>
-            <a:endParaRPr lang="zh-CN" altLang="en-US" dirty="0"/>
+            <a:endParaRPr lang="en-US" altLang="zh-CN" dirty="0"/>
           </a:p>
         </p:txBody>
       </p:sp>
@@ -2209,7 +1995,7 @@
     </p:spTree>
     <p:extLst>
       <p:ext uri="{BB962C8B-B14F-4D97-AF65-F5344CB8AC3E}">
-        <p14:creationId xmlns:p14="http://schemas.microsoft.com/office/powerpoint/2010/main" val="2633367435"/>
+        <p14:creationId xmlns:p14="http://schemas.microsoft.com/office/powerpoint/2010/main" val="635934631"/>
       </p:ext>
     </p:extLst>
   </p:cSld>
@@ -2366,7 +2152,7 @@
           <a:p>
             <a:fld id="{5647DC1B-4743-47FE-A400-A2B750CAD470}" type="datetimeFigureOut">
               <a:rPr lang="zh-CN" altLang="en-US" smtClean="0"/>
-              <a:t>2023-08-26</a:t>
+              <a:t>2023-08-27</a:t>
             </a:fld>
             <a:endParaRPr lang="zh-CN" altLang="en-US"/>
           </a:p>
@@ -2564,7 +2350,7 @@
           <a:p>
             <a:fld id="{5647DC1B-4743-47FE-A400-A2B750CAD470}" type="datetimeFigureOut">
               <a:rPr lang="zh-CN" altLang="en-US" smtClean="0"/>
-              <a:t>2023-08-26</a:t>
+              <a:t>2023-08-27</a:t>
             </a:fld>
             <a:endParaRPr lang="zh-CN" altLang="en-US"/>
           </a:p>
@@ -2772,7 +2558,7 @@
           <a:p>
             <a:fld id="{5647DC1B-4743-47FE-A400-A2B750CAD470}" type="datetimeFigureOut">
               <a:rPr lang="zh-CN" altLang="en-US" smtClean="0"/>
-              <a:t>2023-08-26</a:t>
+              <a:t>2023-08-27</a:t>
             </a:fld>
             <a:endParaRPr lang="zh-CN" altLang="en-US"/>
           </a:p>
@@ -2970,7 +2756,7 @@
           <a:p>
             <a:fld id="{5647DC1B-4743-47FE-A400-A2B750CAD470}" type="datetimeFigureOut">
               <a:rPr lang="zh-CN" altLang="en-US" smtClean="0"/>
-              <a:t>2023-08-26</a:t>
+              <a:t>2023-08-27</a:t>
             </a:fld>
             <a:endParaRPr lang="zh-CN" altLang="en-US"/>
           </a:p>
@@ -3245,7 +3031,7 @@
           <a:p>
             <a:fld id="{5647DC1B-4743-47FE-A400-A2B750CAD470}" type="datetimeFigureOut">
               <a:rPr lang="zh-CN" altLang="en-US" smtClean="0"/>
-              <a:t>2023-08-26</a:t>
+              <a:t>2023-08-27</a:t>
             </a:fld>
             <a:endParaRPr lang="zh-CN" altLang="en-US"/>
           </a:p>
@@ -3510,7 +3296,7 @@
           <a:p>
             <a:fld id="{5647DC1B-4743-47FE-A400-A2B750CAD470}" type="datetimeFigureOut">
               <a:rPr lang="zh-CN" altLang="en-US" smtClean="0"/>
-              <a:t>2023-08-26</a:t>
+              <a:t>2023-08-27</a:t>
             </a:fld>
             <a:endParaRPr lang="zh-CN" altLang="en-US"/>
           </a:p>
@@ -3922,7 +3708,7 @@
           <a:p>
             <a:fld id="{5647DC1B-4743-47FE-A400-A2B750CAD470}" type="datetimeFigureOut">
               <a:rPr lang="zh-CN" altLang="en-US" smtClean="0"/>
-              <a:t>2023-08-26</a:t>
+              <a:t>2023-08-27</a:t>
             </a:fld>
             <a:endParaRPr lang="zh-CN" altLang="en-US"/>
           </a:p>
@@ -4063,7 +3849,7 @@
           <a:p>
             <a:fld id="{5647DC1B-4743-47FE-A400-A2B750CAD470}" type="datetimeFigureOut">
               <a:rPr lang="zh-CN" altLang="en-US" smtClean="0"/>
-              <a:t>2023-08-26</a:t>
+              <a:t>2023-08-27</a:t>
             </a:fld>
             <a:endParaRPr lang="zh-CN" altLang="en-US"/>
           </a:p>
@@ -4176,7 +3962,7 @@
           <a:p>
             <a:fld id="{5647DC1B-4743-47FE-A400-A2B750CAD470}" type="datetimeFigureOut">
               <a:rPr lang="zh-CN" altLang="en-US" smtClean="0"/>
-              <a:t>2023-08-26</a:t>
+              <a:t>2023-08-27</a:t>
             </a:fld>
             <a:endParaRPr lang="zh-CN" altLang="en-US"/>
           </a:p>
@@ -4487,7 +4273,7 @@
           <a:p>
             <a:fld id="{5647DC1B-4743-47FE-A400-A2B750CAD470}" type="datetimeFigureOut">
               <a:rPr lang="zh-CN" altLang="en-US" smtClean="0"/>
-              <a:t>2023-08-26</a:t>
+              <a:t>2023-08-27</a:t>
             </a:fld>
             <a:endParaRPr lang="zh-CN" altLang="en-US"/>
           </a:p>
@@ -4775,7 +4561,7 @@
           <a:p>
             <a:fld id="{5647DC1B-4743-47FE-A400-A2B750CAD470}" type="datetimeFigureOut">
               <a:rPr lang="zh-CN" altLang="en-US" smtClean="0"/>
-              <a:t>2023-08-26</a:t>
+              <a:t>2023-08-27</a:t>
             </a:fld>
             <a:endParaRPr lang="zh-CN" altLang="en-US"/>
           </a:p>
@@ -5016,7 +4802,7 @@
           <a:p>
             <a:fld id="{5647DC1B-4743-47FE-A400-A2B750CAD470}" type="datetimeFigureOut">
               <a:rPr lang="zh-CN" altLang="en-US" smtClean="0"/>
-              <a:t>2023-08-26</a:t>
+              <a:t>2023-08-27</a:t>
             </a:fld>
             <a:endParaRPr lang="zh-CN" altLang="en-US"/>
           </a:p>
@@ -5560,10 +5346,10 @@
       </p:grpSpPr>
       <p:sp>
         <p:nvSpPr>
-          <p:cNvPr id="55" name="文本框 54">
-            <a:extLst>
-              <a:ext uri="{FF2B5EF4-FFF2-40B4-BE49-F238E27FC236}">
-                <a16:creationId xmlns:a16="http://schemas.microsoft.com/office/drawing/2014/main" id="{32A2BE86-86A6-F1FC-83EE-91A826B532E5}"/>
+          <p:cNvPr id="2" name="文本框 1">
+            <a:extLst>
+              <a:ext uri="{FF2B5EF4-FFF2-40B4-BE49-F238E27FC236}">
+                <a16:creationId xmlns:a16="http://schemas.microsoft.com/office/drawing/2014/main" id="{4301BE2B-0820-0143-B72A-D9CEA12265BD}"/>
               </a:ext>
             </a:extLst>
           </p:cNvPr>
@@ -5573,7 +5359,7 @@
         <p:spPr>
           <a:xfrm>
             <a:off x="1122218" y="423950"/>
-            <a:ext cx="4584920" cy="461665"/>
+            <a:ext cx="8169266" cy="461665"/>
           </a:xfrm>
           <a:prstGeom prst="rect">
             <a:avLst/>
@@ -5598,21 +5384,21 @@
           <a:p>
             <a:r>
               <a:rPr lang="en-US" altLang="zh-CN" dirty="0"/>
-              <a:t>Work_3: </a:t>
+              <a:t>Work_2: </a:t>
             </a:r>
             <a:r>
               <a:rPr lang="en-US" altLang="zh-CN" sz="1400" dirty="0"/>
-              <a:t>Tutorial</a:t>
-            </a:r>
-          </a:p>
-        </p:txBody>
-      </p:sp>
-      <p:sp>
-        <p:nvSpPr>
-          <p:cNvPr id="3" name="文本框 2">
-            <a:extLst>
-              <a:ext uri="{FF2B5EF4-FFF2-40B4-BE49-F238E27FC236}">
-                <a16:creationId xmlns:a16="http://schemas.microsoft.com/office/drawing/2014/main" id="{FFE5F35C-E985-EA54-8F11-132DC5C66B9F}"/>
+              <a:t>S &amp; D prediction in the noise level of 0.1 by getting template</a:t>
+            </a:r>
+          </a:p>
+        </p:txBody>
+      </p:sp>
+      <p:sp>
+        <p:nvSpPr>
+          <p:cNvPr id="4" name="文本框 3">
+            <a:extLst>
+              <a:ext uri="{FF2B5EF4-FFF2-40B4-BE49-F238E27FC236}">
+                <a16:creationId xmlns:a16="http://schemas.microsoft.com/office/drawing/2014/main" id="{F4B9CF12-A831-545C-B1D3-D127CF520246}"/>
               </a:ext>
             </a:extLst>
           </p:cNvPr>
@@ -5622,7 +5408,7 @@
         <p:spPr>
           <a:xfrm>
             <a:off x="1268361" y="1848465"/>
-            <a:ext cx="9134168" cy="369332"/>
+            <a:ext cx="9134168" cy="646331"/>
           </a:xfrm>
           <a:prstGeom prst="rect">
             <a:avLst/>
@@ -5637,15 +5423,78 @@
           <a:p>
             <a:r>
               <a:rPr lang="zh-CN" altLang="en-US" dirty="0"/>
-              <a:t>一些</a:t>
+              <a:t>基于峰数量的周期分隔，效果比基于</a:t>
             </a:r>
             <a:r>
               <a:rPr lang="en-US" altLang="zh-CN" dirty="0"/>
-              <a:t>Tutorial</a:t>
+              <a:t>HR</a:t>
             </a:r>
             <a:r>
               <a:rPr lang="zh-CN" altLang="en-US" dirty="0"/>
-              <a:t>的展示</a:t>
+              <a:t>的好很多，但依然不是很理想</a:t>
+            </a:r>
+            <a:endParaRPr lang="en-US" altLang="zh-CN" dirty="0"/>
+          </a:p>
+          <a:p>
+            <a:endParaRPr lang="en-US" altLang="zh-CN" dirty="0"/>
+          </a:p>
+        </p:txBody>
+      </p:sp>
+      <p:sp>
+        <p:nvSpPr>
+          <p:cNvPr id="6" name="文本框 5">
+            <a:extLst>
+              <a:ext uri="{FF2B5EF4-FFF2-40B4-BE49-F238E27FC236}">
+                <a16:creationId xmlns:a16="http://schemas.microsoft.com/office/drawing/2014/main" id="{A502F1FC-A8A5-D4BD-EB91-DD917E0BBB7A}"/>
+              </a:ext>
+            </a:extLst>
+          </p:cNvPr>
+          <p:cNvSpPr txBox="1"/>
+          <p:nvPr/>
+        </p:nvSpPr>
+        <p:spPr>
+          <a:xfrm>
+            <a:off x="1361126" y="2709857"/>
+            <a:ext cx="9134168" cy="646331"/>
+          </a:xfrm>
+          <a:prstGeom prst="rect">
+            <a:avLst/>
+          </a:prstGeom>
+          <a:noFill/>
+        </p:spPr>
+        <p:txBody>
+          <a:bodyPr wrap="square" rtlCol="0">
+            <a:spAutoFit/>
+          </a:bodyPr>
+          <a:lstStyle/>
+          <a:p>
+            <a:r>
+              <a:rPr lang="zh-CN" altLang="en-US" dirty="0"/>
+              <a:t>但是只有在</a:t>
+            </a:r>
+            <a:r>
+              <a:rPr lang="en-US" altLang="zh-CN" dirty="0"/>
+              <a:t>0.3</a:t>
+            </a:r>
+            <a:r>
+              <a:rPr lang="zh-CN" altLang="en-US" dirty="0"/>
+              <a:t>以内的信号，可以使用这些方法。噪声再大，就很难使用这种方法。可能需要使用先使用</a:t>
+            </a:r>
+            <a:r>
+              <a:rPr lang="en-US" altLang="zh-CN" dirty="0"/>
+              <a:t>Work_1</a:t>
+            </a:r>
+            <a:r>
+              <a:rPr lang="zh-CN" altLang="en-US" dirty="0"/>
+              <a:t>中的</a:t>
+            </a:r>
+            <a:r>
+              <a:rPr lang="en-US" altLang="zh-CN" dirty="0"/>
+              <a:t>SSA</a:t>
+            </a:r>
+            <a:r>
+              <a:rPr lang="zh-CN" altLang="en-US" dirty="0"/>
+              <a:t>进行降噪。</a:t>
             </a:r>
             <a:endParaRPr lang="en-US" altLang="zh-CN" dirty="0"/>
           </a:p>
@@ -5654,7 +5503,7 @@
     </p:spTree>
     <p:extLst>
       <p:ext uri="{BB962C8B-B14F-4D97-AF65-F5344CB8AC3E}">
-        <p14:creationId xmlns:p14="http://schemas.microsoft.com/office/powerpoint/2010/main" val="2755355289"/>
+        <p14:creationId xmlns:p14="http://schemas.microsoft.com/office/powerpoint/2010/main" val="614416459"/>
       </p:ext>
     </p:extLst>
   </p:cSld>
@@ -5683,10 +5532,10 @@
       </p:grpSpPr>
       <p:sp>
         <p:nvSpPr>
-          <p:cNvPr id="55" name="文本框 54">
-            <a:extLst>
-              <a:ext uri="{FF2B5EF4-FFF2-40B4-BE49-F238E27FC236}">
-                <a16:creationId xmlns:a16="http://schemas.microsoft.com/office/drawing/2014/main" id="{32A2BE86-86A6-F1FC-83EE-91A826B532E5}"/>
+          <p:cNvPr id="2" name="文本框 1">
+            <a:extLst>
+              <a:ext uri="{FF2B5EF4-FFF2-40B4-BE49-F238E27FC236}">
+                <a16:creationId xmlns:a16="http://schemas.microsoft.com/office/drawing/2014/main" id="{4301BE2B-0820-0143-B72A-D9CEA12265BD}"/>
               </a:ext>
             </a:extLst>
           </p:cNvPr>
@@ -5696,7 +5545,7 @@
         <p:spPr>
           <a:xfrm>
             <a:off x="1122218" y="423950"/>
-            <a:ext cx="4584920" cy="461665"/>
+            <a:ext cx="8169266" cy="461665"/>
           </a:xfrm>
           <a:prstGeom prst="rect">
             <a:avLst/>
@@ -5721,21 +5570,21 @@
           <a:p>
             <a:r>
               <a:rPr lang="en-US" altLang="zh-CN" dirty="0"/>
-              <a:t>Work_3: </a:t>
+              <a:t>Work_2: </a:t>
             </a:r>
             <a:r>
               <a:rPr lang="en-US" altLang="zh-CN" sz="1400" dirty="0"/>
-              <a:t>Tutorial</a:t>
-            </a:r>
-          </a:p>
-        </p:txBody>
-      </p:sp>
-      <p:sp>
-        <p:nvSpPr>
-          <p:cNvPr id="3" name="文本框 2">
-            <a:extLst>
-              <a:ext uri="{FF2B5EF4-FFF2-40B4-BE49-F238E27FC236}">
-                <a16:creationId xmlns:a16="http://schemas.microsoft.com/office/drawing/2014/main" id="{FFE5F35C-E985-EA54-8F11-132DC5C66B9F}"/>
+              <a:t>S &amp; D prediction in the noise level of 0.1 by getting template</a:t>
+            </a:r>
+          </a:p>
+        </p:txBody>
+      </p:sp>
+      <p:sp>
+        <p:nvSpPr>
+          <p:cNvPr id="5" name="文本框 4">
+            <a:extLst>
+              <a:ext uri="{FF2B5EF4-FFF2-40B4-BE49-F238E27FC236}">
+                <a16:creationId xmlns:a16="http://schemas.microsoft.com/office/drawing/2014/main" id="{D9814EAF-41F6-CA5C-0658-1D22B613BB79}"/>
               </a:ext>
             </a:extLst>
           </p:cNvPr>
@@ -5744,8 +5593,8 @@
         </p:nvSpPr>
         <p:spPr>
           <a:xfrm>
-            <a:off x="1268361" y="1848465"/>
-            <a:ext cx="9134168" cy="923330"/>
+            <a:off x="4711147" y="3080627"/>
+            <a:ext cx="6096000" cy="923330"/>
           </a:xfrm>
           <a:prstGeom prst="rect">
             <a:avLst/>
@@ -5753,14 +5602,14 @@
           <a:noFill/>
         </p:spPr>
         <p:txBody>
-          <a:bodyPr wrap="square" rtlCol="0">
+          <a:bodyPr wrap="square">
             <a:spAutoFit/>
           </a:bodyPr>
           <a:lstStyle/>
           <a:p>
             <a:r>
               <a:rPr lang="zh-CN" altLang="en-US" dirty="0"/>
-              <a:t>一些算法，使用我们当前的数据集并没有办法很好的展示。</a:t>
+              <a:t>他的实验结果遇到一些有趣的现象。</a:t>
             </a:r>
             <a:endParaRPr lang="en-US" altLang="zh-CN" dirty="0"/>
           </a:p>
@@ -5770,7 +5619,7 @@
           <a:p>
             <a:r>
               <a:rPr lang="zh-CN" altLang="en-US" dirty="0"/>
-              <a:t>问题？</a:t>
+              <a:t>这个问题正在研究中。</a:t>
             </a:r>
             <a:endParaRPr lang="en-US" altLang="zh-CN" dirty="0"/>
           </a:p>
@@ -5779,7 +5628,7 @@
     </p:spTree>
     <p:extLst>
       <p:ext uri="{BB962C8B-B14F-4D97-AF65-F5344CB8AC3E}">
-        <p14:creationId xmlns:p14="http://schemas.microsoft.com/office/powerpoint/2010/main" val="129775301"/>
+        <p14:creationId xmlns:p14="http://schemas.microsoft.com/office/powerpoint/2010/main" val="828868037"/>
       </p:ext>
     </p:extLst>
   </p:cSld>
@@ -5808,10 +5657,10 @@
       </p:grpSpPr>
       <p:sp>
         <p:nvSpPr>
-          <p:cNvPr id="2" name="文本框 1">
-            <a:extLst>
-              <a:ext uri="{FF2B5EF4-FFF2-40B4-BE49-F238E27FC236}">
-                <a16:creationId xmlns:a16="http://schemas.microsoft.com/office/drawing/2014/main" id="{4301BE2B-0820-0143-B72A-D9CEA12265BD}"/>
+          <p:cNvPr id="55" name="文本框 54">
+            <a:extLst>
+              <a:ext uri="{FF2B5EF4-FFF2-40B4-BE49-F238E27FC236}">
+                <a16:creationId xmlns:a16="http://schemas.microsoft.com/office/drawing/2014/main" id="{32A2BE86-86A6-F1FC-83EE-91A826B532E5}"/>
               </a:ext>
             </a:extLst>
           </p:cNvPr>
@@ -5820,8 +5669,8 @@
         </p:nvSpPr>
         <p:spPr>
           <a:xfrm>
-            <a:off x="1122219" y="423950"/>
-            <a:ext cx="5931724" cy="461665"/>
+            <a:off x="1122218" y="423950"/>
+            <a:ext cx="4584920" cy="461665"/>
           </a:xfrm>
           <a:prstGeom prst="rect">
             <a:avLst/>
@@ -5846,21 +5695,21 @@
           <a:p>
             <a:r>
               <a:rPr lang="en-US" altLang="zh-CN" dirty="0"/>
-              <a:t>Work_4: </a:t>
+              <a:t>Work_3: </a:t>
             </a:r>
             <a:r>
               <a:rPr lang="en-US" altLang="zh-CN" sz="1400" dirty="0"/>
-              <a:t>Theoretical knowledge Learning</a:t>
-            </a:r>
-          </a:p>
-        </p:txBody>
-      </p:sp>
-      <p:sp>
-        <p:nvSpPr>
-          <p:cNvPr id="3" name="文本框 2">
-            <a:extLst>
-              <a:ext uri="{FF2B5EF4-FFF2-40B4-BE49-F238E27FC236}">
-                <a16:creationId xmlns:a16="http://schemas.microsoft.com/office/drawing/2014/main" id="{C1F1E1A2-EAA5-F458-EF2C-03F08482877A}"/>
+              <a:t>Tutorial</a:t>
+            </a:r>
+          </a:p>
+        </p:txBody>
+      </p:sp>
+      <p:sp>
+        <p:nvSpPr>
+          <p:cNvPr id="6" name="文本框 5">
+            <a:extLst>
+              <a:ext uri="{FF2B5EF4-FFF2-40B4-BE49-F238E27FC236}">
+                <a16:creationId xmlns:a16="http://schemas.microsoft.com/office/drawing/2014/main" id="{7D3C1437-CD92-F8AB-CD0E-DB8E6FD1E81B}"/>
               </a:ext>
             </a:extLst>
           </p:cNvPr>
@@ -5869,8 +5718,8 @@
         </p:nvSpPr>
         <p:spPr>
           <a:xfrm>
-            <a:off x="1770031" y="1385264"/>
-            <a:ext cx="3059685" cy="400110"/>
+            <a:off x="1396180" y="2379406"/>
+            <a:ext cx="9134168" cy="1200329"/>
           </a:xfrm>
           <a:prstGeom prst="rect">
             <a:avLst/>
@@ -5878,382 +5727,43 @@
           <a:noFill/>
         </p:spPr>
         <p:txBody>
-          <a:bodyPr wrap="square">
+          <a:bodyPr wrap="square" rtlCol="0">
             <a:spAutoFit/>
           </a:bodyPr>
-          <a:lstStyle>
-            <a:defPPr>
-              <a:defRPr lang="zh-CN"/>
-            </a:defPPr>
-            <a:lvl1pPr>
-              <a:defRPr b="0">
-                <a:solidFill>
-                  <a:srgbClr val="353535"/>
-                </a:solidFill>
-                <a:effectLst/>
-                <a:latin typeface="Consolas" panose="020B0609020204030204" pitchFamily="49" charset="0"/>
-              </a:defRPr>
-            </a:lvl1pPr>
-          </a:lstStyle>
-          <a:p>
-            <a:pPr algn="ctr"/>
-            <a:r>
-              <a:rPr lang="en-US" altLang="zh-CN" sz="2000" b="1" dirty="0"/>
-              <a:t>Signals and Systems</a:t>
-            </a:r>
-            <a:endParaRPr lang="zh-CN" altLang="en-US" sz="2000" b="1" dirty="0"/>
-          </a:p>
-        </p:txBody>
-      </p:sp>
-      <p:sp>
-        <p:nvSpPr>
-          <p:cNvPr id="8" name="文本框 7">
-            <a:extLst>
-              <a:ext uri="{FF2B5EF4-FFF2-40B4-BE49-F238E27FC236}">
-                <a16:creationId xmlns:a16="http://schemas.microsoft.com/office/drawing/2014/main" id="{56C7C0D7-F219-E08C-D3D9-87ED10553615}"/>
-              </a:ext>
-            </a:extLst>
-          </p:cNvPr>
-          <p:cNvSpPr txBox="1"/>
-          <p:nvPr/>
-        </p:nvSpPr>
-        <p:spPr>
-          <a:xfrm>
-            <a:off x="1122219" y="1903188"/>
-            <a:ext cx="4727863" cy="1754326"/>
-          </a:xfrm>
-          <a:prstGeom prst="rect">
-            <a:avLst/>
-          </a:prstGeom>
-          <a:noFill/>
-        </p:spPr>
-        <p:txBody>
-          <a:bodyPr wrap="square">
-            <a:spAutoFit/>
-          </a:bodyPr>
-          <a:lstStyle>
-            <a:defPPr>
-              <a:defRPr lang="zh-CN"/>
-            </a:defPPr>
-            <a:lvl1pPr>
-              <a:defRPr b="0">
-                <a:solidFill>
-                  <a:srgbClr val="353535"/>
-                </a:solidFill>
-                <a:effectLst/>
-                <a:latin typeface="Consolas" panose="020B0609020204030204" pitchFamily="49" charset="0"/>
-              </a:defRPr>
-            </a:lvl1pPr>
-          </a:lstStyle>
-          <a:p>
-            <a:r>
-              <a:rPr lang="en-US" altLang="zh-CN" dirty="0">
-                <a:latin typeface="+mj-lt"/>
-              </a:rPr>
-              <a:t>Course:</a:t>
-            </a:r>
-            <a:r>
-              <a:rPr lang="zh-CN" altLang="en-US" dirty="0">
-                <a:latin typeface="+mj-lt"/>
-              </a:rPr>
-              <a:t> </a:t>
-            </a:r>
-            <a:r>
-              <a:rPr lang="en-US" altLang="zh-CN" dirty="0">
-                <a:latin typeface="+mj-lt"/>
-              </a:rPr>
-              <a:t>EE120, Berkeley </a:t>
-            </a:r>
-          </a:p>
-          <a:p>
-            <a:endParaRPr lang="en-US" altLang="zh-CN" dirty="0">
-              <a:latin typeface="+mj-lt"/>
-            </a:endParaRPr>
-          </a:p>
-          <a:p>
-            <a:r>
-              <a:rPr lang="en-US" altLang="zh-CN" b="1" dirty="0">
-                <a:latin typeface="+mj-lt"/>
-              </a:rPr>
-              <a:t>This week’s</a:t>
-            </a:r>
-            <a:r>
-              <a:rPr lang="zh-CN" altLang="en-US" b="1" dirty="0">
-                <a:latin typeface="+mj-lt"/>
-              </a:rPr>
-              <a:t> </a:t>
-            </a:r>
-            <a:r>
-              <a:rPr lang="en-US" altLang="zh-CN" b="1" dirty="0">
-                <a:latin typeface="+mj-lt"/>
-              </a:rPr>
-              <a:t>Progress:</a:t>
-            </a:r>
-          </a:p>
-          <a:p>
-            <a:r>
-              <a:rPr lang="en-US" altLang="zh-CN" dirty="0">
-                <a:latin typeface="+mj-lt"/>
-              </a:rPr>
-              <a:t>Lecture 10 (the DFT; FIR filters)</a:t>
-            </a:r>
-          </a:p>
-          <a:p>
-            <a:r>
-              <a:rPr lang="en-US" altLang="zh-CN" dirty="0">
-                <a:latin typeface="+mj-lt"/>
-              </a:rPr>
-              <a:t>Lecture 11 (Fourier transforms in two dimensions)</a:t>
-            </a:r>
-          </a:p>
-        </p:txBody>
-      </p:sp>
-      <p:sp>
-        <p:nvSpPr>
-          <p:cNvPr id="4" name="文本框 3">
-            <a:extLst>
-              <a:ext uri="{FF2B5EF4-FFF2-40B4-BE49-F238E27FC236}">
-                <a16:creationId xmlns:a16="http://schemas.microsoft.com/office/drawing/2014/main" id="{CE66F54C-EE63-8CEA-8FE4-D4569E42FD3A}"/>
-              </a:ext>
-            </a:extLst>
-          </p:cNvPr>
-          <p:cNvSpPr txBox="1"/>
-          <p:nvPr/>
-        </p:nvSpPr>
-        <p:spPr>
-          <a:xfrm>
-            <a:off x="6594767" y="1903188"/>
-            <a:ext cx="4996573" cy="3970318"/>
-          </a:xfrm>
-          <a:prstGeom prst="rect">
-            <a:avLst/>
-          </a:prstGeom>
-          <a:noFill/>
-        </p:spPr>
-        <p:txBody>
-          <a:bodyPr wrap="square">
-            <a:spAutoFit/>
-          </a:bodyPr>
-          <a:lstStyle>
-            <a:defPPr>
-              <a:defRPr lang="zh-CN"/>
-            </a:defPPr>
-            <a:lvl1pPr>
-              <a:defRPr b="0">
-                <a:solidFill>
-                  <a:srgbClr val="353535"/>
-                </a:solidFill>
-                <a:effectLst/>
-                <a:latin typeface="Consolas" panose="020B0609020204030204" pitchFamily="49" charset="0"/>
-              </a:defRPr>
-            </a:lvl1pPr>
-          </a:lstStyle>
-          <a:p>
-            <a:r>
-              <a:rPr lang="en-US" altLang="zh-CN" dirty="0">
-                <a:latin typeface="+mj-lt"/>
-              </a:rPr>
-              <a:t>Course:</a:t>
-            </a:r>
-            <a:r>
-              <a:rPr lang="zh-CN" altLang="en-US" dirty="0">
-                <a:latin typeface="+mj-lt"/>
-              </a:rPr>
-              <a:t> </a:t>
-            </a:r>
-            <a:r>
-              <a:rPr lang="en-US" altLang="zh-CN" dirty="0">
-                <a:latin typeface="+mj-lt"/>
-              </a:rPr>
-              <a:t>CS109, </a:t>
-            </a:r>
-            <a:r>
-              <a:rPr lang="en-US" altLang="zh-CN" dirty="0" err="1">
-                <a:latin typeface="+mj-lt"/>
-              </a:rPr>
-              <a:t>Standford</a:t>
-            </a:r>
-            <a:endParaRPr lang="en-US" altLang="zh-CN" dirty="0">
-              <a:latin typeface="+mj-lt"/>
-            </a:endParaRPr>
-          </a:p>
-          <a:p>
-            <a:endParaRPr lang="en-US" altLang="zh-CN" dirty="0">
-              <a:latin typeface="+mj-lt"/>
-            </a:endParaRPr>
-          </a:p>
-          <a:p>
-            <a:r>
-              <a:rPr lang="en-US" altLang="zh-CN" b="1" dirty="0">
-                <a:latin typeface="+mj-lt"/>
-              </a:rPr>
-              <a:t>This week's progress:</a:t>
-            </a:r>
-          </a:p>
-          <a:p>
-            <a:r>
-              <a:rPr lang="en-US" altLang="zh-CN" dirty="0">
-                <a:latin typeface="+mj-lt"/>
-              </a:rPr>
-              <a:t>Part 1 (Counting)</a:t>
-            </a:r>
-          </a:p>
-          <a:p>
-            <a:r>
-              <a:rPr lang="en-US" altLang="zh-CN" dirty="0">
-                <a:latin typeface="+mj-lt"/>
-              </a:rPr>
-              <a:t>Part 2 (Combinatorics)</a:t>
-            </a:r>
-          </a:p>
-          <a:p>
-            <a:r>
-              <a:rPr lang="en-US" altLang="zh-CN" dirty="0">
-                <a:latin typeface="+mj-lt"/>
-              </a:rPr>
-              <a:t>Part 3 (Definition of Probability)</a:t>
-            </a:r>
-          </a:p>
-          <a:p>
-            <a:endParaRPr lang="en-US" altLang="zh-CN" dirty="0">
-              <a:latin typeface="+mj-lt"/>
-            </a:endParaRPr>
-          </a:p>
-          <a:p>
-            <a:r>
-              <a:rPr lang="en-US" altLang="zh-CN" b="1" dirty="0">
-                <a:latin typeface="+mj-lt"/>
-              </a:rPr>
-              <a:t>Next week’s</a:t>
-            </a:r>
-            <a:r>
-              <a:rPr lang="zh-CN" altLang="en-US" b="1" dirty="0">
-                <a:latin typeface="+mj-lt"/>
-              </a:rPr>
-              <a:t> </a:t>
-            </a:r>
-            <a:r>
-              <a:rPr lang="en-US" altLang="zh-CN" b="1" dirty="0">
-                <a:latin typeface="+mj-lt"/>
-              </a:rPr>
-              <a:t>plan:</a:t>
-            </a:r>
-          </a:p>
-          <a:p>
-            <a:r>
-              <a:rPr lang="en-US" altLang="zh-CN" dirty="0">
-                <a:latin typeface="+mj-lt"/>
-              </a:rPr>
-              <a:t>Part 4 (Counting)</a:t>
-            </a:r>
-          </a:p>
-          <a:p>
-            <a:r>
-              <a:rPr lang="en-US" altLang="zh-CN" dirty="0">
-                <a:latin typeface="+mj-lt"/>
-              </a:rPr>
-              <a:t>Part 5 (Combinatorics)</a:t>
-            </a:r>
-          </a:p>
-          <a:p>
-            <a:r>
-              <a:rPr lang="en-US" altLang="zh-CN" dirty="0">
-                <a:latin typeface="+mj-lt"/>
-              </a:rPr>
-              <a:t>Part 6 (Definition of Probability)</a:t>
-            </a:r>
-          </a:p>
-          <a:p>
-            <a:r>
-              <a:rPr lang="en-US" altLang="zh-CN" dirty="0">
-                <a:latin typeface="+mj-lt"/>
-              </a:rPr>
-              <a:t>Part 7 (Probability of </a:t>
-            </a:r>
-            <a:r>
-              <a:rPr lang="en-US" altLang="zh-CN" b="1" dirty="0">
-                <a:latin typeface="+mj-lt"/>
-              </a:rPr>
-              <a:t>or</a:t>
-            </a:r>
-            <a:r>
-              <a:rPr lang="en-US" altLang="zh-CN" dirty="0">
-                <a:latin typeface="+mj-lt"/>
-              </a:rPr>
-              <a:t>)</a:t>
-            </a:r>
-          </a:p>
-          <a:p>
-            <a:r>
-              <a:rPr lang="en-US" altLang="zh-CN" dirty="0">
-                <a:latin typeface="+mj-lt"/>
-              </a:rPr>
-              <a:t>Part 8 (Conditional Probability)</a:t>
-            </a:r>
-          </a:p>
-          <a:p>
-            <a:r>
-              <a:rPr lang="en-US" altLang="zh-CN" dirty="0">
-                <a:latin typeface="+mj-lt"/>
-              </a:rPr>
-              <a:t>Part 9 (Independence)</a:t>
-            </a:r>
-          </a:p>
-        </p:txBody>
-      </p:sp>
-      <p:sp>
-        <p:nvSpPr>
-          <p:cNvPr id="6" name="文本框 5">
-            <a:extLst>
-              <a:ext uri="{FF2B5EF4-FFF2-40B4-BE49-F238E27FC236}">
-                <a16:creationId xmlns:a16="http://schemas.microsoft.com/office/drawing/2014/main" id="{24F09BA0-ED6D-D618-0DE5-FC3CA2527B20}"/>
-              </a:ext>
-            </a:extLst>
-          </p:cNvPr>
-          <p:cNvSpPr txBox="1"/>
-          <p:nvPr/>
-        </p:nvSpPr>
-        <p:spPr>
-          <a:xfrm>
-            <a:off x="6594767" y="1385264"/>
-            <a:ext cx="5365094" cy="400110"/>
-          </a:xfrm>
-          <a:prstGeom prst="rect">
-            <a:avLst/>
-          </a:prstGeom>
-          <a:noFill/>
-        </p:spPr>
-        <p:txBody>
-          <a:bodyPr wrap="square">
-            <a:spAutoFit/>
-          </a:bodyPr>
-          <a:lstStyle>
-            <a:defPPr>
-              <a:defRPr lang="zh-CN"/>
-            </a:defPPr>
-            <a:lvl1pPr>
-              <a:defRPr b="0">
-                <a:solidFill>
-                  <a:srgbClr val="353535"/>
-                </a:solidFill>
-                <a:effectLst/>
-                <a:latin typeface="Consolas" panose="020B0609020204030204" pitchFamily="49" charset="0"/>
-              </a:defRPr>
-            </a:lvl1pPr>
-          </a:lstStyle>
-          <a:p>
-            <a:r>
-              <a:rPr lang="en-US" altLang="zh-CN" sz="2000" b="1" dirty="0"/>
-              <a:t>Probability for Computer Scientists</a:t>
-            </a:r>
-            <a:endParaRPr lang="zh-CN" altLang="en-US" sz="2000" b="1" dirty="0"/>
+          <a:lstStyle/>
+          <a:p>
+            <a:r>
+              <a:rPr lang="en-US" altLang="zh-CN" dirty="0"/>
+              <a:t>Dataset</a:t>
+            </a:r>
+          </a:p>
+          <a:p>
+            <a:r>
+              <a:rPr lang="zh-CN" altLang="en-US" dirty="0"/>
+              <a:t>其他的成熟的库都有，类似</a:t>
+            </a:r>
+            <a:r>
+              <a:rPr lang="en-US" altLang="zh-CN" dirty="0" err="1"/>
+              <a:t>sktlearn</a:t>
+            </a:r>
+            <a:endParaRPr lang="en-US" altLang="zh-CN" dirty="0"/>
+          </a:p>
+          <a:p>
+            <a:endParaRPr lang="en-US" altLang="zh-CN" dirty="0"/>
+          </a:p>
+          <a:p>
+            <a:r>
+              <a:rPr lang="zh-CN" altLang="en-US" dirty="0"/>
+              <a:t>同时代码对比</a:t>
+            </a:r>
+            <a:endParaRPr lang="en-US" altLang="zh-CN" dirty="0"/>
           </a:p>
         </p:txBody>
       </p:sp>
     </p:spTree>
     <p:extLst>
       <p:ext uri="{BB962C8B-B14F-4D97-AF65-F5344CB8AC3E}">
-        <p14:creationId xmlns:p14="http://schemas.microsoft.com/office/powerpoint/2010/main" val="3189137605"/>
+        <p14:creationId xmlns:p14="http://schemas.microsoft.com/office/powerpoint/2010/main" val="4256841388"/>
       </p:ext>
     </p:extLst>
   </p:cSld>
@@ -6282,10 +5792,10 @@
       </p:grpSpPr>
       <p:sp>
         <p:nvSpPr>
-          <p:cNvPr id="2" name="文本框 1">
-            <a:extLst>
-              <a:ext uri="{FF2B5EF4-FFF2-40B4-BE49-F238E27FC236}">
-                <a16:creationId xmlns:a16="http://schemas.microsoft.com/office/drawing/2014/main" id="{4301BE2B-0820-0143-B72A-D9CEA12265BD}"/>
+          <p:cNvPr id="55" name="文本框 54">
+            <a:extLst>
+              <a:ext uri="{FF2B5EF4-FFF2-40B4-BE49-F238E27FC236}">
+                <a16:creationId xmlns:a16="http://schemas.microsoft.com/office/drawing/2014/main" id="{32A2BE86-86A6-F1FC-83EE-91A826B532E5}"/>
               </a:ext>
             </a:extLst>
           </p:cNvPr>
@@ -6295,7 +5805,7 @@
         <p:spPr>
           <a:xfrm>
             <a:off x="1122218" y="423950"/>
-            <a:ext cx="1753985" cy="461665"/>
+            <a:ext cx="4584920" cy="461665"/>
           </a:xfrm>
           <a:prstGeom prst="rect">
             <a:avLst/>
@@ -6304,48 +5814,6 @@
         </p:spPr>
         <p:txBody>
           <a:bodyPr wrap="square" rtlCol="0">
-            <a:spAutoFit/>
-          </a:bodyPr>
-          <a:lstStyle/>
-          <a:p>
-            <a:r>
-              <a:rPr lang="en-US" altLang="zh-CN" sz="2400" dirty="0">
-                <a:latin typeface="Consolas" panose="020B0609020204030204" pitchFamily="49" charset="0"/>
-                <a:cs typeface="Times New Roman" panose="02020603050405020304" pitchFamily="18" charset="0"/>
-              </a:rPr>
-              <a:t>Questions</a:t>
-            </a:r>
-            <a:endParaRPr lang="en-US" altLang="zh-CN" sz="3200" dirty="0">
-              <a:latin typeface="Consolas" panose="020B0609020204030204" pitchFamily="49" charset="0"/>
-              <a:cs typeface="Times New Roman" panose="02020603050405020304" pitchFamily="18" charset="0"/>
-            </a:endParaRPr>
-          </a:p>
-        </p:txBody>
-      </p:sp>
-      <p:sp>
-        <p:nvSpPr>
-          <p:cNvPr id="3" name="文本框 2">
-            <a:extLst>
-              <a:ext uri="{FF2B5EF4-FFF2-40B4-BE49-F238E27FC236}">
-                <a16:creationId xmlns:a16="http://schemas.microsoft.com/office/drawing/2014/main" id="{A7A0A276-ED6D-9AA8-53E0-36DC0D9FA2F6}"/>
-              </a:ext>
-            </a:extLst>
-          </p:cNvPr>
-          <p:cNvSpPr txBox="1"/>
-          <p:nvPr/>
-        </p:nvSpPr>
-        <p:spPr>
-          <a:xfrm>
-            <a:off x="2085995" y="1962356"/>
-            <a:ext cx="8355863" cy="2308324"/>
-          </a:xfrm>
-          <a:prstGeom prst="rect">
-            <a:avLst/>
-          </a:prstGeom>
-          <a:noFill/>
-        </p:spPr>
-        <p:txBody>
-          <a:bodyPr wrap="square">
             <a:spAutoFit/>
           </a:bodyPr>
           <a:lstStyle>
@@ -6353,22 +5821,55 @@
               <a:defRPr lang="zh-CN"/>
             </a:defPPr>
             <a:lvl1pPr>
-              <a:defRPr b="0">
-                <a:solidFill>
-                  <a:srgbClr val="353535"/>
-                </a:solidFill>
-                <a:effectLst/>
+              <a:defRPr sz="2400">
                 <a:latin typeface="Consolas" panose="020B0609020204030204" pitchFamily="49" charset="0"/>
+                <a:cs typeface="Times New Roman" panose="02020603050405020304" pitchFamily="18" charset="0"/>
               </a:defRPr>
             </a:lvl1pPr>
           </a:lstStyle>
           <a:p>
-            <a:pPr marL="342900" indent="-342900">
-              <a:buAutoNum type="arabicPeriod"/>
-            </a:pPr>
+            <a:r>
+              <a:rPr lang="en-US" altLang="zh-CN" dirty="0"/>
+              <a:t>Work_3: </a:t>
+            </a:r>
+            <a:r>
+              <a:rPr lang="en-US" altLang="zh-CN" sz="1400" dirty="0"/>
+              <a:t>Tutorial</a:t>
+            </a:r>
+          </a:p>
+        </p:txBody>
+      </p:sp>
+      <p:sp>
+        <p:nvSpPr>
+          <p:cNvPr id="3" name="文本框 2">
+            <a:extLst>
+              <a:ext uri="{FF2B5EF4-FFF2-40B4-BE49-F238E27FC236}">
+                <a16:creationId xmlns:a16="http://schemas.microsoft.com/office/drawing/2014/main" id="{FFE5F35C-E985-EA54-8F11-132DC5C66B9F}"/>
+              </a:ext>
+            </a:extLst>
+          </p:cNvPr>
+          <p:cNvSpPr txBox="1"/>
+          <p:nvPr/>
+        </p:nvSpPr>
+        <p:spPr>
+          <a:xfrm>
+            <a:off x="1268361" y="1848465"/>
+            <a:ext cx="9134168" cy="369332"/>
+          </a:xfrm>
+          <a:prstGeom prst="rect">
+            <a:avLst/>
+          </a:prstGeom>
+          <a:noFill/>
+        </p:spPr>
+        <p:txBody>
+          <a:bodyPr wrap="square" rtlCol="0">
+            <a:spAutoFit/>
+          </a:bodyPr>
+          <a:lstStyle/>
+          <a:p>
             <a:r>
               <a:rPr lang="zh-CN" altLang="en-US" dirty="0"/>
-              <a:t>数据集对于很多</a:t>
+              <a:t>一些</a:t>
             </a:r>
             <a:r>
               <a:rPr lang="en-US" altLang="zh-CN" dirty="0"/>
@@ -6376,150 +5877,8 @@
             </a:r>
             <a:r>
               <a:rPr lang="zh-CN" altLang="en-US" dirty="0"/>
-              <a:t>算法不再合适（比如。。。）。是我们自己</a:t>
-            </a:r>
-            <a:r>
-              <a:rPr lang="en-US" altLang="zh-CN" dirty="0"/>
-              <a:t>build</a:t>
-            </a:r>
-            <a:r>
-              <a:rPr lang="zh-CN" altLang="en-US" dirty="0"/>
-              <a:t>一些简单的数据集进行。还是你再给我们一个模拟数据集。</a:t>
-            </a:r>
-            <a:endParaRPr lang="en-US" altLang="zh-CN" dirty="0"/>
-          </a:p>
-          <a:p>
-            <a:pPr marL="342900" indent="-342900">
-              <a:buAutoNum type="arabicPeriod"/>
-            </a:pPr>
-            <a:endParaRPr lang="en-US" altLang="zh-CN" dirty="0"/>
-          </a:p>
-          <a:p>
-            <a:pPr marL="342900" indent="-342900">
-              <a:buFontTx/>
-              <a:buAutoNum type="arabicPeriod"/>
-            </a:pPr>
-            <a:r>
-              <a:rPr lang="en-US" altLang="zh-CN" dirty="0"/>
-              <a:t>What’s that </a:t>
-            </a:r>
-            <a:r>
-              <a:rPr lang="en-US" altLang="zh-CN" dirty="0" err="1"/>
-              <a:t>mean:</a:t>
-            </a:r>
-            <a:r>
-              <a:rPr lang="en-US" altLang="zh-CN" sz="1800" b="0" i="0" u="none" strike="noStrike" dirty="0" err="1">
-                <a:solidFill>
-                  <a:srgbClr val="222222"/>
-                </a:solidFill>
-                <a:effectLst/>
-                <a:latin typeface="Arial" panose="020B0604020202020204" pitchFamily="34" charset="0"/>
-              </a:rPr>
-              <a:t>It</a:t>
-            </a:r>
-            <a:r>
-              <a:rPr lang="en-US" altLang="zh-CN" sz="1800" b="0" i="0" u="none" strike="noStrike" dirty="0">
-                <a:solidFill>
-                  <a:srgbClr val="222222"/>
-                </a:solidFill>
-                <a:effectLst/>
-                <a:latin typeface="Arial" panose="020B0604020202020204" pitchFamily="34" charset="0"/>
-              </a:rPr>
-              <a:t> can be based on </a:t>
-            </a:r>
-            <a:r>
-              <a:rPr lang="en-US" altLang="zh-CN" sz="1800" b="0" i="0" u="sng" strike="noStrike" dirty="0">
-                <a:solidFill>
-                  <a:srgbClr val="1155CC"/>
-                </a:solidFill>
-                <a:effectLst/>
-                <a:latin typeface="Arial" panose="020B0604020202020204" pitchFamily="34" charset="0"/>
-                <a:hlinkClick r:id="rId3"/>
-              </a:rPr>
-              <a:t>our SCG generator</a:t>
-            </a:r>
-            <a:r>
-              <a:rPr lang="en-US" altLang="zh-CN" sz="1800" b="0" i="0" u="none" strike="noStrike" dirty="0">
-                <a:solidFill>
-                  <a:srgbClr val="222222"/>
-                </a:solidFill>
-                <a:effectLst/>
-                <a:latin typeface="Arial" panose="020B0604020202020204" pitchFamily="34" charset="0"/>
-              </a:rPr>
-              <a:t>, and make it support different mother wavelets, such as Harr, Daubechies, Biorthogonal, </a:t>
-            </a:r>
-            <a:r>
-              <a:rPr lang="en-US" altLang="zh-CN" sz="1800" b="0" i="0" u="none" strike="noStrike" dirty="0" err="1">
-                <a:solidFill>
-                  <a:srgbClr val="222222"/>
-                </a:solidFill>
-                <a:effectLst/>
-                <a:latin typeface="Arial" panose="020B0604020202020204" pitchFamily="34" charset="0"/>
-              </a:rPr>
-              <a:t>Symlet</a:t>
-            </a:r>
-            <a:r>
-              <a:rPr lang="en-US" altLang="zh-CN" sz="1800" b="0" i="0" u="none" strike="noStrike" dirty="0">
-                <a:solidFill>
-                  <a:srgbClr val="222222"/>
-                </a:solidFill>
-                <a:effectLst/>
-                <a:latin typeface="Arial" panose="020B0604020202020204" pitchFamily="34" charset="0"/>
-              </a:rPr>
-              <a:t>, Meyer and </a:t>
-            </a:r>
-            <a:r>
-              <a:rPr lang="en-US" altLang="zh-CN" sz="1800" b="0" i="0" u="none" strike="noStrike" dirty="0" err="1">
-                <a:solidFill>
-                  <a:srgbClr val="222222"/>
-                </a:solidFill>
-                <a:effectLst/>
-                <a:latin typeface="Arial" panose="020B0604020202020204" pitchFamily="34" charset="0"/>
-              </a:rPr>
-              <a:t>Coiflets</a:t>
-            </a:r>
-            <a:r>
-              <a:rPr lang="en-US" altLang="zh-CN" sz="1800" b="0" i="0" u="none" strike="noStrike" dirty="0">
-                <a:solidFill>
-                  <a:srgbClr val="222222"/>
-                </a:solidFill>
-                <a:effectLst/>
-                <a:latin typeface="Arial" panose="020B0604020202020204" pitchFamily="34" charset="0"/>
-              </a:rPr>
-              <a:t>. The Nk2’s SCG simulation is based on Daubechies, should we use Harr or </a:t>
-            </a:r>
-            <a:r>
-              <a:rPr lang="en-US" altLang="zh-CN" sz="1800" b="0" i="0" u="none" strike="noStrike" dirty="0" err="1">
-                <a:solidFill>
-                  <a:srgbClr val="222222"/>
-                </a:solidFill>
-                <a:effectLst/>
-                <a:latin typeface="Arial" panose="020B0604020202020204" pitchFamily="34" charset="0"/>
-              </a:rPr>
-              <a:t>Symlet</a:t>
-            </a:r>
-            <a:r>
-              <a:rPr lang="en-US" altLang="zh-CN" sz="1800" b="0" i="0" u="none" strike="noStrike" dirty="0">
-                <a:solidFill>
-                  <a:srgbClr val="222222"/>
-                </a:solidFill>
-                <a:effectLst/>
-                <a:latin typeface="Arial" panose="020B0604020202020204" pitchFamily="34" charset="0"/>
-              </a:rPr>
-              <a:t> to simulate SCG?</a:t>
-            </a:r>
-            <a:endParaRPr lang="en-US" altLang="zh-CN" sz="1800" b="0" i="0" u="none" strike="noStrike" dirty="0">
-              <a:solidFill>
-                <a:srgbClr val="000000"/>
-              </a:solidFill>
-              <a:effectLst/>
-              <a:latin typeface="Arial" panose="020B0604020202020204" pitchFamily="34" charset="0"/>
-            </a:endParaRPr>
-          </a:p>
-          <a:p>
-            <a:pPr marL="342900" indent="-342900">
-              <a:buAutoNum type="arabicPeriod"/>
-            </a:pPr>
+              <a:t>的展示</a:t>
+            </a:r>
             <a:endParaRPr lang="en-US" altLang="zh-CN" dirty="0"/>
           </a:p>
         </p:txBody>
@@ -6527,7 +5886,7 @@
     </p:spTree>
     <p:extLst>
       <p:ext uri="{BB962C8B-B14F-4D97-AF65-F5344CB8AC3E}">
-        <p14:creationId xmlns:p14="http://schemas.microsoft.com/office/powerpoint/2010/main" val="4284639423"/>
+        <p14:creationId xmlns:p14="http://schemas.microsoft.com/office/powerpoint/2010/main" val="2755355289"/>
       </p:ext>
     </p:extLst>
   </p:cSld>
@@ -6556,10 +5915,10 @@
       </p:grpSpPr>
       <p:sp>
         <p:nvSpPr>
-          <p:cNvPr id="2" name="文本框 1">
-            <a:extLst>
-              <a:ext uri="{FF2B5EF4-FFF2-40B4-BE49-F238E27FC236}">
-                <a16:creationId xmlns:a16="http://schemas.microsoft.com/office/drawing/2014/main" id="{4301BE2B-0820-0143-B72A-D9CEA12265BD}"/>
+          <p:cNvPr id="55" name="文本框 54">
+            <a:extLst>
+              <a:ext uri="{FF2B5EF4-FFF2-40B4-BE49-F238E27FC236}">
+                <a16:creationId xmlns:a16="http://schemas.microsoft.com/office/drawing/2014/main" id="{32A2BE86-86A6-F1FC-83EE-91A826B532E5}"/>
               </a:ext>
             </a:extLst>
           </p:cNvPr>
@@ -6568,8 +5927,8 @@
         </p:nvSpPr>
         <p:spPr>
           <a:xfrm>
-            <a:off x="5219007" y="3105834"/>
-            <a:ext cx="1753985" cy="646331"/>
+            <a:off x="1122218" y="423950"/>
+            <a:ext cx="4584920" cy="461665"/>
           </a:xfrm>
           <a:prstGeom prst="rect">
             <a:avLst/>
@@ -6584,8 +5943,8 @@
             <a:defPPr>
               <a:defRPr lang="zh-CN"/>
             </a:defPPr>
-            <a:lvl1pPr algn="ctr">
-              <a:defRPr sz="3600">
+            <a:lvl1pPr>
+              <a:defRPr sz="2400">
                 <a:latin typeface="Consolas" panose="020B0609020204030204" pitchFamily="49" charset="0"/>
                 <a:cs typeface="Times New Roman" panose="02020603050405020304" pitchFamily="18" charset="0"/>
               </a:defRPr>
@@ -6594,15 +5953,65 @@
           <a:p>
             <a:r>
               <a:rPr lang="en-US" altLang="zh-CN" dirty="0"/>
-              <a:t>Thanks!</a:t>
-            </a:r>
+              <a:t>Work_3: </a:t>
+            </a:r>
+            <a:r>
+              <a:rPr lang="en-US" altLang="zh-CN" sz="1400" dirty="0"/>
+              <a:t>Tutorial</a:t>
+            </a:r>
+          </a:p>
+        </p:txBody>
+      </p:sp>
+      <p:sp>
+        <p:nvSpPr>
+          <p:cNvPr id="3" name="文本框 2">
+            <a:extLst>
+              <a:ext uri="{FF2B5EF4-FFF2-40B4-BE49-F238E27FC236}">
+                <a16:creationId xmlns:a16="http://schemas.microsoft.com/office/drawing/2014/main" id="{FFE5F35C-E985-EA54-8F11-132DC5C66B9F}"/>
+              </a:ext>
+            </a:extLst>
+          </p:cNvPr>
+          <p:cNvSpPr txBox="1"/>
+          <p:nvPr/>
+        </p:nvSpPr>
+        <p:spPr>
+          <a:xfrm>
+            <a:off x="1268361" y="1848465"/>
+            <a:ext cx="9134168" cy="923330"/>
+          </a:xfrm>
+          <a:prstGeom prst="rect">
+            <a:avLst/>
+          </a:prstGeom>
+          <a:noFill/>
+        </p:spPr>
+        <p:txBody>
+          <a:bodyPr wrap="square" rtlCol="0">
+            <a:spAutoFit/>
+          </a:bodyPr>
+          <a:lstStyle/>
+          <a:p>
+            <a:r>
+              <a:rPr lang="zh-CN" altLang="en-US" dirty="0"/>
+              <a:t>一些算法，使用我们当前的数据集并没有办法很好的展示。</a:t>
+            </a:r>
+            <a:endParaRPr lang="en-US" altLang="zh-CN" dirty="0"/>
+          </a:p>
+          <a:p>
+            <a:endParaRPr lang="en-US" altLang="zh-CN" dirty="0"/>
+          </a:p>
+          <a:p>
+            <a:r>
+              <a:rPr lang="zh-CN" altLang="en-US" dirty="0"/>
+              <a:t>问题？</a:t>
+            </a:r>
+            <a:endParaRPr lang="en-US" altLang="zh-CN" dirty="0"/>
           </a:p>
         </p:txBody>
       </p:sp>
     </p:spTree>
     <p:extLst>
       <p:ext uri="{BB962C8B-B14F-4D97-AF65-F5344CB8AC3E}">
-        <p14:creationId xmlns:p14="http://schemas.microsoft.com/office/powerpoint/2010/main" val="3015943919"/>
+        <p14:creationId xmlns:p14="http://schemas.microsoft.com/office/powerpoint/2010/main" val="129775301"/>
       </p:ext>
     </p:extLst>
   </p:cSld>
@@ -6669,563 +6078,31 @@
           <a:p>
             <a:r>
               <a:rPr lang="en-US" altLang="zh-CN" dirty="0"/>
-              <a:t>Work_1: </a:t>
+              <a:t>Work_4: </a:t>
             </a:r>
             <a:r>
               <a:rPr lang="en-US" altLang="zh-CN" sz="1400" dirty="0"/>
-              <a:t>Features Selection</a:t>
-            </a:r>
-          </a:p>
-        </p:txBody>
-      </p:sp>
-      <p:sp>
-        <p:nvSpPr>
-          <p:cNvPr id="4" name="矩形 3">
-            <a:extLst>
-              <a:ext uri="{FF2B5EF4-FFF2-40B4-BE49-F238E27FC236}">
-                <a16:creationId xmlns:a16="http://schemas.microsoft.com/office/drawing/2014/main" id="{1CA0FCD0-F08E-9E82-9422-7E467BAE8B86}"/>
-              </a:ext>
-            </a:extLst>
-          </p:cNvPr>
-          <p:cNvSpPr/>
+              <a:t>Theoretical knowledge Learning</a:t>
+            </a:r>
+          </a:p>
+        </p:txBody>
+      </p:sp>
+      <p:sp>
+        <p:nvSpPr>
+          <p:cNvPr id="3" name="文本框 2">
+            <a:extLst>
+              <a:ext uri="{FF2B5EF4-FFF2-40B4-BE49-F238E27FC236}">
+                <a16:creationId xmlns:a16="http://schemas.microsoft.com/office/drawing/2014/main" id="{C1F1E1A2-EAA5-F458-EF2C-03F08482877A}"/>
+              </a:ext>
+            </a:extLst>
+          </p:cNvPr>
+          <p:cNvSpPr txBox="1"/>
           <p:nvPr/>
         </p:nvSpPr>
         <p:spPr>
           <a:xfrm>
-            <a:off x="237507" y="1787687"/>
-            <a:ext cx="2892062" cy="461317"/>
-          </a:xfrm>
-          <a:prstGeom prst="rect">
-            <a:avLst/>
-          </a:prstGeom>
-          <a:solidFill>
-            <a:schemeClr val="bg1"/>
-          </a:solidFill>
-        </p:spPr>
-        <p:style>
-          <a:lnRef idx="2">
-            <a:schemeClr val="accent1">
-              <a:shade val="15000"/>
-            </a:schemeClr>
-          </a:lnRef>
-          <a:fillRef idx="1">
-            <a:schemeClr val="accent1"/>
-          </a:fillRef>
-          <a:effectRef idx="0">
-            <a:schemeClr val="accent1"/>
-          </a:effectRef>
-          <a:fontRef idx="minor">
-            <a:schemeClr val="lt1"/>
-          </a:fontRef>
-        </p:style>
-        <p:txBody>
-          <a:bodyPr rtlCol="0" anchor="ctr"/>
-          <a:lstStyle/>
-          <a:p>
-            <a:pPr algn="ctr"/>
-            <a:r>
-              <a:rPr lang="en-US" altLang="zh-CN" dirty="0">
-                <a:solidFill>
-                  <a:schemeClr val="tx1"/>
-                </a:solidFill>
-                <a:latin typeface="Consolas" panose="020B0609020204030204" pitchFamily="49" charset="0"/>
-                <a:cs typeface="Times New Roman" panose="02020603050405020304" pitchFamily="18" charset="0"/>
-              </a:rPr>
-              <a:t>Basic Features</a:t>
-            </a:r>
-            <a:endParaRPr lang="zh-CN" altLang="en-US" dirty="0">
-              <a:solidFill>
-                <a:schemeClr val="tx1"/>
-              </a:solidFill>
-              <a:latin typeface="Consolas" panose="020B0609020204030204" pitchFamily="49" charset="0"/>
-              <a:cs typeface="Times New Roman" panose="02020603050405020304" pitchFamily="18" charset="0"/>
-            </a:endParaRPr>
-          </a:p>
-        </p:txBody>
-      </p:sp>
-      <p:sp>
-        <p:nvSpPr>
-          <p:cNvPr id="5" name="矩形 4">
-            <a:extLst>
-              <a:ext uri="{FF2B5EF4-FFF2-40B4-BE49-F238E27FC236}">
-                <a16:creationId xmlns:a16="http://schemas.microsoft.com/office/drawing/2014/main" id="{D8824394-8E5D-2AE3-08A3-19BE19BB92F7}"/>
-              </a:ext>
-            </a:extLst>
-          </p:cNvPr>
-          <p:cNvSpPr/>
-          <p:nvPr/>
-        </p:nvSpPr>
-        <p:spPr>
-          <a:xfrm>
-            <a:off x="237507" y="2555745"/>
-            <a:ext cx="2900405" cy="465411"/>
-          </a:xfrm>
-          <a:prstGeom prst="rect">
-            <a:avLst/>
-          </a:prstGeom>
-          <a:solidFill>
-            <a:schemeClr val="bg1"/>
-          </a:solidFill>
-        </p:spPr>
-        <p:style>
-          <a:lnRef idx="2">
-            <a:schemeClr val="accent1">
-              <a:shade val="15000"/>
-            </a:schemeClr>
-          </a:lnRef>
-          <a:fillRef idx="1">
-            <a:schemeClr val="accent1"/>
-          </a:fillRef>
-          <a:effectRef idx="0">
-            <a:schemeClr val="accent1"/>
-          </a:effectRef>
-          <a:fontRef idx="minor">
-            <a:schemeClr val="lt1"/>
-          </a:fontRef>
-        </p:style>
-        <p:txBody>
-          <a:bodyPr rtlCol="0" anchor="ctr"/>
-          <a:lstStyle/>
-          <a:p>
-            <a:pPr algn="ctr"/>
-            <a:r>
-              <a:rPr lang="en-US" altLang="zh-CN" dirty="0">
-                <a:solidFill>
-                  <a:schemeClr val="tx1"/>
-                </a:solidFill>
-                <a:latin typeface="Consolas" panose="020B0609020204030204" pitchFamily="49" charset="0"/>
-                <a:cs typeface="Times New Roman" panose="02020603050405020304" pitchFamily="18" charset="0"/>
-              </a:rPr>
-              <a:t>Feature Cross</a:t>
-            </a:r>
-            <a:endParaRPr lang="zh-CN" altLang="en-US" dirty="0">
-              <a:solidFill>
-                <a:schemeClr val="tx1"/>
-              </a:solidFill>
-              <a:latin typeface="Consolas" panose="020B0609020204030204" pitchFamily="49" charset="0"/>
-              <a:cs typeface="Times New Roman" panose="02020603050405020304" pitchFamily="18" charset="0"/>
-            </a:endParaRPr>
-          </a:p>
-        </p:txBody>
-      </p:sp>
-      <p:sp>
-        <p:nvSpPr>
-          <p:cNvPr id="6" name="矩形 5">
-            <a:extLst>
-              <a:ext uri="{FF2B5EF4-FFF2-40B4-BE49-F238E27FC236}">
-                <a16:creationId xmlns:a16="http://schemas.microsoft.com/office/drawing/2014/main" id="{0A2A2C8A-E432-9C1B-23DF-3E398EEF5082}"/>
-              </a:ext>
-            </a:extLst>
-          </p:cNvPr>
-          <p:cNvSpPr/>
-          <p:nvPr/>
-        </p:nvSpPr>
-        <p:spPr>
-          <a:xfrm>
-            <a:off x="237507" y="3298082"/>
-            <a:ext cx="2900405" cy="479037"/>
-          </a:xfrm>
-          <a:prstGeom prst="rect">
-            <a:avLst/>
-          </a:prstGeom>
-          <a:solidFill>
-            <a:schemeClr val="bg1"/>
-          </a:solidFill>
-        </p:spPr>
-        <p:style>
-          <a:lnRef idx="2">
-            <a:schemeClr val="accent1">
-              <a:shade val="15000"/>
-            </a:schemeClr>
-          </a:lnRef>
-          <a:fillRef idx="1">
-            <a:schemeClr val="accent1"/>
-          </a:fillRef>
-          <a:effectRef idx="0">
-            <a:schemeClr val="accent1"/>
-          </a:effectRef>
-          <a:fontRef idx="minor">
-            <a:schemeClr val="lt1"/>
-          </a:fontRef>
-        </p:style>
-        <p:txBody>
-          <a:bodyPr rtlCol="0" anchor="ctr"/>
-          <a:lstStyle/>
-          <a:p>
-            <a:pPr algn="ctr"/>
-            <a:r>
-              <a:rPr lang="en-US" altLang="zh-CN" dirty="0">
-                <a:solidFill>
-                  <a:schemeClr val="tx1"/>
-                </a:solidFill>
-                <a:latin typeface="Consolas" panose="020B0609020204030204" pitchFamily="49" charset="0"/>
-                <a:cs typeface="Times New Roman" panose="02020603050405020304" pitchFamily="18" charset="0"/>
-              </a:rPr>
-              <a:t>Relevance Calculation</a:t>
-            </a:r>
-            <a:endParaRPr lang="zh-CN" altLang="en-US" dirty="0">
-              <a:solidFill>
-                <a:schemeClr val="tx1"/>
-              </a:solidFill>
-              <a:latin typeface="Consolas" panose="020B0609020204030204" pitchFamily="49" charset="0"/>
-              <a:cs typeface="Times New Roman" panose="02020603050405020304" pitchFamily="18" charset="0"/>
-            </a:endParaRPr>
-          </a:p>
-        </p:txBody>
-      </p:sp>
-      <p:sp>
-        <p:nvSpPr>
-          <p:cNvPr id="7" name="矩形 6">
-            <a:extLst>
-              <a:ext uri="{FF2B5EF4-FFF2-40B4-BE49-F238E27FC236}">
-                <a16:creationId xmlns:a16="http://schemas.microsoft.com/office/drawing/2014/main" id="{563C8E30-2433-6797-871E-0C3702D7ACDE}"/>
-              </a:ext>
-            </a:extLst>
-          </p:cNvPr>
-          <p:cNvSpPr/>
-          <p:nvPr/>
-        </p:nvSpPr>
-        <p:spPr>
-          <a:xfrm>
-            <a:off x="237507" y="4093275"/>
-            <a:ext cx="2895472" cy="689096"/>
-          </a:xfrm>
-          <a:prstGeom prst="rect">
-            <a:avLst/>
-          </a:prstGeom>
-          <a:solidFill>
-            <a:schemeClr val="bg1"/>
-          </a:solidFill>
-        </p:spPr>
-        <p:style>
-          <a:lnRef idx="2">
-            <a:schemeClr val="accent1">
-              <a:shade val="15000"/>
-            </a:schemeClr>
-          </a:lnRef>
-          <a:fillRef idx="1">
-            <a:schemeClr val="accent1"/>
-          </a:fillRef>
-          <a:effectRef idx="0">
-            <a:schemeClr val="accent1"/>
-          </a:effectRef>
-          <a:fontRef idx="minor">
-            <a:schemeClr val="lt1"/>
-          </a:fontRef>
-        </p:style>
-        <p:txBody>
-          <a:bodyPr rtlCol="0" anchor="ctr"/>
-          <a:lstStyle/>
-          <a:p>
-            <a:pPr algn="ctr"/>
-            <a:r>
-              <a:rPr lang="en-US" altLang="zh-CN" b="0" i="0" dirty="0">
-                <a:solidFill>
-                  <a:srgbClr val="212529"/>
-                </a:solidFill>
-                <a:effectLst/>
-                <a:latin typeface="-apple-system"/>
-              </a:rPr>
-              <a:t>Univariate Feature </a:t>
-            </a:r>
-            <a:r>
-              <a:rPr lang="en-US" altLang="zh-CN" dirty="0">
-                <a:solidFill>
-                  <a:srgbClr val="212529"/>
-                </a:solidFill>
-                <a:latin typeface="-apple-system"/>
-              </a:rPr>
-              <a:t>S</a:t>
-            </a:r>
-            <a:r>
-              <a:rPr lang="en-US" altLang="zh-CN" b="0" i="0" dirty="0">
-                <a:solidFill>
-                  <a:srgbClr val="212529"/>
-                </a:solidFill>
-                <a:effectLst/>
-                <a:latin typeface="-apple-system"/>
-              </a:rPr>
-              <a:t>election and </a:t>
-            </a:r>
-            <a:r>
-              <a:rPr lang="en-US" altLang="zh-CN" dirty="0">
-                <a:solidFill>
-                  <a:srgbClr val="212529"/>
-                </a:solidFill>
-                <a:latin typeface="-apple-system"/>
-              </a:rPr>
-              <a:t>C</a:t>
-            </a:r>
-            <a:r>
-              <a:rPr lang="en-US" altLang="zh-CN" b="0" i="0" dirty="0">
-                <a:solidFill>
-                  <a:srgbClr val="212529"/>
-                </a:solidFill>
-                <a:effectLst/>
-                <a:latin typeface="-apple-system"/>
-              </a:rPr>
-              <a:t>hoose </a:t>
-            </a:r>
-            <a:r>
-              <a:rPr lang="en-US" altLang="zh-CN" dirty="0">
-                <a:solidFill>
-                  <a:srgbClr val="212529"/>
-                </a:solidFill>
-                <a:latin typeface="-apple-system"/>
-              </a:rPr>
-              <a:t>B</a:t>
-            </a:r>
-            <a:r>
-              <a:rPr lang="en-US" altLang="zh-CN" b="0" i="0" dirty="0">
-                <a:solidFill>
-                  <a:srgbClr val="212529"/>
-                </a:solidFill>
-                <a:effectLst/>
-                <a:latin typeface="-apple-system"/>
-              </a:rPr>
-              <a:t>est K</a:t>
-            </a:r>
-            <a:endParaRPr lang="zh-CN" altLang="en-US" dirty="0">
-              <a:solidFill>
-                <a:schemeClr val="tx1"/>
-              </a:solidFill>
-              <a:latin typeface="Consolas" panose="020B0609020204030204" pitchFamily="49" charset="0"/>
-              <a:cs typeface="Times New Roman" panose="02020603050405020304" pitchFamily="18" charset="0"/>
-            </a:endParaRPr>
-          </a:p>
-        </p:txBody>
-      </p:sp>
-      <p:sp>
-        <p:nvSpPr>
-          <p:cNvPr id="8" name="矩形 7">
-            <a:extLst>
-              <a:ext uri="{FF2B5EF4-FFF2-40B4-BE49-F238E27FC236}">
-                <a16:creationId xmlns:a16="http://schemas.microsoft.com/office/drawing/2014/main" id="{0F67C646-2ACC-2C35-EDC4-ABD1B693AC2C}"/>
-              </a:ext>
-            </a:extLst>
-          </p:cNvPr>
-          <p:cNvSpPr/>
-          <p:nvPr/>
-        </p:nvSpPr>
-        <p:spPr>
-          <a:xfrm>
-            <a:off x="237507" y="5063946"/>
-            <a:ext cx="2900405" cy="653560"/>
-          </a:xfrm>
-          <a:prstGeom prst="rect">
-            <a:avLst/>
-          </a:prstGeom>
-          <a:solidFill>
-            <a:schemeClr val="bg1"/>
-          </a:solidFill>
-        </p:spPr>
-        <p:style>
-          <a:lnRef idx="2">
-            <a:schemeClr val="accent1">
-              <a:shade val="15000"/>
-            </a:schemeClr>
-          </a:lnRef>
-          <a:fillRef idx="1">
-            <a:schemeClr val="accent1"/>
-          </a:fillRef>
-          <a:effectRef idx="0">
-            <a:schemeClr val="accent1"/>
-          </a:effectRef>
-          <a:fontRef idx="minor">
-            <a:schemeClr val="lt1"/>
-          </a:fontRef>
-        </p:style>
-        <p:txBody>
-          <a:bodyPr rtlCol="0" anchor="ctr"/>
-          <a:lstStyle/>
-          <a:p>
-            <a:pPr algn="ctr"/>
-            <a:r>
-              <a:rPr lang="en-US" altLang="zh-CN" b="0" i="0" dirty="0">
-                <a:solidFill>
-                  <a:srgbClr val="212529"/>
-                </a:solidFill>
-                <a:effectLst/>
-                <a:latin typeface="-apple-system"/>
-              </a:rPr>
-              <a:t>Recursive Feature </a:t>
-            </a:r>
-            <a:r>
-              <a:rPr lang="en-US" altLang="zh-CN" dirty="0">
-                <a:solidFill>
-                  <a:srgbClr val="212529"/>
-                </a:solidFill>
-                <a:latin typeface="-apple-system"/>
-              </a:rPr>
-              <a:t>E</a:t>
-            </a:r>
-            <a:r>
-              <a:rPr lang="en-US" altLang="zh-CN" b="0" i="0" dirty="0">
-                <a:solidFill>
-                  <a:srgbClr val="212529"/>
-                </a:solidFill>
-                <a:effectLst/>
-                <a:latin typeface="-apple-system"/>
-              </a:rPr>
-              <a:t>limination (RFE)</a:t>
-            </a:r>
-          </a:p>
-        </p:txBody>
-      </p:sp>
-      <p:cxnSp>
-        <p:nvCxnSpPr>
-          <p:cNvPr id="9" name="直接箭头连接符 8">
-            <a:extLst>
-              <a:ext uri="{FF2B5EF4-FFF2-40B4-BE49-F238E27FC236}">
-                <a16:creationId xmlns:a16="http://schemas.microsoft.com/office/drawing/2014/main" id="{807B0854-0D3F-76B8-3890-6D3C3970B634}"/>
-              </a:ext>
-            </a:extLst>
-          </p:cNvPr>
-          <p:cNvCxnSpPr>
-            <a:cxnSpLocks/>
-            <a:stCxn id="4" idx="2"/>
-            <a:endCxn id="5" idx="0"/>
-          </p:cNvCxnSpPr>
-          <p:nvPr/>
-        </p:nvCxnSpPr>
-        <p:spPr>
-          <a:xfrm>
-            <a:off x="1683538" y="2249004"/>
-            <a:ext cx="4172" cy="306741"/>
-          </a:xfrm>
-          <a:prstGeom prst="straightConnector1">
-            <a:avLst/>
-          </a:prstGeom>
-          <a:ln w="19050">
-            <a:solidFill>
-              <a:schemeClr val="tx1"/>
-            </a:solidFill>
-            <a:tailEnd type="triangle"/>
-          </a:ln>
-        </p:spPr>
-        <p:style>
-          <a:lnRef idx="1">
-            <a:schemeClr val="accent1"/>
-          </a:lnRef>
-          <a:fillRef idx="0">
-            <a:schemeClr val="accent1"/>
-          </a:fillRef>
-          <a:effectRef idx="0">
-            <a:schemeClr val="accent1"/>
-          </a:effectRef>
-          <a:fontRef idx="minor">
-            <a:schemeClr val="tx1"/>
-          </a:fontRef>
-        </p:style>
-      </p:cxnSp>
-      <p:cxnSp>
-        <p:nvCxnSpPr>
-          <p:cNvPr id="10" name="直接箭头连接符 9">
-            <a:extLst>
-              <a:ext uri="{FF2B5EF4-FFF2-40B4-BE49-F238E27FC236}">
-                <a16:creationId xmlns:a16="http://schemas.microsoft.com/office/drawing/2014/main" id="{A34EC58F-E594-848A-68FA-093986FD4D00}"/>
-              </a:ext>
-            </a:extLst>
-          </p:cNvPr>
-          <p:cNvCxnSpPr>
-            <a:cxnSpLocks/>
-            <a:stCxn id="5" idx="2"/>
-            <a:endCxn id="6" idx="0"/>
-          </p:cNvCxnSpPr>
-          <p:nvPr/>
-        </p:nvCxnSpPr>
-        <p:spPr>
-          <a:xfrm>
-            <a:off x="1687710" y="3021156"/>
-            <a:ext cx="0" cy="276926"/>
-          </a:xfrm>
-          <a:prstGeom prst="straightConnector1">
-            <a:avLst/>
-          </a:prstGeom>
-          <a:ln w="19050">
-            <a:solidFill>
-              <a:schemeClr val="tx1"/>
-            </a:solidFill>
-            <a:tailEnd type="triangle"/>
-          </a:ln>
-        </p:spPr>
-        <p:style>
-          <a:lnRef idx="1">
-            <a:schemeClr val="accent1"/>
-          </a:lnRef>
-          <a:fillRef idx="0">
-            <a:schemeClr val="accent1"/>
-          </a:fillRef>
-          <a:effectRef idx="0">
-            <a:schemeClr val="accent1"/>
-          </a:effectRef>
-          <a:fontRef idx="minor">
-            <a:schemeClr val="tx1"/>
-          </a:fontRef>
-        </p:style>
-      </p:cxnSp>
-      <p:cxnSp>
-        <p:nvCxnSpPr>
-          <p:cNvPr id="12" name="直接箭头连接符 11">
-            <a:extLst>
-              <a:ext uri="{FF2B5EF4-FFF2-40B4-BE49-F238E27FC236}">
-                <a16:creationId xmlns:a16="http://schemas.microsoft.com/office/drawing/2014/main" id="{37DE5520-D74D-3FF4-1605-7A887CA59B10}"/>
-              </a:ext>
-            </a:extLst>
-          </p:cNvPr>
-          <p:cNvCxnSpPr>
-            <a:cxnSpLocks/>
-            <a:stCxn id="7" idx="2"/>
-            <a:endCxn id="8" idx="0"/>
-          </p:cNvCxnSpPr>
-          <p:nvPr/>
-        </p:nvCxnSpPr>
-        <p:spPr>
-          <a:xfrm>
-            <a:off x="1685243" y="4782371"/>
-            <a:ext cx="2467" cy="281575"/>
-          </a:xfrm>
-          <a:prstGeom prst="straightConnector1">
-            <a:avLst/>
-          </a:prstGeom>
-          <a:ln w="19050">
-            <a:solidFill>
-              <a:schemeClr val="tx1"/>
-            </a:solidFill>
-            <a:tailEnd type="triangle"/>
-          </a:ln>
-        </p:spPr>
-        <p:style>
-          <a:lnRef idx="1">
-            <a:schemeClr val="accent1"/>
-          </a:lnRef>
-          <a:fillRef idx="0">
-            <a:schemeClr val="accent1"/>
-          </a:fillRef>
-          <a:effectRef idx="0">
-            <a:schemeClr val="accent1"/>
-          </a:effectRef>
-          <a:fontRef idx="minor">
-            <a:schemeClr val="tx1"/>
-          </a:fontRef>
-        </p:style>
-      </p:cxnSp>
-      <p:sp>
-        <p:nvSpPr>
-          <p:cNvPr id="13" name="文本框 12">
-            <a:extLst>
-              <a:ext uri="{FF2B5EF4-FFF2-40B4-BE49-F238E27FC236}">
-                <a16:creationId xmlns:a16="http://schemas.microsoft.com/office/drawing/2014/main" id="{F4E8D3AD-D258-706F-3DED-80634BDDE0DD}"/>
-              </a:ext>
-            </a:extLst>
-          </p:cNvPr>
-          <p:cNvSpPr txBox="1"/>
-          <p:nvPr/>
-        </p:nvSpPr>
-        <p:spPr>
-          <a:xfrm>
-            <a:off x="388540" y="865837"/>
-            <a:ext cx="2589995" cy="646331"/>
+            <a:off x="1770031" y="1385264"/>
+            <a:ext cx="3059685" cy="400110"/>
           </a:xfrm>
           <a:prstGeom prst="rect">
             <a:avLst/>
@@ -7236,164 +6113,46 @@
           <a:bodyPr wrap="square">
             <a:spAutoFit/>
           </a:bodyPr>
-          <a:lstStyle/>
+          <a:lstStyle>
+            <a:defPPr>
+              <a:defRPr lang="zh-CN"/>
+            </a:defPPr>
+            <a:lvl1pPr>
+              <a:defRPr b="0">
+                <a:solidFill>
+                  <a:srgbClr val="353535"/>
+                </a:solidFill>
+                <a:effectLst/>
+                <a:latin typeface="Consolas" panose="020B0609020204030204" pitchFamily="49" charset="0"/>
+              </a:defRPr>
+            </a:lvl1pPr>
+          </a:lstStyle>
           <a:p>
             <a:pPr algn="ctr"/>
             <a:r>
-              <a:rPr lang="en-US" altLang="zh-CN" dirty="0">
-                <a:solidFill>
-                  <a:schemeClr val="tx1"/>
-                </a:solidFill>
-                <a:latin typeface="Consolas" panose="020B0609020204030204" pitchFamily="49" charset="0"/>
-                <a:cs typeface="Times New Roman" panose="02020603050405020304" pitchFamily="18" charset="0"/>
-              </a:rPr>
-              <a:t>Data</a:t>
-            </a:r>
-          </a:p>
-          <a:p>
-            <a:pPr algn="ctr"/>
-            <a:r>
-              <a:rPr lang="en-US" altLang="zh-CN" dirty="0">
-                <a:latin typeface="Consolas" panose="020B0609020204030204" pitchFamily="49" charset="0"/>
-                <a:cs typeface="Times New Roman" panose="02020603050405020304" pitchFamily="18" charset="0"/>
-              </a:rPr>
-              <a:t>(</a:t>
-            </a:r>
-            <a:r>
-              <a:rPr lang="en-US" altLang="zh-CN" dirty="0">
-                <a:solidFill>
-                  <a:schemeClr val="tx1"/>
-                </a:solidFill>
-                <a:latin typeface="Consolas" panose="020B0609020204030204" pitchFamily="49" charset="0"/>
-                <a:cs typeface="Times New Roman" panose="02020603050405020304" pitchFamily="18" charset="0"/>
-              </a:rPr>
-              <a:t>Noise: 0.1, No RR</a:t>
-            </a:r>
-            <a:r>
-              <a:rPr lang="en-US" altLang="zh-CN" dirty="0">
-                <a:latin typeface="Consolas" panose="020B0609020204030204" pitchFamily="49" charset="0"/>
-                <a:cs typeface="Times New Roman" panose="02020603050405020304" pitchFamily="18" charset="0"/>
-              </a:rPr>
-              <a:t>)</a:t>
-            </a:r>
-            <a:endParaRPr lang="zh-CN" altLang="en-US" dirty="0">
-              <a:solidFill>
-                <a:schemeClr val="tx1"/>
-              </a:solidFill>
-              <a:latin typeface="Consolas" panose="020B0609020204030204" pitchFamily="49" charset="0"/>
-              <a:cs typeface="Times New Roman" panose="02020603050405020304" pitchFamily="18" charset="0"/>
-            </a:endParaRPr>
-          </a:p>
-        </p:txBody>
-      </p:sp>
-      <p:cxnSp>
-        <p:nvCxnSpPr>
-          <p:cNvPr id="15" name="直接箭头连接符 14">
-            <a:extLst>
-              <a:ext uri="{FF2B5EF4-FFF2-40B4-BE49-F238E27FC236}">
-                <a16:creationId xmlns:a16="http://schemas.microsoft.com/office/drawing/2014/main" id="{E2BD9791-3CE2-D397-590B-28E5841C207E}"/>
-              </a:ext>
-            </a:extLst>
-          </p:cNvPr>
-          <p:cNvCxnSpPr>
-            <a:cxnSpLocks/>
-            <a:stCxn id="8" idx="2"/>
-            <a:endCxn id="57" idx="0"/>
-          </p:cNvCxnSpPr>
+              <a:rPr lang="en-US" altLang="zh-CN" sz="2000" b="1" dirty="0"/>
+              <a:t>Signals and Systems</a:t>
+            </a:r>
+            <a:endParaRPr lang="zh-CN" altLang="en-US" sz="2000" b="1" dirty="0"/>
+          </a:p>
+        </p:txBody>
+      </p:sp>
+      <p:sp>
+        <p:nvSpPr>
+          <p:cNvPr id="8" name="文本框 7">
+            <a:extLst>
+              <a:ext uri="{FF2B5EF4-FFF2-40B4-BE49-F238E27FC236}">
+                <a16:creationId xmlns:a16="http://schemas.microsoft.com/office/drawing/2014/main" id="{56C7C0D7-F219-E08C-D3D9-87ED10553615}"/>
+              </a:ext>
+            </a:extLst>
+          </p:cNvPr>
+          <p:cNvSpPr txBox="1"/>
           <p:nvPr/>
-        </p:nvCxnSpPr>
-        <p:spPr>
-          <a:xfrm flipH="1">
-            <a:off x="1683538" y="5717506"/>
-            <a:ext cx="4172" cy="264807"/>
-          </a:xfrm>
-          <a:prstGeom prst="straightConnector1">
-            <a:avLst/>
-          </a:prstGeom>
-          <a:ln w="19050">
-            <a:solidFill>
-              <a:schemeClr val="tx1"/>
-            </a:solidFill>
-            <a:tailEnd type="triangle"/>
-          </a:ln>
-        </p:spPr>
-        <p:style>
-          <a:lnRef idx="1">
-            <a:schemeClr val="accent1"/>
-          </a:lnRef>
-          <a:fillRef idx="0">
-            <a:schemeClr val="accent1"/>
-          </a:fillRef>
-          <a:effectRef idx="0">
-            <a:schemeClr val="accent1"/>
-          </a:effectRef>
-          <a:fontRef idx="minor">
-            <a:schemeClr val="tx1"/>
-          </a:fontRef>
-        </p:style>
-      </p:cxnSp>
-      <p:cxnSp>
-        <p:nvCxnSpPr>
-          <p:cNvPr id="16" name="直接箭头连接符 15">
-            <a:extLst>
-              <a:ext uri="{FF2B5EF4-FFF2-40B4-BE49-F238E27FC236}">
-                <a16:creationId xmlns:a16="http://schemas.microsoft.com/office/drawing/2014/main" id="{04B4B215-591F-0FC9-C1F5-8B061DCEE2ED}"/>
-              </a:ext>
-            </a:extLst>
-          </p:cNvPr>
-          <p:cNvCxnSpPr>
-            <a:cxnSpLocks/>
-            <a:stCxn id="13" idx="2"/>
-            <a:endCxn id="4" idx="0"/>
-          </p:cNvCxnSpPr>
-          <p:nvPr/>
-        </p:nvCxnSpPr>
+        </p:nvSpPr>
         <p:spPr>
           <a:xfrm>
-            <a:off x="1683538" y="1512168"/>
-            <a:ext cx="0" cy="275519"/>
-          </a:xfrm>
-          <a:prstGeom prst="straightConnector1">
-            <a:avLst/>
-          </a:prstGeom>
-          <a:ln w="19050">
-            <a:solidFill>
-              <a:schemeClr val="tx1"/>
-            </a:solidFill>
-            <a:tailEnd type="triangle"/>
-          </a:ln>
-        </p:spPr>
-        <p:style>
-          <a:lnRef idx="1">
-            <a:schemeClr val="accent1"/>
-          </a:lnRef>
-          <a:fillRef idx="0">
-            <a:schemeClr val="accent1"/>
-          </a:fillRef>
-          <a:effectRef idx="0">
-            <a:schemeClr val="accent1"/>
-          </a:effectRef>
-          <a:fontRef idx="minor">
-            <a:schemeClr val="tx1"/>
-          </a:fontRef>
-        </p:style>
-      </p:cxnSp>
-      <p:sp>
-        <p:nvSpPr>
-          <p:cNvPr id="17" name="文本框 16">
-            <a:extLst>
-              <a:ext uri="{FF2B5EF4-FFF2-40B4-BE49-F238E27FC236}">
-                <a16:creationId xmlns:a16="http://schemas.microsoft.com/office/drawing/2014/main" id="{550D5D55-AD08-ED37-C1C2-DFD3DCDCF0BA}"/>
-              </a:ext>
-            </a:extLst>
-          </p:cNvPr>
-          <p:cNvSpPr txBox="1"/>
-          <p:nvPr/>
-        </p:nvSpPr>
-        <p:spPr>
-          <a:xfrm>
-            <a:off x="4736831" y="1829444"/>
-            <a:ext cx="6333894" cy="369332"/>
+            <a:off x="1122219" y="1903188"/>
+            <a:ext cx="4727863" cy="1754326"/>
           </a:xfrm>
           <a:prstGeom prst="rect">
             <a:avLst/>
@@ -7404,289 +6163,99 @@
           <a:bodyPr wrap="square">
             <a:spAutoFit/>
           </a:bodyPr>
-          <a:lstStyle/>
-          <a:p>
-            <a:r>
-              <a:rPr lang="en-US" altLang="zh-CN" dirty="0"/>
-              <a:t>Selecting 20 commonly used fundamental features.</a:t>
-            </a:r>
-            <a:endParaRPr lang="zh-CN" altLang="en-US" dirty="0"/>
-          </a:p>
-        </p:txBody>
-      </p:sp>
-      <p:cxnSp>
-        <p:nvCxnSpPr>
-          <p:cNvPr id="18" name="直接箭头连接符 17">
-            <a:extLst>
-              <a:ext uri="{FF2B5EF4-FFF2-40B4-BE49-F238E27FC236}">
-                <a16:creationId xmlns:a16="http://schemas.microsoft.com/office/drawing/2014/main" id="{E11D923B-263B-D2EE-F753-852FDE644AFF}"/>
-              </a:ext>
-            </a:extLst>
-          </p:cNvPr>
-          <p:cNvCxnSpPr>
-            <a:cxnSpLocks/>
-            <a:stCxn id="17" idx="1"/>
-            <a:endCxn id="4" idx="3"/>
-          </p:cNvCxnSpPr>
-          <p:nvPr/>
-        </p:nvCxnSpPr>
-        <p:spPr>
-          <a:xfrm flipH="1">
-            <a:off x="3129569" y="2014110"/>
-            <a:ext cx="1607262" cy="4236"/>
-          </a:xfrm>
-          <a:prstGeom prst="straightConnector1">
-            <a:avLst/>
-          </a:prstGeom>
-          <a:ln>
-            <a:solidFill>
-              <a:schemeClr val="bg1">
-                <a:lumMod val="50000"/>
-              </a:schemeClr>
-            </a:solidFill>
-            <a:prstDash val="lgDash"/>
-            <a:tailEnd type="triangle"/>
-          </a:ln>
-        </p:spPr>
-        <p:style>
-          <a:lnRef idx="1">
-            <a:schemeClr val="accent1"/>
-          </a:lnRef>
-          <a:fillRef idx="0">
-            <a:schemeClr val="accent1"/>
-          </a:fillRef>
-          <a:effectRef idx="0">
-            <a:schemeClr val="accent1"/>
-          </a:effectRef>
-          <a:fontRef idx="minor">
-            <a:schemeClr val="tx1"/>
-          </a:fontRef>
-        </p:style>
-      </p:cxnSp>
-      <p:cxnSp>
-        <p:nvCxnSpPr>
-          <p:cNvPr id="19" name="直接箭头连接符 18">
-            <a:extLst>
-              <a:ext uri="{FF2B5EF4-FFF2-40B4-BE49-F238E27FC236}">
-                <a16:creationId xmlns:a16="http://schemas.microsoft.com/office/drawing/2014/main" id="{37A33578-348C-A2D3-0222-21084906AD0A}"/>
-              </a:ext>
-            </a:extLst>
-          </p:cNvPr>
-          <p:cNvCxnSpPr>
-            <a:cxnSpLocks/>
-            <a:endCxn id="7" idx="3"/>
-          </p:cNvCxnSpPr>
-          <p:nvPr/>
-        </p:nvCxnSpPr>
-        <p:spPr>
-          <a:xfrm flipH="1">
-            <a:off x="3132979" y="4437823"/>
-            <a:ext cx="1603852" cy="0"/>
-          </a:xfrm>
-          <a:prstGeom prst="straightConnector1">
-            <a:avLst/>
-          </a:prstGeom>
-          <a:ln>
-            <a:solidFill>
-              <a:schemeClr val="bg1">
-                <a:lumMod val="50000"/>
-              </a:schemeClr>
-            </a:solidFill>
-            <a:prstDash val="lgDash"/>
-            <a:tailEnd type="triangle"/>
-          </a:ln>
-        </p:spPr>
-        <p:style>
-          <a:lnRef idx="1">
-            <a:schemeClr val="accent1"/>
-          </a:lnRef>
-          <a:fillRef idx="0">
-            <a:schemeClr val="accent1"/>
-          </a:fillRef>
-          <a:effectRef idx="0">
-            <a:schemeClr val="accent1"/>
-          </a:effectRef>
-          <a:fontRef idx="minor">
-            <a:schemeClr val="tx1"/>
-          </a:fontRef>
-        </p:style>
-      </p:cxnSp>
-      <p:cxnSp>
-        <p:nvCxnSpPr>
-          <p:cNvPr id="20" name="直接箭头连接符 19">
-            <a:extLst>
-              <a:ext uri="{FF2B5EF4-FFF2-40B4-BE49-F238E27FC236}">
-                <a16:creationId xmlns:a16="http://schemas.microsoft.com/office/drawing/2014/main" id="{44A73388-C076-BCA5-D9BD-27BC4474ECD9}"/>
-              </a:ext>
-            </a:extLst>
-          </p:cNvPr>
-          <p:cNvCxnSpPr>
-            <a:cxnSpLocks/>
-            <a:stCxn id="70" idx="1"/>
-            <a:endCxn id="8" idx="3"/>
-          </p:cNvCxnSpPr>
-          <p:nvPr/>
-        </p:nvCxnSpPr>
-        <p:spPr>
-          <a:xfrm flipH="1">
-            <a:off x="3137912" y="5380081"/>
-            <a:ext cx="1503878" cy="10645"/>
-          </a:xfrm>
-          <a:prstGeom prst="straightConnector1">
-            <a:avLst/>
-          </a:prstGeom>
-          <a:ln>
-            <a:solidFill>
-              <a:schemeClr val="bg1">
-                <a:lumMod val="50000"/>
-              </a:schemeClr>
-            </a:solidFill>
-            <a:prstDash val="lgDash"/>
-            <a:tailEnd type="triangle"/>
-          </a:ln>
-        </p:spPr>
-        <p:style>
-          <a:lnRef idx="1">
-            <a:schemeClr val="accent1"/>
-          </a:lnRef>
-          <a:fillRef idx="0">
-            <a:schemeClr val="accent1"/>
-          </a:fillRef>
-          <a:effectRef idx="0">
-            <a:schemeClr val="accent1"/>
-          </a:effectRef>
-          <a:fontRef idx="minor">
-            <a:schemeClr val="tx1"/>
-          </a:fontRef>
-        </p:style>
-      </p:cxnSp>
-      <p:cxnSp>
-        <p:nvCxnSpPr>
-          <p:cNvPr id="40" name="直接箭头连接符 39">
-            <a:extLst>
-              <a:ext uri="{FF2B5EF4-FFF2-40B4-BE49-F238E27FC236}">
-                <a16:creationId xmlns:a16="http://schemas.microsoft.com/office/drawing/2014/main" id="{1C6F2BF5-6299-AA06-0CE6-C2D2D1339ACC}"/>
-              </a:ext>
-            </a:extLst>
-          </p:cNvPr>
-          <p:cNvCxnSpPr>
-            <a:cxnSpLocks/>
-            <a:stCxn id="6" idx="2"/>
-            <a:endCxn id="7" idx="0"/>
-          </p:cNvCxnSpPr>
-          <p:nvPr/>
-        </p:nvCxnSpPr>
-        <p:spPr>
-          <a:xfrm flipH="1">
-            <a:off x="1685243" y="3777119"/>
-            <a:ext cx="2467" cy="316156"/>
-          </a:xfrm>
-          <a:prstGeom prst="straightConnector1">
-            <a:avLst/>
-          </a:prstGeom>
-          <a:ln w="19050">
-            <a:solidFill>
-              <a:schemeClr val="tx1"/>
-            </a:solidFill>
-            <a:tailEnd type="triangle"/>
-          </a:ln>
-        </p:spPr>
-        <p:style>
-          <a:lnRef idx="1">
-            <a:schemeClr val="accent1"/>
-          </a:lnRef>
-          <a:fillRef idx="0">
-            <a:schemeClr val="accent1"/>
-          </a:fillRef>
-          <a:effectRef idx="0">
-            <a:schemeClr val="accent1"/>
-          </a:effectRef>
-          <a:fontRef idx="minor">
-            <a:schemeClr val="tx1"/>
-          </a:fontRef>
-        </p:style>
-      </p:cxnSp>
-      <p:sp>
-        <p:nvSpPr>
-          <p:cNvPr id="57" name="矩形 56">
-            <a:extLst>
-              <a:ext uri="{FF2B5EF4-FFF2-40B4-BE49-F238E27FC236}">
-                <a16:creationId xmlns:a16="http://schemas.microsoft.com/office/drawing/2014/main" id="{12F253DA-1DB9-B512-2CD0-3F4906147645}"/>
-              </a:ext>
-            </a:extLst>
-          </p:cNvPr>
-          <p:cNvSpPr/>
+          <a:lstStyle>
+            <a:defPPr>
+              <a:defRPr lang="zh-CN"/>
+            </a:defPPr>
+            <a:lvl1pPr>
+              <a:defRPr b="0">
+                <a:solidFill>
+                  <a:srgbClr val="353535"/>
+                </a:solidFill>
+                <a:effectLst/>
+                <a:latin typeface="Consolas" panose="020B0609020204030204" pitchFamily="49" charset="0"/>
+              </a:defRPr>
+            </a:lvl1pPr>
+          </a:lstStyle>
+          <a:p>
+            <a:r>
+              <a:rPr lang="en-US" altLang="zh-CN" dirty="0">
+                <a:latin typeface="+mj-lt"/>
+              </a:rPr>
+              <a:t>Course:</a:t>
+            </a:r>
+            <a:r>
+              <a:rPr lang="zh-CN" altLang="en-US" dirty="0">
+                <a:latin typeface="+mj-lt"/>
+              </a:rPr>
+              <a:t> </a:t>
+            </a:r>
+            <a:r>
+              <a:rPr lang="en-US" altLang="zh-CN" dirty="0">
+                <a:latin typeface="+mj-lt"/>
+              </a:rPr>
+              <a:t>EE120, Berkeley </a:t>
+            </a:r>
+          </a:p>
+          <a:p>
+            <a:endParaRPr lang="en-US" altLang="zh-CN" dirty="0">
+              <a:latin typeface="+mj-lt"/>
+            </a:endParaRPr>
+          </a:p>
+          <a:p>
+            <a:r>
+              <a:rPr lang="en-US" altLang="zh-CN" b="1" dirty="0">
+                <a:latin typeface="+mj-lt"/>
+              </a:rPr>
+              <a:t>This week’s</a:t>
+            </a:r>
+            <a:r>
+              <a:rPr lang="zh-CN" altLang="en-US" b="1" dirty="0">
+                <a:latin typeface="+mj-lt"/>
+              </a:rPr>
+              <a:t> </a:t>
+            </a:r>
+            <a:r>
+              <a:rPr lang="en-US" altLang="zh-CN" b="1" dirty="0">
+                <a:latin typeface="+mj-lt"/>
+              </a:rPr>
+              <a:t>Progress:</a:t>
+            </a:r>
+          </a:p>
+          <a:p>
+            <a:r>
+              <a:rPr lang="en-US" altLang="zh-CN" dirty="0">
+                <a:latin typeface="+mj-lt"/>
+              </a:rPr>
+              <a:t>Lecture 10 (the DFT; FIR filters)</a:t>
+            </a:r>
+          </a:p>
+          <a:p>
+            <a:r>
+              <a:rPr lang="en-US" altLang="zh-CN" dirty="0">
+                <a:latin typeface="+mj-lt"/>
+              </a:rPr>
+              <a:t>Lecture 11 (Fourier transforms in two dimensions)</a:t>
+            </a:r>
+          </a:p>
+        </p:txBody>
+      </p:sp>
+      <p:sp>
+        <p:nvSpPr>
+          <p:cNvPr id="4" name="文本框 3">
+            <a:extLst>
+              <a:ext uri="{FF2B5EF4-FFF2-40B4-BE49-F238E27FC236}">
+                <a16:creationId xmlns:a16="http://schemas.microsoft.com/office/drawing/2014/main" id="{CE66F54C-EE63-8CEA-8FE4-D4569E42FD3A}"/>
+              </a:ext>
+            </a:extLst>
+          </p:cNvPr>
+          <p:cNvSpPr txBox="1"/>
           <p:nvPr/>
         </p:nvSpPr>
         <p:spPr>
           <a:xfrm>
-            <a:off x="237507" y="5982313"/>
-            <a:ext cx="2892061" cy="511446"/>
-          </a:xfrm>
-          <a:prstGeom prst="rect">
-            <a:avLst/>
-          </a:prstGeom>
-          <a:solidFill>
-            <a:schemeClr val="bg1"/>
-          </a:solidFill>
-        </p:spPr>
-        <p:style>
-          <a:lnRef idx="2">
-            <a:schemeClr val="accent1">
-              <a:shade val="15000"/>
-            </a:schemeClr>
-          </a:lnRef>
-          <a:fillRef idx="1">
-            <a:schemeClr val="accent1"/>
-          </a:fillRef>
-          <a:effectRef idx="0">
-            <a:schemeClr val="accent1"/>
-          </a:effectRef>
-          <a:fontRef idx="minor">
-            <a:schemeClr val="lt1"/>
-          </a:fontRef>
-        </p:style>
-        <p:txBody>
-          <a:bodyPr rtlCol="0" anchor="ctr"/>
-          <a:lstStyle/>
-          <a:p>
-            <a:pPr algn="ctr"/>
-            <a:r>
-              <a:rPr lang="en-US" altLang="zh-CN" dirty="0">
-                <a:solidFill>
-                  <a:schemeClr val="tx1"/>
-                </a:solidFill>
-                <a:latin typeface="Consolas" panose="020B0609020204030204" pitchFamily="49" charset="0"/>
-                <a:cs typeface="Times New Roman" panose="02020603050405020304" pitchFamily="18" charset="0"/>
-              </a:rPr>
-              <a:t>Test</a:t>
-            </a:r>
-            <a:endParaRPr lang="zh-CN" altLang="en-US" dirty="0">
-              <a:solidFill>
-                <a:schemeClr val="tx1"/>
-              </a:solidFill>
-              <a:latin typeface="Consolas" panose="020B0609020204030204" pitchFamily="49" charset="0"/>
-              <a:cs typeface="Times New Roman" panose="02020603050405020304" pitchFamily="18" charset="0"/>
-            </a:endParaRPr>
-          </a:p>
-        </p:txBody>
-      </p:sp>
-      <p:sp>
-        <p:nvSpPr>
-          <p:cNvPr id="61" name="文本框 60">
-            <a:extLst>
-              <a:ext uri="{FF2B5EF4-FFF2-40B4-BE49-F238E27FC236}">
-                <a16:creationId xmlns:a16="http://schemas.microsoft.com/office/drawing/2014/main" id="{C9877329-083E-B5ED-E457-0D3732DA4F9B}"/>
-              </a:ext>
-            </a:extLst>
-          </p:cNvPr>
-          <p:cNvSpPr txBox="1"/>
-          <p:nvPr/>
-        </p:nvSpPr>
-        <p:spPr>
-          <a:xfrm>
-            <a:off x="4736831" y="2600483"/>
-            <a:ext cx="6062876" cy="369332"/>
+            <a:off x="6594767" y="1903188"/>
+            <a:ext cx="4996573" cy="3970318"/>
           </a:xfrm>
           <a:prstGeom prst="rect">
             <a:avLst/>
@@ -7697,22 +6266,179 @@
           <a:bodyPr wrap="square">
             <a:spAutoFit/>
           </a:bodyPr>
-          <a:lstStyle/>
-          <a:p>
-            <a:r>
-              <a:rPr lang="en-US" altLang="zh-CN" dirty="0"/>
-              <a:t>The 20 features are expanded into 480 features.</a:t>
-            </a:r>
-            <a:endParaRPr lang="zh-CN" altLang="en-US" dirty="0"/>
-          </a:p>
-        </p:txBody>
-      </p:sp>
-      <p:sp>
-        <p:nvSpPr>
-          <p:cNvPr id="62" name="文本框 61">
-            <a:extLst>
-              <a:ext uri="{FF2B5EF4-FFF2-40B4-BE49-F238E27FC236}">
-                <a16:creationId xmlns:a16="http://schemas.microsoft.com/office/drawing/2014/main" id="{882BFCC9-4F8A-C63E-43B0-0B660D87FFF9}"/>
+          <a:lstStyle>
+            <a:defPPr>
+              <a:defRPr lang="zh-CN"/>
+            </a:defPPr>
+            <a:lvl1pPr>
+              <a:defRPr b="0">
+                <a:solidFill>
+                  <a:srgbClr val="353535"/>
+                </a:solidFill>
+                <a:effectLst/>
+                <a:latin typeface="Consolas" panose="020B0609020204030204" pitchFamily="49" charset="0"/>
+              </a:defRPr>
+            </a:lvl1pPr>
+          </a:lstStyle>
+          <a:p>
+            <a:r>
+              <a:rPr lang="en-US" altLang="zh-CN" dirty="0">
+                <a:latin typeface="+mj-lt"/>
+              </a:rPr>
+              <a:t>Course:</a:t>
+            </a:r>
+            <a:r>
+              <a:rPr lang="zh-CN" altLang="en-US" dirty="0">
+                <a:latin typeface="+mj-lt"/>
+              </a:rPr>
+              <a:t> </a:t>
+            </a:r>
+            <a:r>
+              <a:rPr lang="en-US" altLang="zh-CN" dirty="0">
+                <a:latin typeface="+mj-lt"/>
+              </a:rPr>
+              <a:t>CS109, </a:t>
+            </a:r>
+            <a:r>
+              <a:rPr lang="en-US" altLang="zh-CN" dirty="0" err="1">
+                <a:latin typeface="+mj-lt"/>
+              </a:rPr>
+              <a:t>Standford</a:t>
+            </a:r>
+            <a:endParaRPr lang="en-US" altLang="zh-CN" dirty="0">
+              <a:latin typeface="+mj-lt"/>
+            </a:endParaRPr>
+          </a:p>
+          <a:p>
+            <a:endParaRPr lang="en-US" altLang="zh-CN" dirty="0">
+              <a:latin typeface="+mj-lt"/>
+            </a:endParaRPr>
+          </a:p>
+          <a:p>
+            <a:r>
+              <a:rPr lang="en-US" altLang="zh-CN" b="1" dirty="0">
+                <a:latin typeface="+mj-lt"/>
+              </a:rPr>
+              <a:t>This week's progress:</a:t>
+            </a:r>
+          </a:p>
+          <a:p>
+            <a:r>
+              <a:rPr lang="en-US" altLang="zh-CN" dirty="0">
+                <a:latin typeface="+mj-lt"/>
+              </a:rPr>
+              <a:t>Part 1 (Counting)</a:t>
+            </a:r>
+          </a:p>
+          <a:p>
+            <a:r>
+              <a:rPr lang="en-US" altLang="zh-CN" dirty="0">
+                <a:latin typeface="+mj-lt"/>
+              </a:rPr>
+              <a:t>Part 2 (Combinatorics)</a:t>
+            </a:r>
+          </a:p>
+          <a:p>
+            <a:r>
+              <a:rPr lang="en-US" altLang="zh-CN" dirty="0">
+                <a:latin typeface="+mj-lt"/>
+              </a:rPr>
+              <a:t>Part 3 (Definition of Probability)</a:t>
+            </a:r>
+          </a:p>
+          <a:p>
+            <a:endParaRPr lang="en-US" altLang="zh-CN" dirty="0">
+              <a:latin typeface="+mj-lt"/>
+            </a:endParaRPr>
+          </a:p>
+          <a:p>
+            <a:r>
+              <a:rPr lang="en-US" altLang="zh-CN" b="1" dirty="0">
+                <a:latin typeface="+mj-lt"/>
+              </a:rPr>
+              <a:t>Next week’s</a:t>
+            </a:r>
+            <a:r>
+              <a:rPr lang="zh-CN" altLang="en-US" b="1" dirty="0">
+                <a:latin typeface="+mj-lt"/>
+              </a:rPr>
+              <a:t> </a:t>
+            </a:r>
+            <a:r>
+              <a:rPr lang="en-US" altLang="zh-CN" b="1" dirty="0">
+                <a:latin typeface="+mj-lt"/>
+              </a:rPr>
+              <a:t>plan:</a:t>
+            </a:r>
+          </a:p>
+          <a:p>
+            <a:r>
+              <a:rPr lang="en-US" altLang="zh-CN" dirty="0">
+                <a:latin typeface="+mj-lt"/>
+              </a:rPr>
+              <a:t>Part 4 (Counting)</a:t>
+            </a:r>
+          </a:p>
+          <a:p>
+            <a:r>
+              <a:rPr lang="en-US" altLang="zh-CN" dirty="0">
+                <a:latin typeface="+mj-lt"/>
+              </a:rPr>
+              <a:t>Part 5 (Combinatorics)</a:t>
+            </a:r>
+          </a:p>
+          <a:p>
+            <a:r>
+              <a:rPr lang="en-US" altLang="zh-CN" dirty="0">
+                <a:latin typeface="+mj-lt"/>
+              </a:rPr>
+              <a:t>Part 6 (Definition of Probability)</a:t>
+            </a:r>
+          </a:p>
+          <a:p>
+            <a:r>
+              <a:rPr lang="en-US" altLang="zh-CN" dirty="0">
+                <a:latin typeface="+mj-lt"/>
+              </a:rPr>
+              <a:t>Part 7 (Probability of </a:t>
+            </a:r>
+            <a:r>
+              <a:rPr lang="en-US" altLang="zh-CN" b="1" dirty="0">
+                <a:latin typeface="+mj-lt"/>
+              </a:rPr>
+              <a:t>or</a:t>
+            </a:r>
+            <a:r>
+              <a:rPr lang="en-US" altLang="zh-CN" dirty="0">
+                <a:latin typeface="+mj-lt"/>
+              </a:rPr>
+              <a:t>)</a:t>
+            </a:r>
+          </a:p>
+          <a:p>
+            <a:r>
+              <a:rPr lang="en-US" altLang="zh-CN" dirty="0">
+                <a:latin typeface="+mj-lt"/>
+              </a:rPr>
+              <a:t>Part 8 (Conditional Probability)</a:t>
+            </a:r>
+          </a:p>
+          <a:p>
+            <a:r>
+              <a:rPr lang="en-US" altLang="zh-CN" dirty="0">
+                <a:latin typeface="+mj-lt"/>
+              </a:rPr>
+              <a:t>Part 9 (Independence)</a:t>
+            </a:r>
+          </a:p>
+        </p:txBody>
+      </p:sp>
+      <p:sp>
+        <p:nvSpPr>
+          <p:cNvPr id="6" name="文本框 5">
+            <a:extLst>
+              <a:ext uri="{FF2B5EF4-FFF2-40B4-BE49-F238E27FC236}">
+                <a16:creationId xmlns:a16="http://schemas.microsoft.com/office/drawing/2014/main" id="{24F09BA0-ED6D-D618-0DE5-FC3CA2527B20}"/>
               </a:ext>
             </a:extLst>
           </p:cNvPr>
@@ -7721,8 +6447,8 @@
         </p:nvSpPr>
         <p:spPr>
           <a:xfrm>
-            <a:off x="5042120" y="3415117"/>
-            <a:ext cx="2589999" cy="369332"/>
+            <a:off x="6594767" y="1385264"/>
+            <a:ext cx="5365094" cy="400110"/>
           </a:xfrm>
           <a:prstGeom prst="rect">
             <a:avLst/>
@@ -7733,23 +6459,65 @@
           <a:bodyPr wrap="square">
             <a:spAutoFit/>
           </a:bodyPr>
-          <a:lstStyle/>
-          <a:p>
-            <a:pPr algn="ctr"/>
-            <a:r>
-              <a:rPr lang="en-US" altLang="zh-CN" dirty="0"/>
-              <a:t>480 -&gt; 428</a:t>
-            </a:r>
-            <a:endParaRPr lang="zh-CN" altLang="en-US" dirty="0"/>
-          </a:p>
-        </p:txBody>
-      </p:sp>
-      <p:sp>
-        <p:nvSpPr>
-          <p:cNvPr id="63" name="文本框 62">
-            <a:extLst>
-              <a:ext uri="{FF2B5EF4-FFF2-40B4-BE49-F238E27FC236}">
-                <a16:creationId xmlns:a16="http://schemas.microsoft.com/office/drawing/2014/main" id="{F70217C3-105B-5809-3D11-5B15ED5C1AFC}"/>
+          <a:lstStyle>
+            <a:defPPr>
+              <a:defRPr lang="zh-CN"/>
+            </a:defPPr>
+            <a:lvl1pPr>
+              <a:defRPr b="0">
+                <a:solidFill>
+                  <a:srgbClr val="353535"/>
+                </a:solidFill>
+                <a:effectLst/>
+                <a:latin typeface="Consolas" panose="020B0609020204030204" pitchFamily="49" charset="0"/>
+              </a:defRPr>
+            </a:lvl1pPr>
+          </a:lstStyle>
+          <a:p>
+            <a:r>
+              <a:rPr lang="en-US" altLang="zh-CN" sz="2000" b="1" dirty="0"/>
+              <a:t>Probability for Computer Scientists</a:t>
+            </a:r>
+            <a:endParaRPr lang="zh-CN" altLang="en-US" sz="2000" b="1" dirty="0"/>
+          </a:p>
+        </p:txBody>
+      </p:sp>
+    </p:spTree>
+    <p:extLst>
+      <p:ext uri="{BB962C8B-B14F-4D97-AF65-F5344CB8AC3E}">
+        <p14:creationId xmlns:p14="http://schemas.microsoft.com/office/powerpoint/2010/main" val="3189137605"/>
+      </p:ext>
+    </p:extLst>
+  </p:cSld>
+  <p:clrMapOvr>
+    <a:masterClrMapping/>
+  </p:clrMapOvr>
+</p:sld>
+</file>
+
+<file path=ppt/slides/slide16.xml><?xml version="1.0" encoding="utf-8"?>
+<p:sld xmlns:a="http://schemas.openxmlformats.org/drawingml/2006/main" xmlns:r="http://schemas.openxmlformats.org/officeDocument/2006/relationships" xmlns:p="http://schemas.openxmlformats.org/presentationml/2006/main">
+  <p:cSld>
+    <p:spTree>
+      <p:nvGrpSpPr>
+        <p:cNvPr id="1" name=""/>
+        <p:cNvGrpSpPr/>
+        <p:nvPr/>
+      </p:nvGrpSpPr>
+      <p:grpSpPr>
+        <a:xfrm>
+          <a:off x="0" y="0"/>
+          <a:ext cx="0" cy="0"/>
+          <a:chOff x="0" y="0"/>
+          <a:chExt cx="0" cy="0"/>
+        </a:xfrm>
+      </p:grpSpPr>
+      <p:sp>
+        <p:nvSpPr>
+          <p:cNvPr id="2" name="文本框 1">
+            <a:extLst>
+              <a:ext uri="{FF2B5EF4-FFF2-40B4-BE49-F238E27FC236}">
+                <a16:creationId xmlns:a16="http://schemas.microsoft.com/office/drawing/2014/main" id="{4301BE2B-0820-0143-B72A-D9CEA12265BD}"/>
               </a:ext>
             </a:extLst>
           </p:cNvPr>
@@ -7758,8 +6526,8 @@
         </p:nvSpPr>
         <p:spPr>
           <a:xfrm>
-            <a:off x="4886171" y="1024121"/>
-            <a:ext cx="2419658" cy="400110"/>
+            <a:off x="1122218" y="423950"/>
+            <a:ext cx="1753985" cy="461665"/>
           </a:xfrm>
           <a:prstGeom prst="rect">
             <a:avLst/>
@@ -7767,26 +6535,31 @@
           <a:noFill/>
         </p:spPr>
         <p:txBody>
-          <a:bodyPr wrap="square">
+          <a:bodyPr wrap="square" rtlCol="0">
             <a:spAutoFit/>
           </a:bodyPr>
           <a:lstStyle/>
           <a:p>
-            <a:pPr algn="ctr"/>
-            <a:r>
-              <a:rPr lang="en-US" altLang="zh-CN" sz="2000" b="1" dirty="0"/>
-              <a:t>S Prediction</a:t>
-            </a:r>
-            <a:endParaRPr lang="zh-CN" altLang="en-US" sz="2000" b="1" dirty="0"/>
-          </a:p>
-        </p:txBody>
-      </p:sp>
-      <p:sp>
-        <p:nvSpPr>
-          <p:cNvPr id="64" name="文本框 63">
-            <a:extLst>
-              <a:ext uri="{FF2B5EF4-FFF2-40B4-BE49-F238E27FC236}">
-                <a16:creationId xmlns:a16="http://schemas.microsoft.com/office/drawing/2014/main" id="{6F423448-8E94-E87E-6764-73244F089283}"/>
+            <a:r>
+              <a:rPr lang="en-US" altLang="zh-CN" sz="2400" dirty="0">
+                <a:latin typeface="Consolas" panose="020B0609020204030204" pitchFamily="49" charset="0"/>
+                <a:cs typeface="Times New Roman" panose="02020603050405020304" pitchFamily="18" charset="0"/>
+              </a:rPr>
+              <a:t>Questions</a:t>
+            </a:r>
+            <a:endParaRPr lang="en-US" altLang="zh-CN" sz="3200" dirty="0">
+              <a:latin typeface="Consolas" panose="020B0609020204030204" pitchFamily="49" charset="0"/>
+              <a:cs typeface="Times New Roman" panose="02020603050405020304" pitchFamily="18" charset="0"/>
+            </a:endParaRPr>
+          </a:p>
+        </p:txBody>
+      </p:sp>
+      <p:sp>
+        <p:nvSpPr>
+          <p:cNvPr id="3" name="文本框 2">
+            <a:extLst>
+              <a:ext uri="{FF2B5EF4-FFF2-40B4-BE49-F238E27FC236}">
+                <a16:creationId xmlns:a16="http://schemas.microsoft.com/office/drawing/2014/main" id="{A7A0A276-ED6D-9AA8-53E0-36DC0D9FA2F6}"/>
               </a:ext>
             </a:extLst>
           </p:cNvPr>
@@ -7795,8 +6568,8 @@
         </p:nvSpPr>
         <p:spPr>
           <a:xfrm>
-            <a:off x="8395159" y="1024121"/>
-            <a:ext cx="2419658" cy="400110"/>
+            <a:off x="2085995" y="1962356"/>
+            <a:ext cx="8355863" cy="2308324"/>
           </a:xfrm>
           <a:prstGeom prst="rect">
             <a:avLst/>
@@ -7807,23 +6580,218 @@
           <a:bodyPr wrap="square">
             <a:spAutoFit/>
           </a:bodyPr>
-          <a:lstStyle/>
-          <a:p>
-            <a:pPr algn="ctr"/>
-            <a:r>
-              <a:rPr lang="en-US" altLang="zh-CN" sz="2000" b="1" dirty="0"/>
-              <a:t>D Prediction</a:t>
-            </a:r>
-            <a:endParaRPr lang="zh-CN" altLang="en-US" sz="2000" b="1" dirty="0"/>
-          </a:p>
-        </p:txBody>
-      </p:sp>
-      <p:sp>
-        <p:nvSpPr>
-          <p:cNvPr id="67" name="文本框 66">
-            <a:extLst>
-              <a:ext uri="{FF2B5EF4-FFF2-40B4-BE49-F238E27FC236}">
-                <a16:creationId xmlns:a16="http://schemas.microsoft.com/office/drawing/2014/main" id="{3D5E09E2-AADE-A2A4-E64D-1C8FB4F63CFD}"/>
+          <a:lstStyle>
+            <a:defPPr>
+              <a:defRPr lang="zh-CN"/>
+            </a:defPPr>
+            <a:lvl1pPr>
+              <a:defRPr b="0">
+                <a:solidFill>
+                  <a:srgbClr val="353535"/>
+                </a:solidFill>
+                <a:effectLst/>
+                <a:latin typeface="Consolas" panose="020B0609020204030204" pitchFamily="49" charset="0"/>
+              </a:defRPr>
+            </a:lvl1pPr>
+          </a:lstStyle>
+          <a:p>
+            <a:pPr marL="342900" indent="-342900">
+              <a:buAutoNum type="arabicPeriod"/>
+            </a:pPr>
+            <a:r>
+              <a:rPr lang="zh-CN" altLang="en-US" dirty="0"/>
+              <a:t>数据集对于很多</a:t>
+            </a:r>
+            <a:r>
+              <a:rPr lang="en-US" altLang="zh-CN" dirty="0"/>
+              <a:t>Tutorial</a:t>
+            </a:r>
+            <a:r>
+              <a:rPr lang="zh-CN" altLang="en-US" dirty="0"/>
+              <a:t>算法不再合适（比如。。。）。是我们自己</a:t>
+            </a:r>
+            <a:r>
+              <a:rPr lang="en-US" altLang="zh-CN" dirty="0"/>
+              <a:t>build</a:t>
+            </a:r>
+            <a:r>
+              <a:rPr lang="zh-CN" altLang="en-US" dirty="0"/>
+              <a:t>一些简单的数据集进行。还是你再给我们一个模拟数据集。</a:t>
+            </a:r>
+            <a:endParaRPr lang="en-US" altLang="zh-CN" dirty="0"/>
+          </a:p>
+          <a:p>
+            <a:pPr marL="342900" indent="-342900">
+              <a:buAutoNum type="arabicPeriod"/>
+            </a:pPr>
+            <a:endParaRPr lang="en-US" altLang="zh-CN" dirty="0"/>
+          </a:p>
+          <a:p>
+            <a:pPr marL="342900" indent="-342900">
+              <a:buFontTx/>
+              <a:buAutoNum type="arabicPeriod"/>
+            </a:pPr>
+            <a:r>
+              <a:rPr lang="en-US" altLang="zh-CN" dirty="0"/>
+              <a:t>What’s that </a:t>
+            </a:r>
+            <a:r>
+              <a:rPr lang="en-US" altLang="zh-CN" dirty="0" err="1"/>
+              <a:t>mean:</a:t>
+            </a:r>
+            <a:r>
+              <a:rPr lang="en-US" altLang="zh-CN" sz="1800" b="0" i="0" u="none" strike="noStrike" dirty="0" err="1">
+                <a:solidFill>
+                  <a:srgbClr val="222222"/>
+                </a:solidFill>
+                <a:effectLst/>
+                <a:latin typeface="Arial" panose="020B0604020202020204" pitchFamily="34" charset="0"/>
+              </a:rPr>
+              <a:t>It</a:t>
+            </a:r>
+            <a:r>
+              <a:rPr lang="en-US" altLang="zh-CN" sz="1800" b="0" i="0" u="none" strike="noStrike" dirty="0">
+                <a:solidFill>
+                  <a:srgbClr val="222222"/>
+                </a:solidFill>
+                <a:effectLst/>
+                <a:latin typeface="Arial" panose="020B0604020202020204" pitchFamily="34" charset="0"/>
+              </a:rPr>
+              <a:t> can be based on </a:t>
+            </a:r>
+            <a:r>
+              <a:rPr lang="en-US" altLang="zh-CN" sz="1800" b="0" i="0" u="sng" strike="noStrike" dirty="0">
+                <a:solidFill>
+                  <a:srgbClr val="1155CC"/>
+                </a:solidFill>
+                <a:effectLst/>
+                <a:latin typeface="Arial" panose="020B0604020202020204" pitchFamily="34" charset="0"/>
+                <a:hlinkClick r:id="rId3"/>
+              </a:rPr>
+              <a:t>our SCG generator</a:t>
+            </a:r>
+            <a:r>
+              <a:rPr lang="en-US" altLang="zh-CN" sz="1800" b="0" i="0" u="none" strike="noStrike" dirty="0">
+                <a:solidFill>
+                  <a:srgbClr val="222222"/>
+                </a:solidFill>
+                <a:effectLst/>
+                <a:latin typeface="Arial" panose="020B0604020202020204" pitchFamily="34" charset="0"/>
+              </a:rPr>
+              <a:t>, and make it support different mother wavelets, such as Harr, Daubechies, Biorthogonal, </a:t>
+            </a:r>
+            <a:r>
+              <a:rPr lang="en-US" altLang="zh-CN" sz="1800" b="0" i="0" u="none" strike="noStrike" dirty="0" err="1">
+                <a:solidFill>
+                  <a:srgbClr val="222222"/>
+                </a:solidFill>
+                <a:effectLst/>
+                <a:latin typeface="Arial" panose="020B0604020202020204" pitchFamily="34" charset="0"/>
+              </a:rPr>
+              <a:t>Symlet</a:t>
+            </a:r>
+            <a:r>
+              <a:rPr lang="en-US" altLang="zh-CN" sz="1800" b="0" i="0" u="none" strike="noStrike" dirty="0">
+                <a:solidFill>
+                  <a:srgbClr val="222222"/>
+                </a:solidFill>
+                <a:effectLst/>
+                <a:latin typeface="Arial" panose="020B0604020202020204" pitchFamily="34" charset="0"/>
+              </a:rPr>
+              <a:t>, Meyer and </a:t>
+            </a:r>
+            <a:r>
+              <a:rPr lang="en-US" altLang="zh-CN" sz="1800" b="0" i="0" u="none" strike="noStrike" dirty="0" err="1">
+                <a:solidFill>
+                  <a:srgbClr val="222222"/>
+                </a:solidFill>
+                <a:effectLst/>
+                <a:latin typeface="Arial" panose="020B0604020202020204" pitchFamily="34" charset="0"/>
+              </a:rPr>
+              <a:t>Coiflets</a:t>
+            </a:r>
+            <a:r>
+              <a:rPr lang="en-US" altLang="zh-CN" sz="1800" b="0" i="0" u="none" strike="noStrike" dirty="0">
+                <a:solidFill>
+                  <a:srgbClr val="222222"/>
+                </a:solidFill>
+                <a:effectLst/>
+                <a:latin typeface="Arial" panose="020B0604020202020204" pitchFamily="34" charset="0"/>
+              </a:rPr>
+              <a:t>. The Nk2’s SCG simulation is based on Daubechies, should we use Harr or </a:t>
+            </a:r>
+            <a:r>
+              <a:rPr lang="en-US" altLang="zh-CN" sz="1800" b="0" i="0" u="none" strike="noStrike" dirty="0" err="1">
+                <a:solidFill>
+                  <a:srgbClr val="222222"/>
+                </a:solidFill>
+                <a:effectLst/>
+                <a:latin typeface="Arial" panose="020B0604020202020204" pitchFamily="34" charset="0"/>
+              </a:rPr>
+              <a:t>Symlet</a:t>
+            </a:r>
+            <a:r>
+              <a:rPr lang="en-US" altLang="zh-CN" sz="1800" b="0" i="0" u="none" strike="noStrike" dirty="0">
+                <a:solidFill>
+                  <a:srgbClr val="222222"/>
+                </a:solidFill>
+                <a:effectLst/>
+                <a:latin typeface="Arial" panose="020B0604020202020204" pitchFamily="34" charset="0"/>
+              </a:rPr>
+              <a:t> to simulate SCG?</a:t>
+            </a:r>
+            <a:endParaRPr lang="en-US" altLang="zh-CN" sz="1800" b="0" i="0" u="none" strike="noStrike" dirty="0">
+              <a:solidFill>
+                <a:srgbClr val="000000"/>
+              </a:solidFill>
+              <a:effectLst/>
+              <a:latin typeface="Arial" panose="020B0604020202020204" pitchFamily="34" charset="0"/>
+            </a:endParaRPr>
+          </a:p>
+          <a:p>
+            <a:pPr marL="342900" indent="-342900">
+              <a:buAutoNum type="arabicPeriod"/>
+            </a:pPr>
+            <a:endParaRPr lang="en-US" altLang="zh-CN" dirty="0"/>
+          </a:p>
+        </p:txBody>
+      </p:sp>
+    </p:spTree>
+    <p:extLst>
+      <p:ext uri="{BB962C8B-B14F-4D97-AF65-F5344CB8AC3E}">
+        <p14:creationId xmlns:p14="http://schemas.microsoft.com/office/powerpoint/2010/main" val="4284639423"/>
+      </p:ext>
+    </p:extLst>
+  </p:cSld>
+  <p:clrMapOvr>
+    <a:masterClrMapping/>
+  </p:clrMapOvr>
+</p:sld>
+</file>
+
+<file path=ppt/slides/slide17.xml><?xml version="1.0" encoding="utf-8"?>
+<p:sld xmlns:a="http://schemas.openxmlformats.org/drawingml/2006/main" xmlns:r="http://schemas.openxmlformats.org/officeDocument/2006/relationships" xmlns:p="http://schemas.openxmlformats.org/presentationml/2006/main">
+  <p:cSld>
+    <p:spTree>
+      <p:nvGrpSpPr>
+        <p:cNvPr id="1" name=""/>
+        <p:cNvGrpSpPr/>
+        <p:nvPr/>
+      </p:nvGrpSpPr>
+      <p:grpSpPr>
+        <a:xfrm>
+          <a:off x="0" y="0"/>
+          <a:ext cx="0" cy="0"/>
+          <a:chOff x="0" y="0"/>
+          <a:chExt cx="0" cy="0"/>
+        </a:xfrm>
+      </p:grpSpPr>
+      <p:sp>
+        <p:nvSpPr>
+          <p:cNvPr id="2" name="文本框 1">
+            <a:extLst>
+              <a:ext uri="{FF2B5EF4-FFF2-40B4-BE49-F238E27FC236}">
+                <a16:creationId xmlns:a16="http://schemas.microsoft.com/office/drawing/2014/main" id="{4301BE2B-0820-0143-B72A-D9CEA12265BD}"/>
               </a:ext>
             </a:extLst>
           </p:cNvPr>
@@ -7832,8 +6800,8 @@
         </p:nvSpPr>
         <p:spPr>
           <a:xfrm>
-            <a:off x="8252283" y="3396902"/>
-            <a:ext cx="2419658" cy="369332"/>
+            <a:off x="5219007" y="3105834"/>
+            <a:ext cx="1753985" cy="646331"/>
           </a:xfrm>
           <a:prstGeom prst="rect">
             <a:avLst/>
@@ -7841,475 +6809,32 @@
           <a:noFill/>
         </p:spPr>
         <p:txBody>
-          <a:bodyPr wrap="square">
+          <a:bodyPr wrap="square" rtlCol="0">
             <a:spAutoFit/>
           </a:bodyPr>
-          <a:lstStyle/>
-          <a:p>
-            <a:pPr algn="ctr"/>
+          <a:lstStyle>
+            <a:defPPr>
+              <a:defRPr lang="zh-CN"/>
+            </a:defPPr>
+            <a:lvl1pPr algn="ctr">
+              <a:defRPr sz="3600">
+                <a:latin typeface="Consolas" panose="020B0609020204030204" pitchFamily="49" charset="0"/>
+                <a:cs typeface="Times New Roman" panose="02020603050405020304" pitchFamily="18" charset="0"/>
+              </a:defRPr>
+            </a:lvl1pPr>
+          </a:lstStyle>
+          <a:p>
             <a:r>
               <a:rPr lang="en-US" altLang="zh-CN" dirty="0"/>
-              <a:t>480 -&gt; 370</a:t>
-            </a:r>
-            <a:endParaRPr lang="zh-CN" altLang="en-US" dirty="0"/>
-          </a:p>
-        </p:txBody>
-      </p:sp>
-      <p:sp>
-        <p:nvSpPr>
-          <p:cNvPr id="68" name="文本框 67">
-            <a:extLst>
-              <a:ext uri="{FF2B5EF4-FFF2-40B4-BE49-F238E27FC236}">
-                <a16:creationId xmlns:a16="http://schemas.microsoft.com/office/drawing/2014/main" id="{82EB169D-873F-1A64-57D7-C7BA83755299}"/>
-              </a:ext>
-            </a:extLst>
-          </p:cNvPr>
-          <p:cNvSpPr txBox="1"/>
-          <p:nvPr/>
-        </p:nvSpPr>
-        <p:spPr>
-          <a:xfrm>
-            <a:off x="4981692" y="4253072"/>
-            <a:ext cx="2419658" cy="369332"/>
-          </a:xfrm>
-          <a:prstGeom prst="rect">
-            <a:avLst/>
-          </a:prstGeom>
-          <a:noFill/>
-        </p:spPr>
-        <p:txBody>
-          <a:bodyPr wrap="square">
-            <a:spAutoFit/>
-          </a:bodyPr>
-          <a:lstStyle/>
-          <a:p>
-            <a:pPr algn="ctr"/>
-            <a:r>
-              <a:rPr lang="en-US" altLang="zh-CN" dirty="0"/>
-              <a:t>428 -&gt; 3</a:t>
-            </a:r>
-            <a:endParaRPr lang="zh-CN" altLang="en-US" dirty="0"/>
-          </a:p>
-        </p:txBody>
-      </p:sp>
-      <p:sp>
-        <p:nvSpPr>
-          <p:cNvPr id="69" name="文本框 68">
-            <a:extLst>
-              <a:ext uri="{FF2B5EF4-FFF2-40B4-BE49-F238E27FC236}">
-                <a16:creationId xmlns:a16="http://schemas.microsoft.com/office/drawing/2014/main" id="{CE1732C2-6D93-ECE2-FCA2-27DF1A0205AB}"/>
-              </a:ext>
-            </a:extLst>
-          </p:cNvPr>
-          <p:cNvSpPr txBox="1"/>
-          <p:nvPr/>
-        </p:nvSpPr>
-        <p:spPr>
-          <a:xfrm>
-            <a:off x="8584049" y="4251077"/>
-            <a:ext cx="1756124" cy="369332"/>
-          </a:xfrm>
-          <a:prstGeom prst="rect">
-            <a:avLst/>
-          </a:prstGeom>
-          <a:noFill/>
-        </p:spPr>
-        <p:txBody>
-          <a:bodyPr wrap="square">
-            <a:spAutoFit/>
-          </a:bodyPr>
-          <a:lstStyle/>
-          <a:p>
-            <a:pPr algn="ctr"/>
-            <a:r>
-              <a:rPr lang="en-US" altLang="zh-CN" dirty="0"/>
-              <a:t>370 -&gt; 5</a:t>
-            </a:r>
-            <a:endParaRPr lang="zh-CN" altLang="en-US" dirty="0"/>
-          </a:p>
-        </p:txBody>
-      </p:sp>
-      <p:sp>
-        <p:nvSpPr>
-          <p:cNvPr id="70" name="文本框 69">
-            <a:extLst>
-              <a:ext uri="{FF2B5EF4-FFF2-40B4-BE49-F238E27FC236}">
-                <a16:creationId xmlns:a16="http://schemas.microsoft.com/office/drawing/2014/main" id="{0026FA04-3957-799A-2AED-4761A9EB44D3}"/>
-              </a:ext>
-            </a:extLst>
-          </p:cNvPr>
-          <p:cNvSpPr txBox="1"/>
-          <p:nvPr/>
-        </p:nvSpPr>
-        <p:spPr>
-          <a:xfrm>
-            <a:off x="4641790" y="5056915"/>
-            <a:ext cx="3271483" cy="646331"/>
-          </a:xfrm>
-          <a:prstGeom prst="rect">
-            <a:avLst/>
-          </a:prstGeom>
-          <a:noFill/>
-        </p:spPr>
-        <p:txBody>
-          <a:bodyPr wrap="square">
-            <a:spAutoFit/>
-          </a:bodyPr>
-          <a:lstStyle/>
-          <a:p>
-            <a:pPr algn="ctr"/>
-            <a:r>
-              <a:rPr lang="en-US" altLang="zh-CN" dirty="0"/>
-              <a:t>3 -&gt; 1</a:t>
-            </a:r>
-          </a:p>
-          <a:p>
-            <a:pPr algn="ctr"/>
-            <a:r>
-              <a:rPr lang="en-US" altLang="zh-CN" dirty="0"/>
-              <a:t>Just “Dis21_divide_Dis12”</a:t>
-            </a:r>
-          </a:p>
-        </p:txBody>
-      </p:sp>
-      <p:sp>
-        <p:nvSpPr>
-          <p:cNvPr id="71" name="文本框 70">
-            <a:extLst>
-              <a:ext uri="{FF2B5EF4-FFF2-40B4-BE49-F238E27FC236}">
-                <a16:creationId xmlns:a16="http://schemas.microsoft.com/office/drawing/2014/main" id="{395C439C-11D7-35A4-8F4C-9652B5D9D619}"/>
-              </a:ext>
-            </a:extLst>
-          </p:cNvPr>
-          <p:cNvSpPr txBox="1"/>
-          <p:nvPr/>
-        </p:nvSpPr>
-        <p:spPr>
-          <a:xfrm>
-            <a:off x="7904528" y="5058482"/>
-            <a:ext cx="3337657" cy="646331"/>
-          </a:xfrm>
-          <a:prstGeom prst="rect">
-            <a:avLst/>
-          </a:prstGeom>
-          <a:noFill/>
-        </p:spPr>
-        <p:txBody>
-          <a:bodyPr wrap="square">
-            <a:spAutoFit/>
-          </a:bodyPr>
-          <a:lstStyle/>
-          <a:p>
-            <a:pPr algn="ctr"/>
-            <a:r>
-              <a:rPr lang="en-US" altLang="zh-CN" dirty="0"/>
-              <a:t>5 -&gt; 4 </a:t>
-            </a:r>
-          </a:p>
-          <a:p>
-            <a:pPr algn="ctr"/>
-            <a:r>
-              <a:rPr lang="en-US" altLang="zh-CN" dirty="0"/>
-              <a:t>“</a:t>
-            </a:r>
-            <a:r>
-              <a:rPr lang="fr-FR" altLang="zh-CN" dirty="0"/>
-              <a:t>P2_divide_P1</a:t>
-            </a:r>
-            <a:r>
-              <a:rPr lang="en-US" altLang="zh-CN" dirty="0"/>
-              <a:t>”</a:t>
-            </a:r>
-            <a:r>
-              <a:rPr lang="fr-FR" altLang="zh-CN" dirty="0"/>
-              <a:t> included</a:t>
-            </a:r>
-            <a:endParaRPr lang="zh-CN" altLang="en-US" dirty="0"/>
-          </a:p>
-        </p:txBody>
-      </p:sp>
-      <p:sp>
-        <p:nvSpPr>
-          <p:cNvPr id="73" name="文本框 72">
-            <a:extLst>
-              <a:ext uri="{FF2B5EF4-FFF2-40B4-BE49-F238E27FC236}">
-                <a16:creationId xmlns:a16="http://schemas.microsoft.com/office/drawing/2014/main" id="{0ACFD097-848B-A017-F540-D7AAE986DCBB}"/>
-              </a:ext>
-            </a:extLst>
-          </p:cNvPr>
-          <p:cNvSpPr txBox="1"/>
-          <p:nvPr/>
-        </p:nvSpPr>
-        <p:spPr>
-          <a:xfrm>
-            <a:off x="5459272" y="6135713"/>
-            <a:ext cx="1464497" cy="369332"/>
-          </a:xfrm>
-          <a:prstGeom prst="rect">
-            <a:avLst/>
-          </a:prstGeom>
-          <a:noFill/>
-        </p:spPr>
-        <p:txBody>
-          <a:bodyPr wrap="square">
-            <a:spAutoFit/>
-          </a:bodyPr>
-          <a:lstStyle/>
-          <a:p>
-            <a:pPr lvl="0">
-              <a:defRPr/>
-            </a:pPr>
-            <a:r>
-              <a:rPr lang="en-US" altLang="zh-CN" dirty="0">
-                <a:latin typeface="Consolas" panose="020B0609020204030204" pitchFamily="49" charset="0"/>
-              </a:rPr>
-              <a:t>MAE: 1.76</a:t>
-            </a:r>
-            <a:endParaRPr lang="en-US" altLang="zh-CN" dirty="0"/>
-          </a:p>
-        </p:txBody>
-      </p:sp>
-      <p:sp>
-        <p:nvSpPr>
-          <p:cNvPr id="75" name="文本框 74">
-            <a:extLst>
-              <a:ext uri="{FF2B5EF4-FFF2-40B4-BE49-F238E27FC236}">
-                <a16:creationId xmlns:a16="http://schemas.microsoft.com/office/drawing/2014/main" id="{959DA4F9-973D-1422-1CFB-691416C43BB5}"/>
-              </a:ext>
-            </a:extLst>
-          </p:cNvPr>
-          <p:cNvSpPr txBox="1"/>
-          <p:nvPr/>
-        </p:nvSpPr>
-        <p:spPr>
-          <a:xfrm>
-            <a:off x="8013922" y="6048019"/>
-            <a:ext cx="3975593" cy="646331"/>
-          </a:xfrm>
-          <a:prstGeom prst="rect">
-            <a:avLst/>
-          </a:prstGeom>
-          <a:noFill/>
-        </p:spPr>
-        <p:txBody>
-          <a:bodyPr wrap="square">
-            <a:spAutoFit/>
-          </a:bodyPr>
-          <a:lstStyle/>
-          <a:p>
-            <a:r>
-              <a:rPr lang="en-US" altLang="zh-CN" dirty="0">
-                <a:latin typeface="Consolas" panose="020B0609020204030204" pitchFamily="49" charset="0"/>
-              </a:rPr>
-              <a:t>MAE: 4.09 (“P2_divide_P1 only)</a:t>
-            </a:r>
-          </a:p>
-          <a:p>
-            <a:r>
-              <a:rPr lang="en-US" altLang="zh-CN" dirty="0">
-                <a:latin typeface="Consolas" panose="020B0609020204030204" pitchFamily="49" charset="0"/>
-              </a:rPr>
-              <a:t>MAE: 4.47 (Selected 4 features)</a:t>
-            </a:r>
-            <a:endParaRPr lang="zh-CN" altLang="en-US" dirty="0"/>
-          </a:p>
-        </p:txBody>
-      </p:sp>
-      <p:cxnSp>
-        <p:nvCxnSpPr>
-          <p:cNvPr id="11" name="直接箭头连接符 10">
-            <a:extLst>
-              <a:ext uri="{FF2B5EF4-FFF2-40B4-BE49-F238E27FC236}">
-                <a16:creationId xmlns:a16="http://schemas.microsoft.com/office/drawing/2014/main" id="{388F33E8-65DB-AA12-03E8-7DCE7D549670}"/>
-              </a:ext>
-            </a:extLst>
-          </p:cNvPr>
-          <p:cNvCxnSpPr>
-            <a:cxnSpLocks/>
-            <a:stCxn id="61" idx="1"/>
-            <a:endCxn id="5" idx="3"/>
-          </p:cNvCxnSpPr>
-          <p:nvPr/>
-        </p:nvCxnSpPr>
-        <p:spPr>
-          <a:xfrm flipH="1">
-            <a:off x="3137912" y="2785149"/>
-            <a:ext cx="1598919" cy="3302"/>
-          </a:xfrm>
-          <a:prstGeom prst="straightConnector1">
-            <a:avLst/>
-          </a:prstGeom>
-          <a:ln>
-            <a:solidFill>
-              <a:schemeClr val="bg1">
-                <a:lumMod val="50000"/>
-              </a:schemeClr>
-            </a:solidFill>
-            <a:prstDash val="lgDash"/>
-            <a:tailEnd type="triangle"/>
-          </a:ln>
-        </p:spPr>
-        <p:style>
-          <a:lnRef idx="1">
-            <a:schemeClr val="accent1"/>
-          </a:lnRef>
-          <a:fillRef idx="0">
-            <a:schemeClr val="accent1"/>
-          </a:fillRef>
-          <a:effectRef idx="0">
-            <a:schemeClr val="accent1"/>
-          </a:effectRef>
-          <a:fontRef idx="minor">
-            <a:schemeClr val="tx1"/>
-          </a:fontRef>
-        </p:style>
-      </p:cxnSp>
-      <p:cxnSp>
-        <p:nvCxnSpPr>
-          <p:cNvPr id="23" name="直接连接符 22">
-            <a:extLst>
-              <a:ext uri="{FF2B5EF4-FFF2-40B4-BE49-F238E27FC236}">
-                <a16:creationId xmlns:a16="http://schemas.microsoft.com/office/drawing/2014/main" id="{EA7D74F4-39CA-2DBA-2482-47DC24A63D11}"/>
-              </a:ext>
-            </a:extLst>
-          </p:cNvPr>
-          <p:cNvCxnSpPr>
-            <a:cxnSpLocks/>
-          </p:cNvCxnSpPr>
-          <p:nvPr/>
-        </p:nvCxnSpPr>
-        <p:spPr>
-          <a:xfrm>
-            <a:off x="7956468" y="865837"/>
-            <a:ext cx="0" cy="5992163"/>
-          </a:xfrm>
-          <a:prstGeom prst="line">
-            <a:avLst/>
-          </a:prstGeom>
-          <a:ln w="19050">
-            <a:solidFill>
-              <a:schemeClr val="bg1">
-                <a:lumMod val="65000"/>
-              </a:schemeClr>
-            </a:solidFill>
-            <a:prstDash val="dash"/>
-          </a:ln>
-        </p:spPr>
-        <p:style>
-          <a:lnRef idx="1">
-            <a:schemeClr val="accent1"/>
-          </a:lnRef>
-          <a:fillRef idx="0">
-            <a:schemeClr val="accent1"/>
-          </a:fillRef>
-          <a:effectRef idx="0">
-            <a:schemeClr val="accent1"/>
-          </a:effectRef>
-          <a:fontRef idx="minor">
-            <a:schemeClr val="tx1"/>
-          </a:fontRef>
-        </p:style>
-      </p:cxnSp>
-      <p:cxnSp>
-        <p:nvCxnSpPr>
-          <p:cNvPr id="26" name="直接箭头连接符 25">
-            <a:extLst>
-              <a:ext uri="{FF2B5EF4-FFF2-40B4-BE49-F238E27FC236}">
-                <a16:creationId xmlns:a16="http://schemas.microsoft.com/office/drawing/2014/main" id="{54381B88-C9D8-7BBF-6ECD-D224C99A1007}"/>
-              </a:ext>
-            </a:extLst>
-          </p:cNvPr>
-          <p:cNvCxnSpPr>
-            <a:cxnSpLocks/>
-            <a:endCxn id="6" idx="3"/>
-          </p:cNvCxnSpPr>
-          <p:nvPr/>
-        </p:nvCxnSpPr>
-        <p:spPr>
-          <a:xfrm flipH="1">
-            <a:off x="3137912" y="3537600"/>
-            <a:ext cx="1598919" cy="1"/>
-          </a:xfrm>
-          <a:prstGeom prst="straightConnector1">
-            <a:avLst/>
-          </a:prstGeom>
-          <a:ln>
-            <a:solidFill>
-              <a:schemeClr val="bg1">
-                <a:lumMod val="50000"/>
-              </a:schemeClr>
-            </a:solidFill>
-            <a:prstDash val="lgDash"/>
-            <a:tailEnd type="triangle"/>
-          </a:ln>
-        </p:spPr>
-        <p:style>
-          <a:lnRef idx="1">
-            <a:schemeClr val="accent1"/>
-          </a:lnRef>
-          <a:fillRef idx="0">
-            <a:schemeClr val="accent1"/>
-          </a:fillRef>
-          <a:effectRef idx="0">
-            <a:schemeClr val="accent1"/>
-          </a:effectRef>
-          <a:fontRef idx="minor">
-            <a:schemeClr val="tx1"/>
-          </a:fontRef>
-        </p:style>
-      </p:cxnSp>
-      <p:cxnSp>
-        <p:nvCxnSpPr>
-          <p:cNvPr id="123" name="直接箭头连接符 122">
-            <a:extLst>
-              <a:ext uri="{FF2B5EF4-FFF2-40B4-BE49-F238E27FC236}">
-                <a16:creationId xmlns:a16="http://schemas.microsoft.com/office/drawing/2014/main" id="{0A3C3C35-BCBD-9924-E13B-5220030F09D4}"/>
-              </a:ext>
-            </a:extLst>
-          </p:cNvPr>
-          <p:cNvCxnSpPr>
-            <a:cxnSpLocks/>
-            <a:endCxn id="57" idx="3"/>
-          </p:cNvCxnSpPr>
-          <p:nvPr/>
-        </p:nvCxnSpPr>
-        <p:spPr>
-          <a:xfrm flipH="1">
-            <a:off x="3129568" y="6238036"/>
-            <a:ext cx="1512222" cy="0"/>
-          </a:xfrm>
-          <a:prstGeom prst="straightConnector1">
-            <a:avLst/>
-          </a:prstGeom>
-          <a:ln>
-            <a:solidFill>
-              <a:schemeClr val="bg1">
-                <a:lumMod val="50000"/>
-              </a:schemeClr>
-            </a:solidFill>
-            <a:prstDash val="lgDash"/>
-            <a:tailEnd type="triangle"/>
-          </a:ln>
-        </p:spPr>
-        <p:style>
-          <a:lnRef idx="1">
-            <a:schemeClr val="accent1"/>
-          </a:lnRef>
-          <a:fillRef idx="0">
-            <a:schemeClr val="accent1"/>
-          </a:fillRef>
-          <a:effectRef idx="0">
-            <a:schemeClr val="accent1"/>
-          </a:effectRef>
-          <a:fontRef idx="minor">
-            <a:schemeClr val="tx1"/>
-          </a:fontRef>
-        </p:style>
-      </p:cxnSp>
+              <a:t>Thanks!</a:t>
+            </a:r>
+          </a:p>
+        </p:txBody>
+      </p:sp>
     </p:spTree>
     <p:extLst>
       <p:ext uri="{BB962C8B-B14F-4D97-AF65-F5344CB8AC3E}">
-        <p14:creationId xmlns:p14="http://schemas.microsoft.com/office/powerpoint/2010/main" val="3495133908"/>
+        <p14:creationId xmlns:p14="http://schemas.microsoft.com/office/powerpoint/2010/main" val="3015943919"/>
       </p:ext>
     </p:extLst>
   </p:cSld>
@@ -8405,7 +6930,7 @@
           <a:p>
             <a:r>
               <a:rPr lang="en-US" altLang="zh-CN" dirty="0"/>
-              <a:t>Work_1: Attempting to predict variables S and D using signals 	with a noise level of 0.8 by</a:t>
+              <a:t>Work_1: Attempting to predict S and D using signals with a noise level of 0.8 by</a:t>
             </a:r>
             <a:r>
               <a:rPr lang="zh-CN" altLang="en-US" dirty="0"/>
@@ -8413,27 +6938,19 @@
             </a:r>
             <a:r>
               <a:rPr lang="en-US" altLang="zh-CN" dirty="0"/>
-              <a:t>	decomposition. S=3.9, 	D=5.9 compared with S=</a:t>
-            </a:r>
-            <a:r>
-              <a:rPr lang="en-US" altLang="zh-CN" dirty="0" err="1"/>
-              <a:t>xxxxxx</a:t>
-            </a:r>
+              <a:t>decomposition. S=3.9, D=5.9 compared with S=xxx, D=xxx last week.</a:t>
+            </a:r>
+          </a:p>
+          <a:p>
+            <a:endParaRPr lang="en-US" altLang="zh-CN" dirty="0"/>
+          </a:p>
+          <a:p>
+            <a:endParaRPr lang="en-US" altLang="zh-CN" dirty="0"/>
+          </a:p>
+          <a:p>
             <a:r>
               <a:rPr lang="en-US" altLang="zh-CN" dirty="0"/>
-              <a:t> last week.</a:t>
-            </a:r>
-          </a:p>
-          <a:p>
-            <a:endParaRPr lang="en-US" altLang="zh-CN" dirty="0"/>
-          </a:p>
-          <a:p>
-            <a:endParaRPr lang="en-US" altLang="zh-CN" dirty="0"/>
-          </a:p>
-          <a:p>
-            <a:r>
-              <a:rPr lang="en-US" altLang="zh-CN" dirty="0"/>
-              <a:t>Work_2:Attempting to predict variables S and D using signals 	with a noise level of 0.8 by getting template. Some 	interesting observations were made.</a:t>
+              <a:t>Work_2: Attempting to predict S and D using signals with a noise level of 0.8 by getting template. Some interesting observations were made.</a:t>
             </a:r>
           </a:p>
           <a:p>
@@ -8546,12 +7063,118 @@
           </a:p>
         </p:txBody>
       </p:sp>
-      <p:sp>
-        <p:nvSpPr>
-          <p:cNvPr id="3" name="文本框 2">
-            <a:extLst>
-              <a:ext uri="{FF2B5EF4-FFF2-40B4-BE49-F238E27FC236}">
-                <a16:creationId xmlns:a16="http://schemas.microsoft.com/office/drawing/2014/main" id="{56FE133C-9EA1-3377-B557-EB3AD9BE5161}"/>
+      <p:pic>
+        <p:nvPicPr>
+          <p:cNvPr id="4" name="图片 3">
+            <a:extLst>
+              <a:ext uri="{FF2B5EF4-FFF2-40B4-BE49-F238E27FC236}">
+                <a16:creationId xmlns:a16="http://schemas.microsoft.com/office/drawing/2014/main" id="{BA0E20BA-D4C8-D2CE-2DE1-A0E1D320EF4A}"/>
+              </a:ext>
+            </a:extLst>
+          </p:cNvPr>
+          <p:cNvPicPr>
+            <a:picLocks noChangeAspect="1"/>
+          </p:cNvPicPr>
+          <p:nvPr/>
+        </p:nvPicPr>
+        <p:blipFill>
+          <a:blip r:embed="rId3"/>
+          <a:stretch>
+            <a:fillRect/>
+          </a:stretch>
+        </p:blipFill>
+        <p:spPr>
+          <a:xfrm>
+            <a:off x="103041" y="3171906"/>
+            <a:ext cx="3925902" cy="3512649"/>
+          </a:xfrm>
+          <a:prstGeom prst="rect">
+            <a:avLst/>
+          </a:prstGeom>
+        </p:spPr>
+      </p:pic>
+      <p:pic>
+        <p:nvPicPr>
+          <p:cNvPr id="5" name="图片 4">
+            <a:extLst>
+              <a:ext uri="{FF2B5EF4-FFF2-40B4-BE49-F238E27FC236}">
+                <a16:creationId xmlns:a16="http://schemas.microsoft.com/office/drawing/2014/main" id="{2E69F752-B1A1-E033-7E6B-123510BF62E3}"/>
+              </a:ext>
+            </a:extLst>
+          </p:cNvPr>
+          <p:cNvPicPr>
+            <a:picLocks noChangeAspect="1"/>
+          </p:cNvPicPr>
+          <p:nvPr/>
+        </p:nvPicPr>
+        <p:blipFill>
+          <a:blip r:embed="rId4"/>
+          <a:stretch>
+            <a:fillRect/>
+          </a:stretch>
+        </p:blipFill>
+        <p:spPr>
+          <a:xfrm>
+            <a:off x="9480881" y="2853769"/>
+            <a:ext cx="2383050" cy="1458541"/>
+          </a:xfrm>
+          <a:prstGeom prst="rect">
+            <a:avLst/>
+          </a:prstGeom>
+        </p:spPr>
+      </p:pic>
+      <p:cxnSp>
+        <p:nvCxnSpPr>
+          <p:cNvPr id="7" name="直接连接符 6">
+            <a:extLst>
+              <a:ext uri="{FF2B5EF4-FFF2-40B4-BE49-F238E27FC236}">
+                <a16:creationId xmlns:a16="http://schemas.microsoft.com/office/drawing/2014/main" id="{E6523A07-6F74-2563-6038-FDCAA9920CCA}"/>
+              </a:ext>
+            </a:extLst>
+          </p:cNvPr>
+          <p:cNvCxnSpPr>
+            <a:cxnSpLocks/>
+          </p:cNvCxnSpPr>
+          <p:nvPr/>
+        </p:nvCxnSpPr>
+        <p:spPr>
+          <a:xfrm>
+            <a:off x="4131702" y="858366"/>
+            <a:ext cx="0" cy="5992163"/>
+          </a:xfrm>
+          <a:prstGeom prst="line">
+            <a:avLst/>
+          </a:prstGeom>
+          <a:ln w="19050">
+            <a:solidFill>
+              <a:schemeClr val="bg1">
+                <a:lumMod val="65000"/>
+              </a:schemeClr>
+            </a:solidFill>
+            <a:prstDash val="dash"/>
+          </a:ln>
+        </p:spPr>
+        <p:style>
+          <a:lnRef idx="1">
+            <a:schemeClr val="accent1"/>
+          </a:lnRef>
+          <a:fillRef idx="0">
+            <a:schemeClr val="accent1"/>
+          </a:fillRef>
+          <a:effectRef idx="0">
+            <a:schemeClr val="accent1"/>
+          </a:effectRef>
+          <a:fontRef idx="minor">
+            <a:schemeClr val="tx1"/>
+          </a:fontRef>
+        </p:style>
+      </p:cxnSp>
+      <p:sp>
+        <p:nvSpPr>
+          <p:cNvPr id="8" name="文本框 7">
+            <a:extLst>
+              <a:ext uri="{FF2B5EF4-FFF2-40B4-BE49-F238E27FC236}">
+                <a16:creationId xmlns:a16="http://schemas.microsoft.com/office/drawing/2014/main" id="{94E61559-E208-8E04-52F1-C784A49E26C3}"/>
               </a:ext>
             </a:extLst>
           </p:cNvPr>
@@ -8560,8 +7183,8 @@
         </p:nvSpPr>
         <p:spPr>
           <a:xfrm>
-            <a:off x="2035277" y="1995948"/>
-            <a:ext cx="7639665" cy="923330"/>
+            <a:off x="1103319" y="1089611"/>
+            <a:ext cx="2906062" cy="369332"/>
           </a:xfrm>
           <a:prstGeom prst="rect">
             <a:avLst/>
@@ -8576,7 +7199,7 @@
           <a:p>
             <a:r>
               <a:rPr lang="zh-CN" altLang="en-US" dirty="0"/>
-              <a:t>用流程图简单介绍一下基于</a:t>
+              <a:t>普通</a:t>
             </a:r>
             <a:r>
               <a:rPr lang="en-US" altLang="zh-CN" dirty="0"/>
@@ -8584,25 +7207,539 @@
             </a:r>
             <a:r>
               <a:rPr lang="zh-CN" altLang="en-US" dirty="0"/>
-              <a:t>降噪的流程</a:t>
+              <a:t>的基本流程</a:t>
             </a:r>
             <a:endParaRPr lang="en-US" altLang="zh-CN" dirty="0"/>
           </a:p>
-          <a:p>
+        </p:txBody>
+      </p:sp>
+      <p:sp>
+        <p:nvSpPr>
+          <p:cNvPr id="9" name="文本框 8">
+            <a:extLst>
+              <a:ext uri="{FF2B5EF4-FFF2-40B4-BE49-F238E27FC236}">
+                <a16:creationId xmlns:a16="http://schemas.microsoft.com/office/drawing/2014/main" id="{C37B5B4D-EFA6-72A9-C65C-D731A5B5412A}"/>
+              </a:ext>
+            </a:extLst>
+          </p:cNvPr>
+          <p:cNvSpPr txBox="1"/>
+          <p:nvPr/>
+        </p:nvSpPr>
+        <p:spPr>
+          <a:xfrm>
+            <a:off x="626197" y="1571720"/>
+            <a:ext cx="2906062" cy="923330"/>
+          </a:xfrm>
+          <a:prstGeom prst="rect">
+            <a:avLst/>
+          </a:prstGeom>
+          <a:noFill/>
+        </p:spPr>
+        <p:txBody>
+          <a:bodyPr wrap="square" rtlCol="0">
+            <a:spAutoFit/>
+          </a:bodyPr>
+          <a:lstStyle/>
+          <a:p>
+            <a:r>
+              <a:rPr lang="en-US" altLang="zh-CN" dirty="0"/>
+              <a:t>Step1.</a:t>
+            </a:r>
+          </a:p>
+          <a:p>
+            <a:r>
+              <a:rPr lang="zh-CN" altLang="en-US" dirty="0"/>
+              <a:t>对信号处理后进行</a:t>
+            </a:r>
+            <a:r>
+              <a:rPr lang="en-US" altLang="zh-CN" dirty="0"/>
+              <a:t>SVD</a:t>
+            </a:r>
+            <a:r>
+              <a:rPr lang="zh-CN" altLang="en-US" dirty="0"/>
+              <a:t>分解，后计算</a:t>
+            </a:r>
+            <a:r>
+              <a:rPr lang="en-US" altLang="zh-CN" dirty="0"/>
+              <a:t>W-</a:t>
+            </a:r>
+            <a:r>
+              <a:rPr lang="zh-CN" altLang="en-US" dirty="0"/>
+              <a:t>相关性系数</a:t>
+            </a:r>
             <a:endParaRPr lang="en-US" altLang="zh-CN" dirty="0"/>
           </a:p>
+        </p:txBody>
+      </p:sp>
+      <p:sp>
+        <p:nvSpPr>
+          <p:cNvPr id="10" name="文本框 9">
+            <a:extLst>
+              <a:ext uri="{FF2B5EF4-FFF2-40B4-BE49-F238E27FC236}">
+                <a16:creationId xmlns:a16="http://schemas.microsoft.com/office/drawing/2014/main" id="{67C6D36C-1453-EE30-D781-E6B5A0C5F3BF}"/>
+              </a:ext>
+            </a:extLst>
+          </p:cNvPr>
+          <p:cNvSpPr txBox="1"/>
+          <p:nvPr/>
+        </p:nvSpPr>
+        <p:spPr>
+          <a:xfrm>
+            <a:off x="4878474" y="1571720"/>
+            <a:ext cx="3511502" cy="923330"/>
+          </a:xfrm>
+          <a:prstGeom prst="rect">
+            <a:avLst/>
+          </a:prstGeom>
+          <a:noFill/>
+        </p:spPr>
+        <p:txBody>
+          <a:bodyPr wrap="square" rtlCol="0">
+            <a:spAutoFit/>
+          </a:bodyPr>
+          <a:lstStyle/>
+          <a:p>
+            <a:r>
+              <a:rPr lang="en-US" altLang="zh-CN" dirty="0"/>
+              <a:t>Step2.</a:t>
+            </a:r>
+          </a:p>
           <a:p>
             <a:r>
               <a:rPr lang="zh-CN" altLang="en-US" dirty="0"/>
-              <a:t>用流程图简单介绍一下</a:t>
+              <a:t>根据相关性划分</a:t>
             </a:r>
             <a:r>
               <a:rPr lang="en-US" altLang="zh-CN" dirty="0"/>
-              <a:t>SSA</a:t>
+              <a:t>group(</a:t>
             </a:r>
             <a:r>
               <a:rPr lang="zh-CN" altLang="en-US" dirty="0"/>
-              <a:t>的流程。</a:t>
+              <a:t>用眼睛看，似乎没有自动划分</a:t>
+            </a:r>
+            <a:r>
+              <a:rPr lang="en-US" altLang="zh-CN" dirty="0"/>
+              <a:t>group</a:t>
+            </a:r>
+            <a:r>
+              <a:rPr lang="zh-CN" altLang="en-US" dirty="0"/>
+              <a:t>的方法</a:t>
+            </a:r>
+            <a:r>
+              <a:rPr lang="en-US" altLang="zh-CN" dirty="0"/>
+              <a:t>)</a:t>
+            </a:r>
+          </a:p>
+        </p:txBody>
+      </p:sp>
+      <p:grpSp>
+        <p:nvGrpSpPr>
+          <p:cNvPr id="16" name="组合 15">
+            <a:extLst>
+              <a:ext uri="{FF2B5EF4-FFF2-40B4-BE49-F238E27FC236}">
+                <a16:creationId xmlns:a16="http://schemas.microsoft.com/office/drawing/2014/main" id="{B41E484A-5210-E8DB-635B-D1695668C0D1}"/>
+              </a:ext>
+            </a:extLst>
+          </p:cNvPr>
+          <p:cNvGrpSpPr/>
+          <p:nvPr/>
+        </p:nvGrpSpPr>
+        <p:grpSpPr>
+          <a:xfrm>
+            <a:off x="4731146" y="3171906"/>
+            <a:ext cx="3806159" cy="3512649"/>
+            <a:chOff x="5213268" y="2211106"/>
+            <a:chExt cx="4745120" cy="4245633"/>
+          </a:xfrm>
+        </p:grpSpPr>
+        <p:pic>
+          <p:nvPicPr>
+            <p:cNvPr id="6" name="图片 5">
+              <a:extLst>
+                <a:ext uri="{FF2B5EF4-FFF2-40B4-BE49-F238E27FC236}">
+                  <a16:creationId xmlns:a16="http://schemas.microsoft.com/office/drawing/2014/main" id="{5D43944E-1679-083C-F090-577A43CE104A}"/>
+                </a:ext>
+              </a:extLst>
+            </p:cNvPr>
+            <p:cNvPicPr>
+              <a:picLocks noChangeAspect="1"/>
+            </p:cNvPicPr>
+            <p:nvPr/>
+          </p:nvPicPr>
+          <p:blipFill>
+            <a:blip r:embed="rId3"/>
+            <a:stretch>
+              <a:fillRect/>
+            </a:stretch>
+          </p:blipFill>
+          <p:spPr>
+            <a:xfrm>
+              <a:off x="5213268" y="2211106"/>
+              <a:ext cx="4745120" cy="4245633"/>
+            </a:xfrm>
+            <a:prstGeom prst="rect">
+              <a:avLst/>
+            </a:prstGeom>
+          </p:spPr>
+        </p:pic>
+        <p:sp>
+          <p:nvSpPr>
+            <p:cNvPr id="11" name="矩形 10">
+              <a:extLst>
+                <a:ext uri="{FF2B5EF4-FFF2-40B4-BE49-F238E27FC236}">
+                  <a16:creationId xmlns:a16="http://schemas.microsoft.com/office/drawing/2014/main" id="{C77F6B53-CF0A-B93C-046C-FF4B8826FFB8}"/>
+                </a:ext>
+              </a:extLst>
+            </p:cNvPr>
+            <p:cNvSpPr/>
+            <p:nvPr/>
+          </p:nvSpPr>
+          <p:spPr>
+            <a:xfrm>
+              <a:off x="5576894" y="2514600"/>
+              <a:ext cx="202398" cy="185738"/>
+            </a:xfrm>
+            <a:prstGeom prst="rect">
+              <a:avLst/>
+            </a:prstGeom>
+            <a:noFill/>
+            <a:ln>
+              <a:solidFill>
+                <a:srgbClr val="92D050"/>
+              </a:solidFill>
+            </a:ln>
+          </p:spPr>
+          <p:style>
+            <a:lnRef idx="2">
+              <a:schemeClr val="accent1">
+                <a:shade val="15000"/>
+              </a:schemeClr>
+            </a:lnRef>
+            <a:fillRef idx="1">
+              <a:schemeClr val="accent1"/>
+            </a:fillRef>
+            <a:effectRef idx="0">
+              <a:schemeClr val="accent1"/>
+            </a:effectRef>
+            <a:fontRef idx="minor">
+              <a:schemeClr val="lt1"/>
+            </a:fontRef>
+          </p:style>
+          <p:txBody>
+            <a:bodyPr rtlCol="0" anchor="ctr"/>
+            <a:lstStyle/>
+            <a:p>
+              <a:pPr algn="ctr"/>
+              <a:endParaRPr lang="zh-CN" altLang="en-US"/>
+            </a:p>
+          </p:txBody>
+        </p:sp>
+        <p:sp>
+          <p:nvSpPr>
+            <p:cNvPr id="12" name="矩形 11">
+              <a:extLst>
+                <a:ext uri="{FF2B5EF4-FFF2-40B4-BE49-F238E27FC236}">
+                  <a16:creationId xmlns:a16="http://schemas.microsoft.com/office/drawing/2014/main" id="{9BA96BE4-8F34-E5E6-A5DF-6B1D3A5CE712}"/>
+                </a:ext>
+              </a:extLst>
+            </p:cNvPr>
+            <p:cNvSpPr/>
+            <p:nvPr/>
+          </p:nvSpPr>
+          <p:spPr>
+            <a:xfrm>
+              <a:off x="5696124" y="2636173"/>
+              <a:ext cx="327483" cy="320387"/>
+            </a:xfrm>
+            <a:prstGeom prst="rect">
+              <a:avLst/>
+            </a:prstGeom>
+            <a:noFill/>
+            <a:ln>
+              <a:solidFill>
+                <a:srgbClr val="92D050"/>
+              </a:solidFill>
+            </a:ln>
+          </p:spPr>
+          <p:style>
+            <a:lnRef idx="2">
+              <a:schemeClr val="accent1">
+                <a:shade val="15000"/>
+              </a:schemeClr>
+            </a:lnRef>
+            <a:fillRef idx="1">
+              <a:schemeClr val="accent1"/>
+            </a:fillRef>
+            <a:effectRef idx="0">
+              <a:schemeClr val="accent1"/>
+            </a:effectRef>
+            <a:fontRef idx="minor">
+              <a:schemeClr val="lt1"/>
+            </a:fontRef>
+          </p:style>
+          <p:txBody>
+            <a:bodyPr rtlCol="0" anchor="ctr"/>
+            <a:lstStyle/>
+            <a:p>
+              <a:pPr algn="ctr"/>
+              <a:endParaRPr lang="zh-CN" altLang="en-US"/>
+            </a:p>
+          </p:txBody>
+        </p:sp>
+        <p:sp>
+          <p:nvSpPr>
+            <p:cNvPr id="13" name="矩形 12">
+              <a:extLst>
+                <a:ext uri="{FF2B5EF4-FFF2-40B4-BE49-F238E27FC236}">
+                  <a16:creationId xmlns:a16="http://schemas.microsoft.com/office/drawing/2014/main" id="{54BD3188-1A79-3DAB-CFA9-B549CDFDC037}"/>
+                </a:ext>
+              </a:extLst>
+            </p:cNvPr>
+            <p:cNvSpPr/>
+            <p:nvPr/>
+          </p:nvSpPr>
+          <p:spPr>
+            <a:xfrm>
+              <a:off x="5952343" y="2887980"/>
+              <a:ext cx="245438" cy="261590"/>
+            </a:xfrm>
+            <a:prstGeom prst="rect">
+              <a:avLst/>
+            </a:prstGeom>
+            <a:noFill/>
+            <a:ln>
+              <a:solidFill>
+                <a:srgbClr val="92D050"/>
+              </a:solidFill>
+            </a:ln>
+          </p:spPr>
+          <p:style>
+            <a:lnRef idx="2">
+              <a:schemeClr val="accent1">
+                <a:shade val="15000"/>
+              </a:schemeClr>
+            </a:lnRef>
+            <a:fillRef idx="1">
+              <a:schemeClr val="accent1"/>
+            </a:fillRef>
+            <a:effectRef idx="0">
+              <a:schemeClr val="accent1"/>
+            </a:effectRef>
+            <a:fontRef idx="minor">
+              <a:schemeClr val="lt1"/>
+            </a:fontRef>
+          </p:style>
+          <p:txBody>
+            <a:bodyPr rtlCol="0" anchor="ctr"/>
+            <a:lstStyle/>
+            <a:p>
+              <a:pPr algn="ctr"/>
+              <a:endParaRPr lang="zh-CN" altLang="en-US"/>
+            </a:p>
+          </p:txBody>
+        </p:sp>
+        <p:sp>
+          <p:nvSpPr>
+            <p:cNvPr id="14" name="矩形 13">
+              <a:extLst>
+                <a:ext uri="{FF2B5EF4-FFF2-40B4-BE49-F238E27FC236}">
+                  <a16:creationId xmlns:a16="http://schemas.microsoft.com/office/drawing/2014/main" id="{BD2C8373-BE9F-02B5-B0AA-1BFD130DD588}"/>
+                </a:ext>
+              </a:extLst>
+            </p:cNvPr>
+            <p:cNvSpPr/>
+            <p:nvPr/>
+          </p:nvSpPr>
+          <p:spPr>
+            <a:xfrm>
+              <a:off x="6104742" y="3040380"/>
+              <a:ext cx="3088769" cy="3074670"/>
+            </a:xfrm>
+            <a:prstGeom prst="rect">
+              <a:avLst/>
+            </a:prstGeom>
+            <a:noFill/>
+            <a:ln>
+              <a:solidFill>
+                <a:srgbClr val="92D050"/>
+              </a:solidFill>
+            </a:ln>
+          </p:spPr>
+          <p:style>
+            <a:lnRef idx="2">
+              <a:schemeClr val="accent1">
+                <a:shade val="15000"/>
+              </a:schemeClr>
+            </a:lnRef>
+            <a:fillRef idx="1">
+              <a:schemeClr val="accent1"/>
+            </a:fillRef>
+            <a:effectRef idx="0">
+              <a:schemeClr val="accent1"/>
+            </a:effectRef>
+            <a:fontRef idx="minor">
+              <a:schemeClr val="lt1"/>
+            </a:fontRef>
+          </p:style>
+          <p:txBody>
+            <a:bodyPr rtlCol="0" anchor="ctr"/>
+            <a:lstStyle/>
+            <a:p>
+              <a:pPr algn="ctr"/>
+              <a:endParaRPr lang="zh-CN" altLang="en-US"/>
+            </a:p>
+          </p:txBody>
+        </p:sp>
+      </p:grpSp>
+      <p:sp>
+        <p:nvSpPr>
+          <p:cNvPr id="15" name="文本框 14">
+            <a:extLst>
+              <a:ext uri="{FF2B5EF4-FFF2-40B4-BE49-F238E27FC236}">
+                <a16:creationId xmlns:a16="http://schemas.microsoft.com/office/drawing/2014/main" id="{F3E2DF46-E57C-326A-5772-3F57B5232F83}"/>
+              </a:ext>
+            </a:extLst>
+          </p:cNvPr>
+          <p:cNvSpPr txBox="1"/>
+          <p:nvPr/>
+        </p:nvSpPr>
+        <p:spPr>
+          <a:xfrm>
+            <a:off x="9600410" y="1632800"/>
+            <a:ext cx="1885756" cy="923330"/>
+          </a:xfrm>
+          <a:prstGeom prst="rect">
+            <a:avLst/>
+          </a:prstGeom>
+          <a:noFill/>
+        </p:spPr>
+        <p:txBody>
+          <a:bodyPr wrap="square" rtlCol="0">
+            <a:spAutoFit/>
+          </a:bodyPr>
+          <a:lstStyle/>
+          <a:p>
+            <a:r>
+              <a:rPr lang="en-US" altLang="zh-CN" dirty="0"/>
+              <a:t>Step3. </a:t>
+            </a:r>
+          </a:p>
+          <a:p>
+            <a:r>
+              <a:rPr lang="zh-CN" altLang="en-US" dirty="0"/>
+              <a:t>重构信号 </a:t>
+            </a:r>
+            <a:r>
+              <a:rPr lang="en-US" altLang="zh-CN" dirty="0"/>
+              <a:t>based on the group</a:t>
+            </a:r>
+          </a:p>
+        </p:txBody>
+      </p:sp>
+      <p:cxnSp>
+        <p:nvCxnSpPr>
+          <p:cNvPr id="17" name="直接连接符 16">
+            <a:extLst>
+              <a:ext uri="{FF2B5EF4-FFF2-40B4-BE49-F238E27FC236}">
+                <a16:creationId xmlns:a16="http://schemas.microsoft.com/office/drawing/2014/main" id="{2E4BE72F-B5DC-CAE2-478E-0D212CCF04EE}"/>
+              </a:ext>
+            </a:extLst>
+          </p:cNvPr>
+          <p:cNvCxnSpPr>
+            <a:cxnSpLocks/>
+          </p:cNvCxnSpPr>
+          <p:nvPr/>
+        </p:nvCxnSpPr>
+        <p:spPr>
+          <a:xfrm>
+            <a:off x="8957702" y="885615"/>
+            <a:ext cx="0" cy="5992163"/>
+          </a:xfrm>
+          <a:prstGeom prst="line">
+            <a:avLst/>
+          </a:prstGeom>
+          <a:ln w="19050">
+            <a:solidFill>
+              <a:schemeClr val="bg1">
+                <a:lumMod val="65000"/>
+              </a:schemeClr>
+            </a:solidFill>
+            <a:prstDash val="dash"/>
+          </a:ln>
+        </p:spPr>
+        <p:style>
+          <a:lnRef idx="1">
+            <a:schemeClr val="accent1"/>
+          </a:lnRef>
+          <a:fillRef idx="0">
+            <a:schemeClr val="accent1"/>
+          </a:fillRef>
+          <a:effectRef idx="0">
+            <a:schemeClr val="accent1"/>
+          </a:effectRef>
+          <a:fontRef idx="minor">
+            <a:schemeClr val="tx1"/>
+          </a:fontRef>
+        </p:style>
+      </p:cxnSp>
+      <p:sp>
+        <p:nvSpPr>
+          <p:cNvPr id="18" name="文本框 17">
+            <a:extLst>
+              <a:ext uri="{FF2B5EF4-FFF2-40B4-BE49-F238E27FC236}">
+                <a16:creationId xmlns:a16="http://schemas.microsoft.com/office/drawing/2014/main" id="{D1268FF2-9C57-EF1E-3337-071EE294C47C}"/>
+              </a:ext>
+            </a:extLst>
+          </p:cNvPr>
+          <p:cNvSpPr txBox="1"/>
+          <p:nvPr/>
+        </p:nvSpPr>
+        <p:spPr>
+          <a:xfrm>
+            <a:off x="9298598" y="4653230"/>
+            <a:ext cx="2893402" cy="2031325"/>
+          </a:xfrm>
+          <a:prstGeom prst="rect">
+            <a:avLst/>
+          </a:prstGeom>
+          <a:noFill/>
+        </p:spPr>
+        <p:txBody>
+          <a:bodyPr wrap="square" rtlCol="0">
+            <a:spAutoFit/>
+          </a:bodyPr>
+          <a:lstStyle/>
+          <a:p>
+            <a:r>
+              <a:rPr lang="zh-CN" altLang="en-US" dirty="0"/>
+              <a:t>第一个重构的信号一般是</a:t>
+            </a:r>
+            <a:r>
+              <a:rPr lang="en-US" altLang="zh-CN" dirty="0"/>
+              <a:t>trend</a:t>
+            </a:r>
+          </a:p>
+          <a:p>
+            <a:endParaRPr lang="en-US" altLang="zh-CN" dirty="0"/>
+          </a:p>
+          <a:p>
+            <a:r>
+              <a:rPr lang="zh-CN" altLang="en-US" dirty="0"/>
+              <a:t>中间的重构的信号一般是周期</a:t>
+            </a:r>
+            <a:endParaRPr lang="en-US" altLang="zh-CN" dirty="0"/>
+          </a:p>
+          <a:p>
+            <a:endParaRPr lang="en-US" altLang="zh-CN" dirty="0"/>
+          </a:p>
+          <a:p>
+            <a:r>
+              <a:rPr lang="zh-CN" altLang="en-US" dirty="0"/>
+              <a:t>最末的信号一般是</a:t>
+            </a:r>
+            <a:r>
+              <a:rPr lang="en-US" altLang="zh-CN" dirty="0"/>
+              <a:t>Noise</a:t>
             </a:r>
           </a:p>
         </p:txBody>
@@ -8686,12 +7823,88 @@
           </a:p>
         </p:txBody>
       </p:sp>
-      <p:sp>
-        <p:nvSpPr>
-          <p:cNvPr id="3" name="文本框 2">
-            <a:extLst>
-              <a:ext uri="{FF2B5EF4-FFF2-40B4-BE49-F238E27FC236}">
-                <a16:creationId xmlns:a16="http://schemas.microsoft.com/office/drawing/2014/main" id="{B097DEFC-C986-54FB-1F74-7E158829D784}"/>
+      <p:pic>
+        <p:nvPicPr>
+          <p:cNvPr id="4" name="图片 3">
+            <a:extLst>
+              <a:ext uri="{FF2B5EF4-FFF2-40B4-BE49-F238E27FC236}">
+                <a16:creationId xmlns:a16="http://schemas.microsoft.com/office/drawing/2014/main" id="{BA0E20BA-D4C8-D2CE-2DE1-A0E1D320EF4A}"/>
+              </a:ext>
+            </a:extLst>
+          </p:cNvPr>
+          <p:cNvPicPr>
+            <a:picLocks noChangeAspect="1"/>
+          </p:cNvPicPr>
+          <p:nvPr/>
+        </p:nvPicPr>
+        <p:blipFill>
+          <a:blip r:embed="rId3"/>
+          <a:stretch>
+            <a:fillRect/>
+          </a:stretch>
+        </p:blipFill>
+        <p:spPr>
+          <a:xfrm>
+            <a:off x="103041" y="3171906"/>
+            <a:ext cx="3925902" cy="3512649"/>
+          </a:xfrm>
+          <a:prstGeom prst="rect">
+            <a:avLst/>
+          </a:prstGeom>
+        </p:spPr>
+      </p:pic>
+      <p:cxnSp>
+        <p:nvCxnSpPr>
+          <p:cNvPr id="7" name="直接连接符 6">
+            <a:extLst>
+              <a:ext uri="{FF2B5EF4-FFF2-40B4-BE49-F238E27FC236}">
+                <a16:creationId xmlns:a16="http://schemas.microsoft.com/office/drawing/2014/main" id="{E6523A07-6F74-2563-6038-FDCAA9920CCA}"/>
+              </a:ext>
+            </a:extLst>
+          </p:cNvPr>
+          <p:cNvCxnSpPr>
+            <a:cxnSpLocks/>
+          </p:cNvCxnSpPr>
+          <p:nvPr/>
+        </p:nvCxnSpPr>
+        <p:spPr>
+          <a:xfrm>
+            <a:off x="4131702" y="858366"/>
+            <a:ext cx="0" cy="5992163"/>
+          </a:xfrm>
+          <a:prstGeom prst="line">
+            <a:avLst/>
+          </a:prstGeom>
+          <a:ln w="19050">
+            <a:solidFill>
+              <a:schemeClr val="bg1">
+                <a:lumMod val="65000"/>
+              </a:schemeClr>
+            </a:solidFill>
+            <a:prstDash val="dash"/>
+          </a:ln>
+        </p:spPr>
+        <p:style>
+          <a:lnRef idx="1">
+            <a:schemeClr val="accent1"/>
+          </a:lnRef>
+          <a:fillRef idx="0">
+            <a:schemeClr val="accent1"/>
+          </a:fillRef>
+          <a:effectRef idx="0">
+            <a:schemeClr val="accent1"/>
+          </a:effectRef>
+          <a:fontRef idx="minor">
+            <a:schemeClr val="tx1"/>
+          </a:fontRef>
+        </p:style>
+      </p:cxnSp>
+      <p:sp>
+        <p:nvSpPr>
+          <p:cNvPr id="8" name="文本框 7">
+            <a:extLst>
+              <a:ext uri="{FF2B5EF4-FFF2-40B4-BE49-F238E27FC236}">
+                <a16:creationId xmlns:a16="http://schemas.microsoft.com/office/drawing/2014/main" id="{94E61559-E208-8E04-52F1-C784A49E26C3}"/>
               </a:ext>
             </a:extLst>
           </p:cNvPr>
@@ -8700,8 +7913,8 @@
         </p:nvSpPr>
         <p:spPr>
           <a:xfrm>
-            <a:off x="2035277" y="1995948"/>
-            <a:ext cx="7639665" cy="369332"/>
+            <a:off x="1103319" y="1089611"/>
+            <a:ext cx="2906062" cy="369332"/>
           </a:xfrm>
           <a:prstGeom prst="rect">
             <a:avLst/>
@@ -8716,7 +7929,7 @@
           <a:p>
             <a:r>
               <a:rPr lang="zh-CN" altLang="en-US" dirty="0"/>
-              <a:t>展示一下</a:t>
+              <a:t>我的简化版</a:t>
             </a:r>
             <a:r>
               <a:rPr lang="en-US" altLang="zh-CN" dirty="0"/>
@@ -8724,7 +7937,521 @@
             </a:r>
             <a:r>
               <a:rPr lang="zh-CN" altLang="en-US" dirty="0"/>
-              <a:t>降噪的效果。</a:t>
+              <a:t>的基本流程</a:t>
+            </a:r>
+            <a:endParaRPr lang="en-US" altLang="zh-CN" dirty="0"/>
+          </a:p>
+        </p:txBody>
+      </p:sp>
+      <p:sp>
+        <p:nvSpPr>
+          <p:cNvPr id="9" name="文本框 8">
+            <a:extLst>
+              <a:ext uri="{FF2B5EF4-FFF2-40B4-BE49-F238E27FC236}">
+                <a16:creationId xmlns:a16="http://schemas.microsoft.com/office/drawing/2014/main" id="{C37B5B4D-EFA6-72A9-C65C-D731A5B5412A}"/>
+              </a:ext>
+            </a:extLst>
+          </p:cNvPr>
+          <p:cNvSpPr txBox="1"/>
+          <p:nvPr/>
+        </p:nvSpPr>
+        <p:spPr>
+          <a:xfrm>
+            <a:off x="626197" y="1571720"/>
+            <a:ext cx="2906062" cy="923330"/>
+          </a:xfrm>
+          <a:prstGeom prst="rect">
+            <a:avLst/>
+          </a:prstGeom>
+          <a:noFill/>
+        </p:spPr>
+        <p:txBody>
+          <a:bodyPr wrap="square" rtlCol="0">
+            <a:spAutoFit/>
+          </a:bodyPr>
+          <a:lstStyle/>
+          <a:p>
+            <a:r>
+              <a:rPr lang="en-US" altLang="zh-CN" dirty="0"/>
+              <a:t>Step1.</a:t>
+            </a:r>
+          </a:p>
+          <a:p>
+            <a:r>
+              <a:rPr lang="zh-CN" altLang="en-US" dirty="0"/>
+              <a:t>对信号处理后进行</a:t>
+            </a:r>
+            <a:r>
+              <a:rPr lang="en-US" altLang="zh-CN" dirty="0"/>
+              <a:t>SVD</a:t>
+            </a:r>
+            <a:r>
+              <a:rPr lang="zh-CN" altLang="en-US" dirty="0"/>
+              <a:t>分解，后计算</a:t>
+            </a:r>
+            <a:r>
+              <a:rPr lang="en-US" altLang="zh-CN" dirty="0"/>
+              <a:t>W-</a:t>
+            </a:r>
+            <a:r>
+              <a:rPr lang="zh-CN" altLang="en-US" dirty="0"/>
+              <a:t>相关性系数</a:t>
+            </a:r>
+            <a:endParaRPr lang="en-US" altLang="zh-CN" dirty="0"/>
+          </a:p>
+        </p:txBody>
+      </p:sp>
+      <p:sp>
+        <p:nvSpPr>
+          <p:cNvPr id="10" name="文本框 9">
+            <a:extLst>
+              <a:ext uri="{FF2B5EF4-FFF2-40B4-BE49-F238E27FC236}">
+                <a16:creationId xmlns:a16="http://schemas.microsoft.com/office/drawing/2014/main" id="{67C6D36C-1453-EE30-D781-E6B5A0C5F3BF}"/>
+              </a:ext>
+            </a:extLst>
+          </p:cNvPr>
+          <p:cNvSpPr txBox="1"/>
+          <p:nvPr/>
+        </p:nvSpPr>
+        <p:spPr>
+          <a:xfrm>
+            <a:off x="4878474" y="1571720"/>
+            <a:ext cx="3511502" cy="923330"/>
+          </a:xfrm>
+          <a:prstGeom prst="rect">
+            <a:avLst/>
+          </a:prstGeom>
+          <a:noFill/>
+        </p:spPr>
+        <p:txBody>
+          <a:bodyPr wrap="square" rtlCol="0">
+            <a:spAutoFit/>
+          </a:bodyPr>
+          <a:lstStyle/>
+          <a:p>
+            <a:r>
+              <a:rPr lang="en-US" altLang="zh-CN" dirty="0"/>
+              <a:t>Step2.</a:t>
+            </a:r>
+          </a:p>
+          <a:p>
+            <a:r>
+              <a:rPr lang="zh-CN" altLang="en-US" dirty="0"/>
+              <a:t>使用经验值，对其进行划分成两个</a:t>
+            </a:r>
+            <a:r>
+              <a:rPr lang="en-US" altLang="zh-CN" dirty="0"/>
+              <a:t>group</a:t>
+            </a:r>
+            <a:r>
+              <a:rPr lang="zh-CN" altLang="en-US" dirty="0"/>
+              <a:t>，目的是去掉</a:t>
+            </a:r>
+            <a:r>
+              <a:rPr lang="en-US" altLang="zh-CN" dirty="0"/>
+              <a:t>Trend</a:t>
+            </a:r>
+          </a:p>
+        </p:txBody>
+      </p:sp>
+      <p:grpSp>
+        <p:nvGrpSpPr>
+          <p:cNvPr id="16" name="组合 15">
+            <a:extLst>
+              <a:ext uri="{FF2B5EF4-FFF2-40B4-BE49-F238E27FC236}">
+                <a16:creationId xmlns:a16="http://schemas.microsoft.com/office/drawing/2014/main" id="{B41E484A-5210-E8DB-635B-D1695668C0D1}"/>
+              </a:ext>
+            </a:extLst>
+          </p:cNvPr>
+          <p:cNvGrpSpPr/>
+          <p:nvPr/>
+        </p:nvGrpSpPr>
+        <p:grpSpPr>
+          <a:xfrm>
+            <a:off x="4731146" y="3171906"/>
+            <a:ext cx="3806159" cy="3512649"/>
+            <a:chOff x="5213268" y="2211106"/>
+            <a:chExt cx="4745120" cy="4245633"/>
+          </a:xfrm>
+        </p:grpSpPr>
+        <p:pic>
+          <p:nvPicPr>
+            <p:cNvPr id="6" name="图片 5">
+              <a:extLst>
+                <a:ext uri="{FF2B5EF4-FFF2-40B4-BE49-F238E27FC236}">
+                  <a16:creationId xmlns:a16="http://schemas.microsoft.com/office/drawing/2014/main" id="{5D43944E-1679-083C-F090-577A43CE104A}"/>
+                </a:ext>
+              </a:extLst>
+            </p:cNvPr>
+            <p:cNvPicPr>
+              <a:picLocks noChangeAspect="1"/>
+            </p:cNvPicPr>
+            <p:nvPr/>
+          </p:nvPicPr>
+          <p:blipFill>
+            <a:blip r:embed="rId3"/>
+            <a:stretch>
+              <a:fillRect/>
+            </a:stretch>
+          </p:blipFill>
+          <p:spPr>
+            <a:xfrm>
+              <a:off x="5213268" y="2211106"/>
+              <a:ext cx="4745120" cy="4245633"/>
+            </a:xfrm>
+            <a:prstGeom prst="rect">
+              <a:avLst/>
+            </a:prstGeom>
+          </p:spPr>
+        </p:pic>
+        <p:sp>
+          <p:nvSpPr>
+            <p:cNvPr id="11" name="矩形 10">
+              <a:extLst>
+                <a:ext uri="{FF2B5EF4-FFF2-40B4-BE49-F238E27FC236}">
+                  <a16:creationId xmlns:a16="http://schemas.microsoft.com/office/drawing/2014/main" id="{C77F6B53-CF0A-B93C-046C-FF4B8826FFB8}"/>
+                </a:ext>
+              </a:extLst>
+            </p:cNvPr>
+            <p:cNvSpPr/>
+            <p:nvPr/>
+          </p:nvSpPr>
+          <p:spPr>
+            <a:xfrm>
+              <a:off x="5576894" y="2514600"/>
+              <a:ext cx="202398" cy="185738"/>
+            </a:xfrm>
+            <a:prstGeom prst="rect">
+              <a:avLst/>
+            </a:prstGeom>
+            <a:noFill/>
+            <a:ln>
+              <a:solidFill>
+                <a:srgbClr val="92D050"/>
+              </a:solidFill>
+            </a:ln>
+          </p:spPr>
+          <p:style>
+            <a:lnRef idx="2">
+              <a:schemeClr val="accent1">
+                <a:shade val="15000"/>
+              </a:schemeClr>
+            </a:lnRef>
+            <a:fillRef idx="1">
+              <a:schemeClr val="accent1"/>
+            </a:fillRef>
+            <a:effectRef idx="0">
+              <a:schemeClr val="accent1"/>
+            </a:effectRef>
+            <a:fontRef idx="minor">
+              <a:schemeClr val="lt1"/>
+            </a:fontRef>
+          </p:style>
+          <p:txBody>
+            <a:bodyPr rtlCol="0" anchor="ctr"/>
+            <a:lstStyle/>
+            <a:p>
+              <a:pPr algn="ctr"/>
+              <a:endParaRPr lang="zh-CN" altLang="en-US"/>
+            </a:p>
+          </p:txBody>
+        </p:sp>
+        <p:sp>
+          <p:nvSpPr>
+            <p:cNvPr id="12" name="矩形 11">
+              <a:extLst>
+                <a:ext uri="{FF2B5EF4-FFF2-40B4-BE49-F238E27FC236}">
+                  <a16:creationId xmlns:a16="http://schemas.microsoft.com/office/drawing/2014/main" id="{9BA96BE4-8F34-E5E6-A5DF-6B1D3A5CE712}"/>
+                </a:ext>
+              </a:extLst>
+            </p:cNvPr>
+            <p:cNvSpPr/>
+            <p:nvPr/>
+          </p:nvSpPr>
+          <p:spPr>
+            <a:xfrm>
+              <a:off x="5696124" y="2636173"/>
+              <a:ext cx="327483" cy="320387"/>
+            </a:xfrm>
+            <a:prstGeom prst="rect">
+              <a:avLst/>
+            </a:prstGeom>
+            <a:noFill/>
+            <a:ln>
+              <a:solidFill>
+                <a:srgbClr val="92D050"/>
+              </a:solidFill>
+            </a:ln>
+          </p:spPr>
+          <p:style>
+            <a:lnRef idx="2">
+              <a:schemeClr val="accent1">
+                <a:shade val="15000"/>
+              </a:schemeClr>
+            </a:lnRef>
+            <a:fillRef idx="1">
+              <a:schemeClr val="accent1"/>
+            </a:fillRef>
+            <a:effectRef idx="0">
+              <a:schemeClr val="accent1"/>
+            </a:effectRef>
+            <a:fontRef idx="minor">
+              <a:schemeClr val="lt1"/>
+            </a:fontRef>
+          </p:style>
+          <p:txBody>
+            <a:bodyPr rtlCol="0" anchor="ctr"/>
+            <a:lstStyle/>
+            <a:p>
+              <a:pPr algn="ctr"/>
+              <a:endParaRPr lang="zh-CN" altLang="en-US"/>
+            </a:p>
+          </p:txBody>
+        </p:sp>
+        <p:sp>
+          <p:nvSpPr>
+            <p:cNvPr id="13" name="矩形 12">
+              <a:extLst>
+                <a:ext uri="{FF2B5EF4-FFF2-40B4-BE49-F238E27FC236}">
+                  <a16:creationId xmlns:a16="http://schemas.microsoft.com/office/drawing/2014/main" id="{54BD3188-1A79-3DAB-CFA9-B549CDFDC037}"/>
+                </a:ext>
+              </a:extLst>
+            </p:cNvPr>
+            <p:cNvSpPr/>
+            <p:nvPr/>
+          </p:nvSpPr>
+          <p:spPr>
+            <a:xfrm>
+              <a:off x="5952343" y="2887980"/>
+              <a:ext cx="245438" cy="261590"/>
+            </a:xfrm>
+            <a:prstGeom prst="rect">
+              <a:avLst/>
+            </a:prstGeom>
+            <a:noFill/>
+            <a:ln>
+              <a:solidFill>
+                <a:srgbClr val="92D050"/>
+              </a:solidFill>
+            </a:ln>
+          </p:spPr>
+          <p:style>
+            <a:lnRef idx="2">
+              <a:schemeClr val="accent1">
+                <a:shade val="15000"/>
+              </a:schemeClr>
+            </a:lnRef>
+            <a:fillRef idx="1">
+              <a:schemeClr val="accent1"/>
+            </a:fillRef>
+            <a:effectRef idx="0">
+              <a:schemeClr val="accent1"/>
+            </a:effectRef>
+            <a:fontRef idx="minor">
+              <a:schemeClr val="lt1"/>
+            </a:fontRef>
+          </p:style>
+          <p:txBody>
+            <a:bodyPr rtlCol="0" anchor="ctr"/>
+            <a:lstStyle/>
+            <a:p>
+              <a:pPr algn="ctr"/>
+              <a:endParaRPr lang="zh-CN" altLang="en-US"/>
+            </a:p>
+          </p:txBody>
+        </p:sp>
+        <p:sp>
+          <p:nvSpPr>
+            <p:cNvPr id="14" name="矩形 13">
+              <a:extLst>
+                <a:ext uri="{FF2B5EF4-FFF2-40B4-BE49-F238E27FC236}">
+                  <a16:creationId xmlns:a16="http://schemas.microsoft.com/office/drawing/2014/main" id="{BD2C8373-BE9F-02B5-B0AA-1BFD130DD588}"/>
+                </a:ext>
+              </a:extLst>
+            </p:cNvPr>
+            <p:cNvSpPr/>
+            <p:nvPr/>
+          </p:nvSpPr>
+          <p:spPr>
+            <a:xfrm>
+              <a:off x="6104742" y="3040380"/>
+              <a:ext cx="3088769" cy="3074670"/>
+            </a:xfrm>
+            <a:prstGeom prst="rect">
+              <a:avLst/>
+            </a:prstGeom>
+            <a:noFill/>
+            <a:ln>
+              <a:solidFill>
+                <a:srgbClr val="92D050"/>
+              </a:solidFill>
+            </a:ln>
+          </p:spPr>
+          <p:style>
+            <a:lnRef idx="2">
+              <a:schemeClr val="accent1">
+                <a:shade val="15000"/>
+              </a:schemeClr>
+            </a:lnRef>
+            <a:fillRef idx="1">
+              <a:schemeClr val="accent1"/>
+            </a:fillRef>
+            <a:effectRef idx="0">
+              <a:schemeClr val="accent1"/>
+            </a:effectRef>
+            <a:fontRef idx="minor">
+              <a:schemeClr val="lt1"/>
+            </a:fontRef>
+          </p:style>
+          <p:txBody>
+            <a:bodyPr rtlCol="0" anchor="ctr"/>
+            <a:lstStyle/>
+            <a:p>
+              <a:pPr algn="ctr"/>
+              <a:endParaRPr lang="zh-CN" altLang="en-US"/>
+            </a:p>
+          </p:txBody>
+        </p:sp>
+      </p:grpSp>
+      <p:sp>
+        <p:nvSpPr>
+          <p:cNvPr id="15" name="文本框 14">
+            <a:extLst>
+              <a:ext uri="{FF2B5EF4-FFF2-40B4-BE49-F238E27FC236}">
+                <a16:creationId xmlns:a16="http://schemas.microsoft.com/office/drawing/2014/main" id="{F3E2DF46-E57C-326A-5772-3F57B5232F83}"/>
+              </a:ext>
+            </a:extLst>
+          </p:cNvPr>
+          <p:cNvSpPr txBox="1"/>
+          <p:nvPr/>
+        </p:nvSpPr>
+        <p:spPr>
+          <a:xfrm>
+            <a:off x="9600410" y="1632800"/>
+            <a:ext cx="1885756" cy="923330"/>
+          </a:xfrm>
+          <a:prstGeom prst="rect">
+            <a:avLst/>
+          </a:prstGeom>
+          <a:noFill/>
+        </p:spPr>
+        <p:txBody>
+          <a:bodyPr wrap="square" rtlCol="0">
+            <a:spAutoFit/>
+          </a:bodyPr>
+          <a:lstStyle/>
+          <a:p>
+            <a:r>
+              <a:rPr lang="en-US" altLang="zh-CN" dirty="0"/>
+              <a:t>Step3. </a:t>
+            </a:r>
+          </a:p>
+          <a:p>
+            <a:r>
+              <a:rPr lang="zh-CN" altLang="en-US" dirty="0"/>
+              <a:t>重构信号 </a:t>
+            </a:r>
+            <a:r>
+              <a:rPr lang="en-US" altLang="zh-CN" dirty="0"/>
+              <a:t>based on the group</a:t>
+            </a:r>
+          </a:p>
+        </p:txBody>
+      </p:sp>
+      <p:cxnSp>
+        <p:nvCxnSpPr>
+          <p:cNvPr id="17" name="直接连接符 16">
+            <a:extLst>
+              <a:ext uri="{FF2B5EF4-FFF2-40B4-BE49-F238E27FC236}">
+                <a16:creationId xmlns:a16="http://schemas.microsoft.com/office/drawing/2014/main" id="{2E4BE72F-B5DC-CAE2-478E-0D212CCF04EE}"/>
+              </a:ext>
+            </a:extLst>
+          </p:cNvPr>
+          <p:cNvCxnSpPr>
+            <a:cxnSpLocks/>
+          </p:cNvCxnSpPr>
+          <p:nvPr/>
+        </p:nvCxnSpPr>
+        <p:spPr>
+          <a:xfrm>
+            <a:off x="8957702" y="885615"/>
+            <a:ext cx="0" cy="5992163"/>
+          </a:xfrm>
+          <a:prstGeom prst="line">
+            <a:avLst/>
+          </a:prstGeom>
+          <a:ln w="19050">
+            <a:solidFill>
+              <a:schemeClr val="bg1">
+                <a:lumMod val="65000"/>
+              </a:schemeClr>
+            </a:solidFill>
+            <a:prstDash val="dash"/>
+          </a:ln>
+        </p:spPr>
+        <p:style>
+          <a:lnRef idx="1">
+            <a:schemeClr val="accent1"/>
+          </a:lnRef>
+          <a:fillRef idx="0">
+            <a:schemeClr val="accent1"/>
+          </a:fillRef>
+          <a:effectRef idx="0">
+            <a:schemeClr val="accent1"/>
+          </a:effectRef>
+          <a:fontRef idx="minor">
+            <a:schemeClr val="tx1"/>
+          </a:fontRef>
+        </p:style>
+      </p:cxnSp>
+      <p:sp>
+        <p:nvSpPr>
+          <p:cNvPr id="18" name="文本框 17">
+            <a:extLst>
+              <a:ext uri="{FF2B5EF4-FFF2-40B4-BE49-F238E27FC236}">
+                <a16:creationId xmlns:a16="http://schemas.microsoft.com/office/drawing/2014/main" id="{D1268FF2-9C57-EF1E-3337-071EE294C47C}"/>
+              </a:ext>
+            </a:extLst>
+          </p:cNvPr>
+          <p:cNvSpPr txBox="1"/>
+          <p:nvPr/>
+        </p:nvSpPr>
+        <p:spPr>
+          <a:xfrm>
+            <a:off x="9136748" y="3656125"/>
+            <a:ext cx="2893402" cy="1477328"/>
+          </a:xfrm>
+          <a:prstGeom prst="rect">
+            <a:avLst/>
+          </a:prstGeom>
+          <a:noFill/>
+        </p:spPr>
+        <p:txBody>
+          <a:bodyPr wrap="square" rtlCol="0">
+            <a:spAutoFit/>
+          </a:bodyPr>
+          <a:lstStyle/>
+          <a:p>
+            <a:r>
+              <a:rPr lang="zh-CN" altLang="en-US" dirty="0"/>
+              <a:t>第一个重构的信号一般是</a:t>
+            </a:r>
+            <a:r>
+              <a:rPr lang="en-US" altLang="zh-CN" dirty="0"/>
+              <a:t>trend</a:t>
+            </a:r>
+          </a:p>
+          <a:p>
+            <a:endParaRPr lang="en-US" altLang="zh-CN" dirty="0"/>
+          </a:p>
+          <a:p>
+            <a:r>
+              <a:rPr lang="zh-CN" altLang="en-US" dirty="0"/>
+              <a:t>第二个的重构的信号是周期</a:t>
+            </a:r>
+            <a:r>
+              <a:rPr lang="en-US" altLang="zh-CN" dirty="0"/>
+              <a:t>+Noise</a:t>
             </a:r>
           </a:p>
         </p:txBody>
@@ -8732,7 +8459,7 @@
     </p:spTree>
     <p:extLst>
       <p:ext uri="{BB962C8B-B14F-4D97-AF65-F5344CB8AC3E}">
-        <p14:creationId xmlns:p14="http://schemas.microsoft.com/office/powerpoint/2010/main" val="2218279357"/>
+        <p14:creationId xmlns:p14="http://schemas.microsoft.com/office/powerpoint/2010/main" val="1338098836"/>
       </p:ext>
     </p:extLst>
   </p:cSld>
@@ -8810,10 +8537,10 @@
       </p:sp>
       <p:sp>
         <p:nvSpPr>
-          <p:cNvPr id="4" name="文本框 3">
-            <a:extLst>
-              <a:ext uri="{FF2B5EF4-FFF2-40B4-BE49-F238E27FC236}">
-                <a16:creationId xmlns:a16="http://schemas.microsoft.com/office/drawing/2014/main" id="{58BC6CCA-9AFB-BDB3-E25B-3D91901E8F1C}"/>
+          <p:cNvPr id="3" name="文本框 2">
+            <a:extLst>
+              <a:ext uri="{FF2B5EF4-FFF2-40B4-BE49-F238E27FC236}">
+                <a16:creationId xmlns:a16="http://schemas.microsoft.com/office/drawing/2014/main" id="{B097DEFC-C986-54FB-1F74-7E158829D784}"/>
               </a:ext>
             </a:extLst>
           </p:cNvPr>
@@ -8822,8 +8549,8 @@
         </p:nvSpPr>
         <p:spPr>
           <a:xfrm>
-            <a:off x="2035277" y="1995948"/>
-            <a:ext cx="7639665" cy="646331"/>
+            <a:off x="1901682" y="1080850"/>
+            <a:ext cx="7639665" cy="369332"/>
           </a:xfrm>
           <a:prstGeom prst="rect">
             <a:avLst/>
@@ -8838,23 +8565,40 @@
           <a:p>
             <a:r>
               <a:rPr lang="zh-CN" altLang="en-US" dirty="0"/>
-              <a:t>展示一下目前的效果，分析一下这个结果中的不足。以及为什么这种方法不会改变</a:t>
+              <a:t>展示一下</a:t>
             </a:r>
             <a:r>
               <a:rPr lang="en-US" altLang="zh-CN" dirty="0"/>
-              <a:t>y</a:t>
+              <a:t>SSA</a:t>
             </a:r>
             <a:r>
               <a:rPr lang="zh-CN" altLang="en-US" dirty="0"/>
-              <a:t>轴的数学原因还没有找到。</a:t>
-            </a:r>
+              <a:t>降噪的效果。同时和</a:t>
+            </a:r>
+            <a:r>
+              <a:rPr lang="en-US" altLang="zh-CN" dirty="0"/>
+              <a:t>EEMD</a:t>
+            </a:r>
+            <a:r>
+              <a:rPr lang="zh-CN" altLang="en-US" dirty="0"/>
+              <a:t>，</a:t>
+            </a:r>
+            <a:r>
+              <a:rPr lang="en-US" altLang="zh-CN" dirty="0"/>
+              <a:t>VMD</a:t>
+            </a:r>
+            <a:r>
+              <a:rPr lang="zh-CN" altLang="en-US" dirty="0"/>
+              <a:t>进行对比。</a:t>
+            </a:r>
+            <a:endParaRPr lang="en-US" altLang="zh-CN" dirty="0"/>
           </a:p>
         </p:txBody>
       </p:sp>
     </p:spTree>
     <p:extLst>
       <p:ext uri="{BB962C8B-B14F-4D97-AF65-F5344CB8AC3E}">
-        <p14:creationId xmlns:p14="http://schemas.microsoft.com/office/powerpoint/2010/main" val="529932270"/>
+        <p14:creationId xmlns:p14="http://schemas.microsoft.com/office/powerpoint/2010/main" val="2218279357"/>
       </p:ext>
     </p:extLst>
   </p:cSld>
@@ -8895,8 +8639,8 @@
         </p:nvSpPr>
         <p:spPr>
           <a:xfrm>
-            <a:off x="1122218" y="423950"/>
-            <a:ext cx="8169266" cy="461665"/>
+            <a:off x="1122219" y="423950"/>
+            <a:ext cx="5931724" cy="461665"/>
           </a:xfrm>
           <a:prstGeom prst="rect">
             <a:avLst/>
@@ -8921,21 +8665,21 @@
           <a:p>
             <a:r>
               <a:rPr lang="en-US" altLang="zh-CN" dirty="0"/>
-              <a:t>Work_2: </a:t>
+              <a:t>Work_1: </a:t>
             </a:r>
             <a:r>
               <a:rPr lang="en-US" altLang="zh-CN" sz="1400" dirty="0"/>
-              <a:t>S &amp; D prediction in the noise level of 0.1 by getting template</a:t>
-            </a:r>
-          </a:p>
-        </p:txBody>
-      </p:sp>
-      <p:sp>
-        <p:nvSpPr>
-          <p:cNvPr id="3" name="文本框 2">
-            <a:extLst>
-              <a:ext uri="{FF2B5EF4-FFF2-40B4-BE49-F238E27FC236}">
-                <a16:creationId xmlns:a16="http://schemas.microsoft.com/office/drawing/2014/main" id="{DC3B0594-2B07-8510-6CB5-6725BB7228E3}"/>
+              <a:t>S &amp; D prediction in the noise level of 0.8</a:t>
+            </a:r>
+          </a:p>
+        </p:txBody>
+      </p:sp>
+      <p:sp>
+        <p:nvSpPr>
+          <p:cNvPr id="4" name="文本框 3">
+            <a:extLst>
+              <a:ext uri="{FF2B5EF4-FFF2-40B4-BE49-F238E27FC236}">
+                <a16:creationId xmlns:a16="http://schemas.microsoft.com/office/drawing/2014/main" id="{58BC6CCA-9AFB-BDB3-E25B-3D91901E8F1C}"/>
               </a:ext>
             </a:extLst>
           </p:cNvPr>
@@ -8944,8 +8688,8 @@
         </p:nvSpPr>
         <p:spPr>
           <a:xfrm>
-            <a:off x="1268361" y="1848465"/>
-            <a:ext cx="9134168" cy="923330"/>
+            <a:off x="2048529" y="3288035"/>
+            <a:ext cx="7639665" cy="2308324"/>
           </a:xfrm>
           <a:prstGeom prst="rect">
             <a:avLst/>
@@ -8958,9 +8702,76 @@
           </a:bodyPr>
           <a:lstStyle/>
           <a:p>
+            <a:endParaRPr lang="en-US" altLang="zh-CN" dirty="0"/>
+          </a:p>
+          <a:p>
             <a:r>
               <a:rPr lang="zh-CN" altLang="en-US" dirty="0"/>
-              <a:t>流程图，基于峰数量的周期分隔，效果不是很理想</a:t>
+              <a:t>我认为，这个方法可以做到将</a:t>
+            </a:r>
+            <a:r>
+              <a:rPr lang="en-US" altLang="zh-CN" dirty="0"/>
+              <a:t>0.8</a:t>
+            </a:r>
+            <a:r>
+              <a:rPr lang="zh-CN" altLang="en-US" dirty="0"/>
+              <a:t>级别的</a:t>
+            </a:r>
+            <a:r>
+              <a:rPr lang="en-US" altLang="zh-CN" dirty="0"/>
+              <a:t>noise</a:t>
+            </a:r>
+            <a:r>
+              <a:rPr lang="zh-CN" altLang="en-US" dirty="0"/>
+              <a:t>，</a:t>
+            </a:r>
+            <a:r>
+              <a:rPr lang="en-US" altLang="zh-CN" dirty="0"/>
+              <a:t>S</a:t>
+            </a:r>
+            <a:r>
+              <a:rPr lang="zh-CN" altLang="en-US" dirty="0"/>
+              <a:t>和</a:t>
+            </a:r>
+            <a:r>
+              <a:rPr lang="en-US" altLang="zh-CN" dirty="0"/>
+              <a:t>D</a:t>
+            </a:r>
+            <a:r>
+              <a:rPr lang="zh-CN" altLang="en-US" dirty="0"/>
+              <a:t>的预测指标</a:t>
+            </a:r>
+            <a:r>
+              <a:rPr lang="en-US" altLang="zh-CN" dirty="0"/>
+              <a:t>MAE&lt;3,</a:t>
+            </a:r>
+            <a:r>
+              <a:rPr lang="zh-CN" altLang="en-US" dirty="0"/>
+              <a:t>优化的点在于</a:t>
+            </a:r>
+            <a:r>
+              <a:rPr lang="en-US" altLang="zh-CN" dirty="0"/>
+              <a:t> </a:t>
+            </a:r>
+            <a:r>
+              <a:rPr lang="zh-CN" altLang="en-US" dirty="0"/>
+              <a:t>更高精度的划分</a:t>
+            </a:r>
+            <a:r>
+              <a:rPr lang="en-US" altLang="zh-CN" dirty="0"/>
+              <a:t>group(</a:t>
+            </a:r>
+            <a:r>
+              <a:rPr lang="zh-CN" altLang="en-US" dirty="0"/>
+              <a:t>比如基于搜索的方法</a:t>
+            </a:r>
+            <a:r>
+              <a:rPr lang="en-US" altLang="zh-CN" dirty="0"/>
+              <a:t>),</a:t>
+            </a:r>
+            <a:r>
+              <a:rPr lang="zh-CN" altLang="en-US" dirty="0"/>
+              <a:t>而不是用眼睛看。</a:t>
             </a:r>
             <a:endParaRPr lang="en-US" altLang="zh-CN" dirty="0"/>
           </a:p>
@@ -8968,25 +8779,88 @@
             <a:endParaRPr lang="en-US" altLang="zh-CN" dirty="0"/>
           </a:p>
           <a:p>
+            <a:endParaRPr lang="en-US" altLang="zh-CN" dirty="0"/>
+          </a:p>
+          <a:p>
             <a:r>
               <a:rPr lang="zh-CN" altLang="en-US" dirty="0"/>
-              <a:t>流程图，基于</a:t>
+              <a:t>比较令人惊讶的是这种方法</a:t>
             </a:r>
             <a:r>
               <a:rPr lang="en-US" altLang="zh-CN" dirty="0"/>
-              <a:t>HR</a:t>
+              <a:t>D</a:t>
             </a:r>
             <a:r>
               <a:rPr lang="zh-CN" altLang="en-US" dirty="0"/>
-              <a:t>的周期分隔，效果更不理想</a:t>
-            </a:r>
+              <a:t>的预测准确率非常高，这个意味着大小锋的相对</a:t>
+            </a:r>
+            <a:r>
+              <a:rPr lang="en-US" altLang="zh-CN" dirty="0"/>
+              <a:t>Amplitude</a:t>
+            </a:r>
+            <a:r>
+              <a:rPr lang="zh-CN" altLang="en-US" dirty="0"/>
+              <a:t>可以被还原。具体数学原理，我会尝试在下一周弄清楚。</a:t>
+            </a:r>
+            <a:endParaRPr lang="en-US" altLang="zh-CN" dirty="0"/>
+          </a:p>
+        </p:txBody>
+      </p:sp>
+      <p:sp>
+        <p:nvSpPr>
+          <p:cNvPr id="3" name="文本框 2">
+            <a:extLst>
+              <a:ext uri="{FF2B5EF4-FFF2-40B4-BE49-F238E27FC236}">
+                <a16:creationId xmlns:a16="http://schemas.microsoft.com/office/drawing/2014/main" id="{04D661F6-8970-E5E1-847D-59408B03F489}"/>
+              </a:ext>
+            </a:extLst>
+          </p:cNvPr>
+          <p:cNvSpPr txBox="1"/>
+          <p:nvPr/>
+        </p:nvSpPr>
+        <p:spPr>
+          <a:xfrm>
+            <a:off x="4274896" y="1886154"/>
+            <a:ext cx="4802844" cy="646331"/>
+          </a:xfrm>
+          <a:prstGeom prst="rect">
+            <a:avLst/>
+          </a:prstGeom>
+          <a:noFill/>
+        </p:spPr>
+        <p:txBody>
+          <a:bodyPr wrap="square" rtlCol="0">
+            <a:spAutoFit/>
+          </a:bodyPr>
+          <a:lstStyle/>
+          <a:p>
+            <a:r>
+              <a:rPr lang="en-US" altLang="zh-CN" dirty="0"/>
+              <a:t>S</a:t>
+            </a:r>
+            <a:r>
+              <a:rPr lang="zh-CN" altLang="en-US" dirty="0"/>
+              <a:t>和</a:t>
+            </a:r>
+            <a:r>
+              <a:rPr lang="en-US" altLang="zh-CN" dirty="0"/>
+              <a:t>D</a:t>
+            </a:r>
+            <a:r>
+              <a:rPr lang="zh-CN" altLang="en-US" dirty="0"/>
+              <a:t>的效果展示</a:t>
+            </a:r>
+            <a:endParaRPr lang="en-US" altLang="zh-CN" dirty="0"/>
+          </a:p>
+          <a:p>
+            <a:endParaRPr lang="en-US" altLang="zh-CN" dirty="0"/>
           </a:p>
         </p:txBody>
       </p:sp>
     </p:spTree>
     <p:extLst>
       <p:ext uri="{BB962C8B-B14F-4D97-AF65-F5344CB8AC3E}">
-        <p14:creationId xmlns:p14="http://schemas.microsoft.com/office/powerpoint/2010/main" val="1427167682"/>
+        <p14:creationId xmlns:p14="http://schemas.microsoft.com/office/powerpoint/2010/main" val="529932270"/>
       </p:ext>
     </p:extLst>
   </p:cSld>
@@ -9064,10 +8938,558 @@
       </p:sp>
       <p:sp>
         <p:nvSpPr>
-          <p:cNvPr id="4" name="文本框 3">
-            <a:extLst>
-              <a:ext uri="{FF2B5EF4-FFF2-40B4-BE49-F238E27FC236}">
-                <a16:creationId xmlns:a16="http://schemas.microsoft.com/office/drawing/2014/main" id="{F4B9CF12-A831-545C-B1D3-D127CF520246}"/>
+          <p:cNvPr id="27" name="矩形 26">
+            <a:extLst>
+              <a:ext uri="{FF2B5EF4-FFF2-40B4-BE49-F238E27FC236}">
+                <a16:creationId xmlns:a16="http://schemas.microsoft.com/office/drawing/2014/main" id="{F72FFF2B-1394-DF02-2C0A-16C7EE932BC7}"/>
+              </a:ext>
+            </a:extLst>
+          </p:cNvPr>
+          <p:cNvSpPr/>
+          <p:nvPr/>
+        </p:nvSpPr>
+        <p:spPr>
+          <a:xfrm>
+            <a:off x="5981989" y="2321473"/>
+            <a:ext cx="3441682" cy="696536"/>
+          </a:xfrm>
+          <a:prstGeom prst="rect">
+            <a:avLst/>
+          </a:prstGeom>
+          <a:solidFill>
+            <a:schemeClr val="bg1"/>
+          </a:solidFill>
+        </p:spPr>
+        <p:style>
+          <a:lnRef idx="2">
+            <a:schemeClr val="accent1">
+              <a:shade val="15000"/>
+            </a:schemeClr>
+          </a:lnRef>
+          <a:fillRef idx="1">
+            <a:schemeClr val="accent1"/>
+          </a:fillRef>
+          <a:effectRef idx="0">
+            <a:schemeClr val="accent1"/>
+          </a:effectRef>
+          <a:fontRef idx="minor">
+            <a:schemeClr val="lt1"/>
+          </a:fontRef>
+        </p:style>
+        <p:txBody>
+          <a:bodyPr rtlCol="0" anchor="ctr"/>
+          <a:lstStyle/>
+          <a:p>
+            <a:pPr algn="ctr"/>
+            <a:r>
+              <a:rPr lang="en-US" altLang="zh-CN" dirty="0">
+                <a:solidFill>
+                  <a:schemeClr val="tx1"/>
+                </a:solidFill>
+                <a:latin typeface="Consolas" panose="020B0609020204030204" pitchFamily="49" charset="0"/>
+                <a:cs typeface="Times New Roman" panose="02020603050405020304" pitchFamily="18" charset="0"/>
+              </a:rPr>
+              <a:t>Calculate Period based on peaks detection</a:t>
+            </a:r>
+            <a:endParaRPr lang="zh-CN" altLang="en-US" dirty="0">
+              <a:solidFill>
+                <a:schemeClr val="tx1"/>
+              </a:solidFill>
+              <a:latin typeface="Consolas" panose="020B0609020204030204" pitchFamily="49" charset="0"/>
+              <a:cs typeface="Times New Roman" panose="02020603050405020304" pitchFamily="18" charset="0"/>
+            </a:endParaRPr>
+          </a:p>
+        </p:txBody>
+      </p:sp>
+      <p:sp>
+        <p:nvSpPr>
+          <p:cNvPr id="28" name="矩形 27">
+            <a:extLst>
+              <a:ext uri="{FF2B5EF4-FFF2-40B4-BE49-F238E27FC236}">
+                <a16:creationId xmlns:a16="http://schemas.microsoft.com/office/drawing/2014/main" id="{DEA9870E-44B8-50F6-A773-7E5BF82D2C9C}"/>
+              </a:ext>
+            </a:extLst>
+          </p:cNvPr>
+          <p:cNvSpPr/>
+          <p:nvPr/>
+        </p:nvSpPr>
+        <p:spPr>
+          <a:xfrm>
+            <a:off x="5986162" y="3346292"/>
+            <a:ext cx="3441682" cy="465411"/>
+          </a:xfrm>
+          <a:prstGeom prst="rect">
+            <a:avLst/>
+          </a:prstGeom>
+          <a:solidFill>
+            <a:schemeClr val="bg1"/>
+          </a:solidFill>
+        </p:spPr>
+        <p:style>
+          <a:lnRef idx="2">
+            <a:schemeClr val="accent1">
+              <a:shade val="15000"/>
+            </a:schemeClr>
+          </a:lnRef>
+          <a:fillRef idx="1">
+            <a:schemeClr val="accent1"/>
+          </a:fillRef>
+          <a:effectRef idx="0">
+            <a:schemeClr val="accent1"/>
+          </a:effectRef>
+          <a:fontRef idx="minor">
+            <a:schemeClr val="lt1"/>
+          </a:fontRef>
+        </p:style>
+        <p:txBody>
+          <a:bodyPr rtlCol="0" anchor="ctr"/>
+          <a:lstStyle/>
+          <a:p>
+            <a:pPr algn="ctr"/>
+            <a:r>
+              <a:rPr lang="en-US" altLang="zh-CN" dirty="0">
+                <a:solidFill>
+                  <a:schemeClr val="tx1"/>
+                </a:solidFill>
+                <a:latin typeface="Consolas" panose="020B0609020204030204" pitchFamily="49" charset="0"/>
+                <a:cs typeface="Times New Roman" panose="02020603050405020304" pitchFamily="18" charset="0"/>
+              </a:rPr>
+              <a:t>Segmentation</a:t>
+            </a:r>
+            <a:endParaRPr lang="zh-CN" altLang="en-US" dirty="0">
+              <a:solidFill>
+                <a:schemeClr val="tx1"/>
+              </a:solidFill>
+              <a:latin typeface="Consolas" panose="020B0609020204030204" pitchFamily="49" charset="0"/>
+              <a:cs typeface="Times New Roman" panose="02020603050405020304" pitchFamily="18" charset="0"/>
+            </a:endParaRPr>
+          </a:p>
+        </p:txBody>
+      </p:sp>
+      <p:sp>
+        <p:nvSpPr>
+          <p:cNvPr id="29" name="矩形 28">
+            <a:extLst>
+              <a:ext uri="{FF2B5EF4-FFF2-40B4-BE49-F238E27FC236}">
+                <a16:creationId xmlns:a16="http://schemas.microsoft.com/office/drawing/2014/main" id="{7EE3CA92-1C9C-E2A3-4E92-5E806CE41ED1}"/>
+              </a:ext>
+            </a:extLst>
+          </p:cNvPr>
+          <p:cNvSpPr/>
+          <p:nvPr/>
+        </p:nvSpPr>
+        <p:spPr>
+          <a:xfrm>
+            <a:off x="5983696" y="4161635"/>
+            <a:ext cx="3441680" cy="479037"/>
+          </a:xfrm>
+          <a:prstGeom prst="rect">
+            <a:avLst/>
+          </a:prstGeom>
+          <a:solidFill>
+            <a:schemeClr val="bg1"/>
+          </a:solidFill>
+        </p:spPr>
+        <p:style>
+          <a:lnRef idx="2">
+            <a:schemeClr val="accent1">
+              <a:shade val="15000"/>
+            </a:schemeClr>
+          </a:lnRef>
+          <a:fillRef idx="1">
+            <a:schemeClr val="accent1"/>
+          </a:fillRef>
+          <a:effectRef idx="0">
+            <a:schemeClr val="accent1"/>
+          </a:effectRef>
+          <a:fontRef idx="minor">
+            <a:schemeClr val="lt1"/>
+          </a:fontRef>
+        </p:style>
+        <p:txBody>
+          <a:bodyPr rtlCol="0" anchor="ctr"/>
+          <a:lstStyle/>
+          <a:p>
+            <a:pPr algn="ctr"/>
+            <a:r>
+              <a:rPr lang="en-US" altLang="zh-CN" dirty="0">
+                <a:solidFill>
+                  <a:schemeClr val="tx1"/>
+                </a:solidFill>
+                <a:latin typeface="Consolas" panose="020B0609020204030204" pitchFamily="49" charset="0"/>
+                <a:cs typeface="Times New Roman" panose="02020603050405020304" pitchFamily="18" charset="0"/>
+              </a:rPr>
+              <a:t>K-shapes Clustering</a:t>
+            </a:r>
+            <a:endParaRPr lang="zh-CN" altLang="en-US" dirty="0">
+              <a:solidFill>
+                <a:schemeClr val="tx1"/>
+              </a:solidFill>
+              <a:latin typeface="Consolas" panose="020B0609020204030204" pitchFamily="49" charset="0"/>
+              <a:cs typeface="Times New Roman" panose="02020603050405020304" pitchFamily="18" charset="0"/>
+            </a:endParaRPr>
+          </a:p>
+        </p:txBody>
+      </p:sp>
+      <p:sp>
+        <p:nvSpPr>
+          <p:cNvPr id="30" name="矩形 29">
+            <a:extLst>
+              <a:ext uri="{FF2B5EF4-FFF2-40B4-BE49-F238E27FC236}">
+                <a16:creationId xmlns:a16="http://schemas.microsoft.com/office/drawing/2014/main" id="{FAAE37AA-3677-EE85-1548-65F904857661}"/>
+              </a:ext>
+            </a:extLst>
+          </p:cNvPr>
+          <p:cNvSpPr/>
+          <p:nvPr/>
+        </p:nvSpPr>
+        <p:spPr>
+          <a:xfrm>
+            <a:off x="5981989" y="5079866"/>
+            <a:ext cx="3443388" cy="457495"/>
+          </a:xfrm>
+          <a:prstGeom prst="rect">
+            <a:avLst/>
+          </a:prstGeom>
+          <a:solidFill>
+            <a:schemeClr val="bg1"/>
+          </a:solidFill>
+        </p:spPr>
+        <p:style>
+          <a:lnRef idx="2">
+            <a:schemeClr val="accent1">
+              <a:shade val="15000"/>
+            </a:schemeClr>
+          </a:lnRef>
+          <a:fillRef idx="1">
+            <a:schemeClr val="accent1"/>
+          </a:fillRef>
+          <a:effectRef idx="0">
+            <a:schemeClr val="accent1"/>
+          </a:effectRef>
+          <a:fontRef idx="minor">
+            <a:schemeClr val="lt1"/>
+          </a:fontRef>
+        </p:style>
+        <p:txBody>
+          <a:bodyPr rtlCol="0" anchor="ctr"/>
+          <a:lstStyle/>
+          <a:p>
+            <a:pPr algn="ctr"/>
+            <a:r>
+              <a:rPr lang="en-US" altLang="zh-CN" dirty="0">
+                <a:solidFill>
+                  <a:schemeClr val="tx1"/>
+                </a:solidFill>
+                <a:latin typeface="Consolas" panose="020B0609020204030204" pitchFamily="49" charset="0"/>
+                <a:cs typeface="Times New Roman" panose="02020603050405020304" pitchFamily="18" charset="0"/>
+              </a:rPr>
+              <a:t>Get Template</a:t>
+            </a:r>
+            <a:endParaRPr lang="zh-CN" altLang="en-US" dirty="0">
+              <a:solidFill>
+                <a:schemeClr val="tx1"/>
+              </a:solidFill>
+              <a:latin typeface="Consolas" panose="020B0609020204030204" pitchFamily="49" charset="0"/>
+              <a:cs typeface="Times New Roman" panose="02020603050405020304" pitchFamily="18" charset="0"/>
+            </a:endParaRPr>
+          </a:p>
+        </p:txBody>
+      </p:sp>
+      <p:sp>
+        <p:nvSpPr>
+          <p:cNvPr id="31" name="矩形 30">
+            <a:extLst>
+              <a:ext uri="{FF2B5EF4-FFF2-40B4-BE49-F238E27FC236}">
+                <a16:creationId xmlns:a16="http://schemas.microsoft.com/office/drawing/2014/main" id="{ECAC7C9C-C827-F70E-0543-11BCB062CC43}"/>
+              </a:ext>
+            </a:extLst>
+          </p:cNvPr>
+          <p:cNvSpPr/>
+          <p:nvPr/>
+        </p:nvSpPr>
+        <p:spPr>
+          <a:xfrm>
+            <a:off x="5981989" y="5976555"/>
+            <a:ext cx="3440921" cy="457495"/>
+          </a:xfrm>
+          <a:prstGeom prst="rect">
+            <a:avLst/>
+          </a:prstGeom>
+          <a:solidFill>
+            <a:schemeClr val="bg1"/>
+          </a:solidFill>
+        </p:spPr>
+        <p:style>
+          <a:lnRef idx="2">
+            <a:schemeClr val="accent1">
+              <a:shade val="15000"/>
+            </a:schemeClr>
+          </a:lnRef>
+          <a:fillRef idx="1">
+            <a:schemeClr val="accent1"/>
+          </a:fillRef>
+          <a:effectRef idx="0">
+            <a:schemeClr val="accent1"/>
+          </a:effectRef>
+          <a:fontRef idx="minor">
+            <a:schemeClr val="lt1"/>
+          </a:fontRef>
+        </p:style>
+        <p:txBody>
+          <a:bodyPr rtlCol="0" anchor="ctr"/>
+          <a:lstStyle/>
+          <a:p>
+            <a:pPr algn="ctr"/>
+            <a:r>
+              <a:rPr lang="en-US" altLang="zh-CN" b="0" i="0" dirty="0">
+                <a:solidFill>
+                  <a:srgbClr val="212529"/>
+                </a:solidFill>
+                <a:effectLst/>
+                <a:latin typeface="-apple-system"/>
+              </a:rPr>
+              <a:t>…</a:t>
+            </a:r>
+          </a:p>
+        </p:txBody>
+      </p:sp>
+      <p:cxnSp>
+        <p:nvCxnSpPr>
+          <p:cNvPr id="32" name="直接箭头连接符 31">
+            <a:extLst>
+              <a:ext uri="{FF2B5EF4-FFF2-40B4-BE49-F238E27FC236}">
+                <a16:creationId xmlns:a16="http://schemas.microsoft.com/office/drawing/2014/main" id="{A905801D-09F8-9EDA-E763-4D48798DED8A}"/>
+              </a:ext>
+            </a:extLst>
+          </p:cNvPr>
+          <p:cNvCxnSpPr>
+            <a:cxnSpLocks/>
+            <a:stCxn id="27" idx="2"/>
+            <a:endCxn id="28" idx="0"/>
+          </p:cNvCxnSpPr>
+          <p:nvPr/>
+        </p:nvCxnSpPr>
+        <p:spPr>
+          <a:xfrm>
+            <a:off x="7702830" y="3018009"/>
+            <a:ext cx="4173" cy="328283"/>
+          </a:xfrm>
+          <a:prstGeom prst="straightConnector1">
+            <a:avLst/>
+          </a:prstGeom>
+          <a:ln w="19050">
+            <a:solidFill>
+              <a:schemeClr val="tx1"/>
+            </a:solidFill>
+            <a:tailEnd type="triangle"/>
+          </a:ln>
+        </p:spPr>
+        <p:style>
+          <a:lnRef idx="1">
+            <a:schemeClr val="accent1"/>
+          </a:lnRef>
+          <a:fillRef idx="0">
+            <a:schemeClr val="accent1"/>
+          </a:fillRef>
+          <a:effectRef idx="0">
+            <a:schemeClr val="accent1"/>
+          </a:effectRef>
+          <a:fontRef idx="minor">
+            <a:schemeClr val="tx1"/>
+          </a:fontRef>
+        </p:style>
+      </p:cxnSp>
+      <p:cxnSp>
+        <p:nvCxnSpPr>
+          <p:cNvPr id="33" name="直接箭头连接符 32">
+            <a:extLst>
+              <a:ext uri="{FF2B5EF4-FFF2-40B4-BE49-F238E27FC236}">
+                <a16:creationId xmlns:a16="http://schemas.microsoft.com/office/drawing/2014/main" id="{48F50FAC-0A94-1A05-EC14-010374649244}"/>
+              </a:ext>
+            </a:extLst>
+          </p:cNvPr>
+          <p:cNvCxnSpPr>
+            <a:cxnSpLocks/>
+            <a:stCxn id="28" idx="2"/>
+            <a:endCxn id="29" idx="0"/>
+          </p:cNvCxnSpPr>
+          <p:nvPr/>
+        </p:nvCxnSpPr>
+        <p:spPr>
+          <a:xfrm flipH="1">
+            <a:off x="7704536" y="3811703"/>
+            <a:ext cx="2467" cy="349932"/>
+          </a:xfrm>
+          <a:prstGeom prst="straightConnector1">
+            <a:avLst/>
+          </a:prstGeom>
+          <a:ln w="19050">
+            <a:solidFill>
+              <a:schemeClr val="tx1"/>
+            </a:solidFill>
+            <a:tailEnd type="triangle"/>
+          </a:ln>
+        </p:spPr>
+        <p:style>
+          <a:lnRef idx="1">
+            <a:schemeClr val="accent1"/>
+          </a:lnRef>
+          <a:fillRef idx="0">
+            <a:schemeClr val="accent1"/>
+          </a:fillRef>
+          <a:effectRef idx="0">
+            <a:schemeClr val="accent1"/>
+          </a:effectRef>
+          <a:fontRef idx="minor">
+            <a:schemeClr val="tx1"/>
+          </a:fontRef>
+        </p:style>
+      </p:cxnSp>
+      <p:cxnSp>
+        <p:nvCxnSpPr>
+          <p:cNvPr id="34" name="直接箭头连接符 33">
+            <a:extLst>
+              <a:ext uri="{FF2B5EF4-FFF2-40B4-BE49-F238E27FC236}">
+                <a16:creationId xmlns:a16="http://schemas.microsoft.com/office/drawing/2014/main" id="{740B9A83-756D-87B3-6E35-E16AC426BEAC}"/>
+              </a:ext>
+            </a:extLst>
+          </p:cNvPr>
+          <p:cNvCxnSpPr>
+            <a:cxnSpLocks/>
+            <a:stCxn id="30" idx="2"/>
+            <a:endCxn id="31" idx="0"/>
+          </p:cNvCxnSpPr>
+          <p:nvPr/>
+        </p:nvCxnSpPr>
+        <p:spPr>
+          <a:xfrm flipH="1">
+            <a:off x="7702450" y="5537361"/>
+            <a:ext cx="1233" cy="439194"/>
+          </a:xfrm>
+          <a:prstGeom prst="straightConnector1">
+            <a:avLst/>
+          </a:prstGeom>
+          <a:ln w="19050">
+            <a:solidFill>
+              <a:schemeClr val="tx1"/>
+            </a:solidFill>
+            <a:tailEnd type="triangle"/>
+          </a:ln>
+        </p:spPr>
+        <p:style>
+          <a:lnRef idx="1">
+            <a:schemeClr val="accent1"/>
+          </a:lnRef>
+          <a:fillRef idx="0">
+            <a:schemeClr val="accent1"/>
+          </a:fillRef>
+          <a:effectRef idx="0">
+            <a:schemeClr val="accent1"/>
+          </a:effectRef>
+          <a:fontRef idx="minor">
+            <a:schemeClr val="tx1"/>
+          </a:fontRef>
+        </p:style>
+      </p:cxnSp>
+      <p:cxnSp>
+        <p:nvCxnSpPr>
+          <p:cNvPr id="35" name="直接箭头连接符 34">
+            <a:extLst>
+              <a:ext uri="{FF2B5EF4-FFF2-40B4-BE49-F238E27FC236}">
+                <a16:creationId xmlns:a16="http://schemas.microsoft.com/office/drawing/2014/main" id="{73D38EBD-D00C-69FF-B0B0-810D7B51A14E}"/>
+              </a:ext>
+            </a:extLst>
+          </p:cNvPr>
+          <p:cNvCxnSpPr>
+            <a:cxnSpLocks/>
+            <a:stCxn id="37" idx="2"/>
+            <a:endCxn id="27" idx="0"/>
+          </p:cNvCxnSpPr>
+          <p:nvPr/>
+        </p:nvCxnSpPr>
+        <p:spPr>
+          <a:xfrm flipH="1">
+            <a:off x="7702830" y="1739441"/>
+            <a:ext cx="1" cy="582032"/>
+          </a:xfrm>
+          <a:prstGeom prst="straightConnector1">
+            <a:avLst/>
+          </a:prstGeom>
+          <a:ln w="19050">
+            <a:solidFill>
+              <a:schemeClr val="tx1"/>
+            </a:solidFill>
+            <a:tailEnd type="triangle"/>
+          </a:ln>
+        </p:spPr>
+        <p:style>
+          <a:lnRef idx="1">
+            <a:schemeClr val="accent1"/>
+          </a:lnRef>
+          <a:fillRef idx="0">
+            <a:schemeClr val="accent1"/>
+          </a:fillRef>
+          <a:effectRef idx="0">
+            <a:schemeClr val="accent1"/>
+          </a:effectRef>
+          <a:fontRef idx="minor">
+            <a:schemeClr val="tx1"/>
+          </a:fontRef>
+        </p:style>
+      </p:cxnSp>
+      <p:cxnSp>
+        <p:nvCxnSpPr>
+          <p:cNvPr id="36" name="直接箭头连接符 35">
+            <a:extLst>
+              <a:ext uri="{FF2B5EF4-FFF2-40B4-BE49-F238E27FC236}">
+                <a16:creationId xmlns:a16="http://schemas.microsoft.com/office/drawing/2014/main" id="{17154461-C05A-12C8-6952-F724A316857F}"/>
+              </a:ext>
+            </a:extLst>
+          </p:cNvPr>
+          <p:cNvCxnSpPr>
+            <a:cxnSpLocks/>
+            <a:stCxn id="29" idx="2"/>
+            <a:endCxn id="30" idx="0"/>
+          </p:cNvCxnSpPr>
+          <p:nvPr/>
+        </p:nvCxnSpPr>
+        <p:spPr>
+          <a:xfrm flipH="1">
+            <a:off x="7703683" y="4640672"/>
+            <a:ext cx="853" cy="439194"/>
+          </a:xfrm>
+          <a:prstGeom prst="straightConnector1">
+            <a:avLst/>
+          </a:prstGeom>
+          <a:ln w="19050">
+            <a:solidFill>
+              <a:schemeClr val="tx1"/>
+            </a:solidFill>
+            <a:tailEnd type="triangle"/>
+          </a:ln>
+        </p:spPr>
+        <p:style>
+          <a:lnRef idx="1">
+            <a:schemeClr val="accent1"/>
+          </a:lnRef>
+          <a:fillRef idx="0">
+            <a:schemeClr val="accent1"/>
+          </a:fillRef>
+          <a:effectRef idx="0">
+            <a:schemeClr val="accent1"/>
+          </a:effectRef>
+          <a:fontRef idx="minor">
+            <a:schemeClr val="tx1"/>
+          </a:fontRef>
+        </p:style>
+      </p:cxnSp>
+      <p:sp>
+        <p:nvSpPr>
+          <p:cNvPr id="37" name="文本框 36">
+            <a:extLst>
+              <a:ext uri="{FF2B5EF4-FFF2-40B4-BE49-F238E27FC236}">
+                <a16:creationId xmlns:a16="http://schemas.microsoft.com/office/drawing/2014/main" id="{15CD4E8C-4C01-998B-5B73-BFDFB554D8EA}"/>
               </a:ext>
             </a:extLst>
           </p:cNvPr>
@@ -9076,8 +9498,8 @@
         </p:nvSpPr>
         <p:spPr>
           <a:xfrm>
-            <a:off x="1268361" y="1848465"/>
-            <a:ext cx="9134168" cy="923330"/>
+            <a:off x="6407833" y="1093110"/>
+            <a:ext cx="2589995" cy="646331"/>
           </a:xfrm>
           <a:prstGeom prst="rect">
             <a:avLst/>
@@ -9085,37 +9507,815 @@
           <a:noFill/>
         </p:spPr>
         <p:txBody>
-          <a:bodyPr wrap="square" rtlCol="0">
+          <a:bodyPr wrap="square">
             <a:spAutoFit/>
           </a:bodyPr>
           <a:lstStyle/>
           <a:p>
-            <a:r>
-              <a:rPr lang="zh-CN" altLang="en-US" dirty="0"/>
-              <a:t>流程图，基于峰数量的周期分隔，效果不是很理想。</a:t>
-            </a:r>
-            <a:endParaRPr lang="en-US" altLang="zh-CN" dirty="0"/>
-          </a:p>
-          <a:p>
-            <a:r>
-              <a:rPr lang="zh-CN" altLang="en-US" dirty="0"/>
-              <a:t>他的实验结果的说明。</a:t>
-            </a:r>
-            <a:endParaRPr lang="en-US" altLang="zh-CN" dirty="0"/>
-          </a:p>
-          <a:p>
-            <a:r>
-              <a:rPr lang="zh-CN" altLang="en-US" dirty="0"/>
-              <a:t>遇到的一些问题。这个问题正在研究中。</a:t>
-            </a:r>
-            <a:endParaRPr lang="en-US" altLang="zh-CN" dirty="0"/>
-          </a:p>
-        </p:txBody>
-      </p:sp>
+            <a:pPr algn="ctr"/>
+            <a:r>
+              <a:rPr lang="en-US" altLang="zh-CN" dirty="0">
+                <a:solidFill>
+                  <a:schemeClr val="tx1"/>
+                </a:solidFill>
+                <a:latin typeface="Consolas" panose="020B0609020204030204" pitchFamily="49" charset="0"/>
+                <a:cs typeface="Times New Roman" panose="02020603050405020304" pitchFamily="18" charset="0"/>
+              </a:rPr>
+              <a:t>Data</a:t>
+            </a:r>
+          </a:p>
+          <a:p>
+            <a:pPr algn="ctr"/>
+            <a:r>
+              <a:rPr lang="en-US" altLang="zh-CN" dirty="0">
+                <a:latin typeface="Consolas" panose="020B0609020204030204" pitchFamily="49" charset="0"/>
+                <a:cs typeface="Times New Roman" panose="02020603050405020304" pitchFamily="18" charset="0"/>
+              </a:rPr>
+              <a:t>(</a:t>
+            </a:r>
+            <a:r>
+              <a:rPr lang="en-US" altLang="zh-CN" dirty="0">
+                <a:solidFill>
+                  <a:schemeClr val="tx1"/>
+                </a:solidFill>
+                <a:latin typeface="Consolas" panose="020B0609020204030204" pitchFamily="49" charset="0"/>
+                <a:cs typeface="Times New Roman" panose="02020603050405020304" pitchFamily="18" charset="0"/>
+              </a:rPr>
+              <a:t>Noise: </a:t>
+            </a:r>
+            <a:r>
+              <a:rPr lang="en-US" altLang="zh-CN" b="1" dirty="0">
+                <a:solidFill>
+                  <a:schemeClr val="tx1"/>
+                </a:solidFill>
+                <a:latin typeface="Consolas" panose="020B0609020204030204" pitchFamily="49" charset="0"/>
+                <a:cs typeface="Times New Roman" panose="02020603050405020304" pitchFamily="18" charset="0"/>
+              </a:rPr>
+              <a:t>0.1</a:t>
+            </a:r>
+            <a:r>
+              <a:rPr lang="en-US" altLang="zh-CN" dirty="0">
+                <a:solidFill>
+                  <a:schemeClr val="tx1"/>
+                </a:solidFill>
+                <a:latin typeface="Consolas" panose="020B0609020204030204" pitchFamily="49" charset="0"/>
+                <a:cs typeface="Times New Roman" panose="02020603050405020304" pitchFamily="18" charset="0"/>
+              </a:rPr>
+              <a:t>, No RR</a:t>
+            </a:r>
+            <a:r>
+              <a:rPr lang="en-US" altLang="zh-CN" dirty="0">
+                <a:latin typeface="Consolas" panose="020B0609020204030204" pitchFamily="49" charset="0"/>
+                <a:cs typeface="Times New Roman" panose="02020603050405020304" pitchFamily="18" charset="0"/>
+              </a:rPr>
+              <a:t>)</a:t>
+            </a:r>
+            <a:endParaRPr lang="zh-CN" altLang="en-US" dirty="0">
+              <a:solidFill>
+                <a:schemeClr val="tx1"/>
+              </a:solidFill>
+              <a:latin typeface="Consolas" panose="020B0609020204030204" pitchFamily="49" charset="0"/>
+              <a:cs typeface="Times New Roman" panose="02020603050405020304" pitchFamily="18" charset="0"/>
+            </a:endParaRPr>
+          </a:p>
+        </p:txBody>
+      </p:sp>
+      <p:sp>
+        <p:nvSpPr>
+          <p:cNvPr id="70" name="矩形 69">
+            <a:extLst>
+              <a:ext uri="{FF2B5EF4-FFF2-40B4-BE49-F238E27FC236}">
+                <a16:creationId xmlns:a16="http://schemas.microsoft.com/office/drawing/2014/main" id="{4DFE30AC-CB23-A475-0640-850A35294A8D}"/>
+              </a:ext>
+            </a:extLst>
+          </p:cNvPr>
+          <p:cNvSpPr/>
+          <p:nvPr/>
+        </p:nvSpPr>
+        <p:spPr>
+          <a:xfrm>
+            <a:off x="697922" y="2321473"/>
+            <a:ext cx="3441682" cy="696536"/>
+          </a:xfrm>
+          <a:prstGeom prst="rect">
+            <a:avLst/>
+          </a:prstGeom>
+          <a:solidFill>
+            <a:schemeClr val="bg1"/>
+          </a:solidFill>
+        </p:spPr>
+        <p:style>
+          <a:lnRef idx="2">
+            <a:schemeClr val="accent1">
+              <a:shade val="15000"/>
+            </a:schemeClr>
+          </a:lnRef>
+          <a:fillRef idx="1">
+            <a:schemeClr val="accent1"/>
+          </a:fillRef>
+          <a:effectRef idx="0">
+            <a:schemeClr val="accent1"/>
+          </a:effectRef>
+          <a:fontRef idx="minor">
+            <a:schemeClr val="lt1"/>
+          </a:fontRef>
+        </p:style>
+        <p:txBody>
+          <a:bodyPr rtlCol="0" anchor="ctr"/>
+          <a:lstStyle/>
+          <a:p>
+            <a:pPr algn="ctr"/>
+            <a:r>
+              <a:rPr lang="en-US" altLang="zh-CN" dirty="0">
+                <a:solidFill>
+                  <a:schemeClr val="tx1"/>
+                </a:solidFill>
+                <a:latin typeface="Consolas" panose="020B0609020204030204" pitchFamily="49" charset="0"/>
+                <a:cs typeface="Times New Roman" panose="02020603050405020304" pitchFamily="18" charset="0"/>
+              </a:rPr>
+              <a:t>Calculate period based on HR</a:t>
+            </a:r>
+            <a:endParaRPr lang="zh-CN" altLang="en-US" dirty="0">
+              <a:solidFill>
+                <a:schemeClr val="tx1"/>
+              </a:solidFill>
+              <a:latin typeface="Consolas" panose="020B0609020204030204" pitchFamily="49" charset="0"/>
+              <a:cs typeface="Times New Roman" panose="02020603050405020304" pitchFamily="18" charset="0"/>
+            </a:endParaRPr>
+          </a:p>
+        </p:txBody>
+      </p:sp>
+      <p:sp>
+        <p:nvSpPr>
+          <p:cNvPr id="71" name="矩形 70">
+            <a:extLst>
+              <a:ext uri="{FF2B5EF4-FFF2-40B4-BE49-F238E27FC236}">
+                <a16:creationId xmlns:a16="http://schemas.microsoft.com/office/drawing/2014/main" id="{A32A42A6-22BE-B9DE-C2AD-AF0C4AB89451}"/>
+              </a:ext>
+            </a:extLst>
+          </p:cNvPr>
+          <p:cNvSpPr/>
+          <p:nvPr/>
+        </p:nvSpPr>
+        <p:spPr>
+          <a:xfrm>
+            <a:off x="702095" y="3346292"/>
+            <a:ext cx="3441682" cy="465411"/>
+          </a:xfrm>
+          <a:prstGeom prst="rect">
+            <a:avLst/>
+          </a:prstGeom>
+          <a:solidFill>
+            <a:schemeClr val="bg1"/>
+          </a:solidFill>
+        </p:spPr>
+        <p:style>
+          <a:lnRef idx="2">
+            <a:schemeClr val="accent1">
+              <a:shade val="15000"/>
+            </a:schemeClr>
+          </a:lnRef>
+          <a:fillRef idx="1">
+            <a:schemeClr val="accent1"/>
+          </a:fillRef>
+          <a:effectRef idx="0">
+            <a:schemeClr val="accent1"/>
+          </a:effectRef>
+          <a:fontRef idx="minor">
+            <a:schemeClr val="lt1"/>
+          </a:fontRef>
+        </p:style>
+        <p:txBody>
+          <a:bodyPr rtlCol="0" anchor="ctr"/>
+          <a:lstStyle/>
+          <a:p>
+            <a:pPr algn="ctr"/>
+            <a:r>
+              <a:rPr lang="en-US" altLang="zh-CN" dirty="0">
+                <a:solidFill>
+                  <a:schemeClr val="tx1"/>
+                </a:solidFill>
+                <a:latin typeface="Consolas" panose="020B0609020204030204" pitchFamily="49" charset="0"/>
+                <a:cs typeface="Times New Roman" panose="02020603050405020304" pitchFamily="18" charset="0"/>
+              </a:rPr>
+              <a:t>Segmentation</a:t>
+            </a:r>
+            <a:endParaRPr lang="zh-CN" altLang="en-US" dirty="0">
+              <a:solidFill>
+                <a:schemeClr val="tx1"/>
+              </a:solidFill>
+              <a:latin typeface="Consolas" panose="020B0609020204030204" pitchFamily="49" charset="0"/>
+              <a:cs typeface="Times New Roman" panose="02020603050405020304" pitchFamily="18" charset="0"/>
+            </a:endParaRPr>
+          </a:p>
+        </p:txBody>
+      </p:sp>
+      <p:sp>
+        <p:nvSpPr>
+          <p:cNvPr id="72" name="矩形 71">
+            <a:extLst>
+              <a:ext uri="{FF2B5EF4-FFF2-40B4-BE49-F238E27FC236}">
+                <a16:creationId xmlns:a16="http://schemas.microsoft.com/office/drawing/2014/main" id="{B611F95B-D097-2840-438F-8F95D2613E87}"/>
+              </a:ext>
+            </a:extLst>
+          </p:cNvPr>
+          <p:cNvSpPr/>
+          <p:nvPr/>
+        </p:nvSpPr>
+        <p:spPr>
+          <a:xfrm>
+            <a:off x="699629" y="4161635"/>
+            <a:ext cx="3441680" cy="479037"/>
+          </a:xfrm>
+          <a:prstGeom prst="rect">
+            <a:avLst/>
+          </a:prstGeom>
+          <a:solidFill>
+            <a:schemeClr val="bg1"/>
+          </a:solidFill>
+        </p:spPr>
+        <p:style>
+          <a:lnRef idx="2">
+            <a:schemeClr val="accent1">
+              <a:shade val="15000"/>
+            </a:schemeClr>
+          </a:lnRef>
+          <a:fillRef idx="1">
+            <a:schemeClr val="accent1"/>
+          </a:fillRef>
+          <a:effectRef idx="0">
+            <a:schemeClr val="accent1"/>
+          </a:effectRef>
+          <a:fontRef idx="minor">
+            <a:schemeClr val="lt1"/>
+          </a:fontRef>
+        </p:style>
+        <p:txBody>
+          <a:bodyPr rtlCol="0" anchor="ctr"/>
+          <a:lstStyle/>
+          <a:p>
+            <a:pPr algn="ctr"/>
+            <a:r>
+              <a:rPr lang="en-US" altLang="zh-CN" dirty="0">
+                <a:solidFill>
+                  <a:schemeClr val="tx1"/>
+                </a:solidFill>
+                <a:latin typeface="Consolas" panose="020B0609020204030204" pitchFamily="49" charset="0"/>
+                <a:cs typeface="Times New Roman" panose="02020603050405020304" pitchFamily="18" charset="0"/>
+              </a:rPr>
+              <a:t>K-shapes Clustering</a:t>
+            </a:r>
+            <a:endParaRPr lang="zh-CN" altLang="en-US" dirty="0">
+              <a:solidFill>
+                <a:schemeClr val="tx1"/>
+              </a:solidFill>
+              <a:latin typeface="Consolas" panose="020B0609020204030204" pitchFamily="49" charset="0"/>
+              <a:cs typeface="Times New Roman" panose="02020603050405020304" pitchFamily="18" charset="0"/>
+            </a:endParaRPr>
+          </a:p>
+        </p:txBody>
+      </p:sp>
+      <p:sp>
+        <p:nvSpPr>
+          <p:cNvPr id="73" name="矩形 72">
+            <a:extLst>
+              <a:ext uri="{FF2B5EF4-FFF2-40B4-BE49-F238E27FC236}">
+                <a16:creationId xmlns:a16="http://schemas.microsoft.com/office/drawing/2014/main" id="{85FCA7CA-F9D9-EEB1-531F-93CDCA667249}"/>
+              </a:ext>
+            </a:extLst>
+          </p:cNvPr>
+          <p:cNvSpPr/>
+          <p:nvPr/>
+        </p:nvSpPr>
+        <p:spPr>
+          <a:xfrm>
+            <a:off x="697922" y="5079866"/>
+            <a:ext cx="3443388" cy="457495"/>
+          </a:xfrm>
+          <a:prstGeom prst="rect">
+            <a:avLst/>
+          </a:prstGeom>
+          <a:solidFill>
+            <a:schemeClr val="bg1"/>
+          </a:solidFill>
+        </p:spPr>
+        <p:style>
+          <a:lnRef idx="2">
+            <a:schemeClr val="accent1">
+              <a:shade val="15000"/>
+            </a:schemeClr>
+          </a:lnRef>
+          <a:fillRef idx="1">
+            <a:schemeClr val="accent1"/>
+          </a:fillRef>
+          <a:effectRef idx="0">
+            <a:schemeClr val="accent1"/>
+          </a:effectRef>
+          <a:fontRef idx="minor">
+            <a:schemeClr val="lt1"/>
+          </a:fontRef>
+        </p:style>
+        <p:txBody>
+          <a:bodyPr rtlCol="0" anchor="ctr"/>
+          <a:lstStyle/>
+          <a:p>
+            <a:pPr algn="ctr"/>
+            <a:r>
+              <a:rPr lang="en-US" altLang="zh-CN" dirty="0">
+                <a:solidFill>
+                  <a:schemeClr val="tx1"/>
+                </a:solidFill>
+                <a:latin typeface="Consolas" panose="020B0609020204030204" pitchFamily="49" charset="0"/>
+                <a:cs typeface="Times New Roman" panose="02020603050405020304" pitchFamily="18" charset="0"/>
+              </a:rPr>
+              <a:t>Get Template</a:t>
+            </a:r>
+            <a:endParaRPr lang="zh-CN" altLang="en-US" dirty="0">
+              <a:solidFill>
+                <a:schemeClr val="tx1"/>
+              </a:solidFill>
+              <a:latin typeface="Consolas" panose="020B0609020204030204" pitchFamily="49" charset="0"/>
+              <a:cs typeface="Times New Roman" panose="02020603050405020304" pitchFamily="18" charset="0"/>
+            </a:endParaRPr>
+          </a:p>
+        </p:txBody>
+      </p:sp>
+      <p:sp>
+        <p:nvSpPr>
+          <p:cNvPr id="74" name="矩形 73">
+            <a:extLst>
+              <a:ext uri="{FF2B5EF4-FFF2-40B4-BE49-F238E27FC236}">
+                <a16:creationId xmlns:a16="http://schemas.microsoft.com/office/drawing/2014/main" id="{7246C2C7-1168-A7F8-3FD4-55F75AD71B3D}"/>
+              </a:ext>
+            </a:extLst>
+          </p:cNvPr>
+          <p:cNvSpPr/>
+          <p:nvPr/>
+        </p:nvSpPr>
+        <p:spPr>
+          <a:xfrm>
+            <a:off x="697922" y="5976555"/>
+            <a:ext cx="3440921" cy="457495"/>
+          </a:xfrm>
+          <a:prstGeom prst="rect">
+            <a:avLst/>
+          </a:prstGeom>
+          <a:solidFill>
+            <a:schemeClr val="bg1"/>
+          </a:solidFill>
+        </p:spPr>
+        <p:style>
+          <a:lnRef idx="2">
+            <a:schemeClr val="accent1">
+              <a:shade val="15000"/>
+            </a:schemeClr>
+          </a:lnRef>
+          <a:fillRef idx="1">
+            <a:schemeClr val="accent1"/>
+          </a:fillRef>
+          <a:effectRef idx="0">
+            <a:schemeClr val="accent1"/>
+          </a:effectRef>
+          <a:fontRef idx="minor">
+            <a:schemeClr val="lt1"/>
+          </a:fontRef>
+        </p:style>
+        <p:txBody>
+          <a:bodyPr rtlCol="0" anchor="ctr"/>
+          <a:lstStyle/>
+          <a:p>
+            <a:pPr algn="ctr"/>
+            <a:r>
+              <a:rPr lang="en-US" altLang="zh-CN" b="0" i="0" dirty="0">
+                <a:solidFill>
+                  <a:srgbClr val="212529"/>
+                </a:solidFill>
+                <a:effectLst/>
+                <a:latin typeface="-apple-system"/>
+              </a:rPr>
+              <a:t>…</a:t>
+            </a:r>
+          </a:p>
+        </p:txBody>
+      </p:sp>
+      <p:cxnSp>
+        <p:nvCxnSpPr>
+          <p:cNvPr id="75" name="直接箭头连接符 74">
+            <a:extLst>
+              <a:ext uri="{FF2B5EF4-FFF2-40B4-BE49-F238E27FC236}">
+                <a16:creationId xmlns:a16="http://schemas.microsoft.com/office/drawing/2014/main" id="{8FDADC6F-A19F-A900-CDD5-F416A5D115AD}"/>
+              </a:ext>
+            </a:extLst>
+          </p:cNvPr>
+          <p:cNvCxnSpPr>
+            <a:cxnSpLocks/>
+            <a:stCxn id="70" idx="2"/>
+            <a:endCxn id="71" idx="0"/>
+          </p:cNvCxnSpPr>
+          <p:nvPr/>
+        </p:nvCxnSpPr>
+        <p:spPr>
+          <a:xfrm>
+            <a:off x="2418763" y="3018009"/>
+            <a:ext cx="4173" cy="328283"/>
+          </a:xfrm>
+          <a:prstGeom prst="straightConnector1">
+            <a:avLst/>
+          </a:prstGeom>
+          <a:ln w="19050">
+            <a:solidFill>
+              <a:schemeClr val="tx1"/>
+            </a:solidFill>
+            <a:tailEnd type="triangle"/>
+          </a:ln>
+        </p:spPr>
+        <p:style>
+          <a:lnRef idx="1">
+            <a:schemeClr val="accent1"/>
+          </a:lnRef>
+          <a:fillRef idx="0">
+            <a:schemeClr val="accent1"/>
+          </a:fillRef>
+          <a:effectRef idx="0">
+            <a:schemeClr val="accent1"/>
+          </a:effectRef>
+          <a:fontRef idx="minor">
+            <a:schemeClr val="tx1"/>
+          </a:fontRef>
+        </p:style>
+      </p:cxnSp>
+      <p:cxnSp>
+        <p:nvCxnSpPr>
+          <p:cNvPr id="76" name="直接箭头连接符 75">
+            <a:extLst>
+              <a:ext uri="{FF2B5EF4-FFF2-40B4-BE49-F238E27FC236}">
+                <a16:creationId xmlns:a16="http://schemas.microsoft.com/office/drawing/2014/main" id="{320EE217-95F7-1EAB-A73C-112E5BB8D658}"/>
+              </a:ext>
+            </a:extLst>
+          </p:cNvPr>
+          <p:cNvCxnSpPr>
+            <a:cxnSpLocks/>
+            <a:stCxn id="71" idx="2"/>
+            <a:endCxn id="72" idx="0"/>
+          </p:cNvCxnSpPr>
+          <p:nvPr/>
+        </p:nvCxnSpPr>
+        <p:spPr>
+          <a:xfrm flipH="1">
+            <a:off x="2420469" y="3811703"/>
+            <a:ext cx="2467" cy="349932"/>
+          </a:xfrm>
+          <a:prstGeom prst="straightConnector1">
+            <a:avLst/>
+          </a:prstGeom>
+          <a:ln w="19050">
+            <a:solidFill>
+              <a:schemeClr val="tx1"/>
+            </a:solidFill>
+            <a:tailEnd type="triangle"/>
+          </a:ln>
+        </p:spPr>
+        <p:style>
+          <a:lnRef idx="1">
+            <a:schemeClr val="accent1"/>
+          </a:lnRef>
+          <a:fillRef idx="0">
+            <a:schemeClr val="accent1"/>
+          </a:fillRef>
+          <a:effectRef idx="0">
+            <a:schemeClr val="accent1"/>
+          </a:effectRef>
+          <a:fontRef idx="minor">
+            <a:schemeClr val="tx1"/>
+          </a:fontRef>
+        </p:style>
+      </p:cxnSp>
+      <p:cxnSp>
+        <p:nvCxnSpPr>
+          <p:cNvPr id="77" name="直接箭头连接符 76">
+            <a:extLst>
+              <a:ext uri="{FF2B5EF4-FFF2-40B4-BE49-F238E27FC236}">
+                <a16:creationId xmlns:a16="http://schemas.microsoft.com/office/drawing/2014/main" id="{948EC04F-1C13-FF95-EB84-074538DB7D6D}"/>
+              </a:ext>
+            </a:extLst>
+          </p:cNvPr>
+          <p:cNvCxnSpPr>
+            <a:cxnSpLocks/>
+            <a:stCxn id="73" idx="2"/>
+            <a:endCxn id="74" idx="0"/>
+          </p:cNvCxnSpPr>
+          <p:nvPr/>
+        </p:nvCxnSpPr>
+        <p:spPr>
+          <a:xfrm flipH="1">
+            <a:off x="2418383" y="5537361"/>
+            <a:ext cx="1233" cy="439194"/>
+          </a:xfrm>
+          <a:prstGeom prst="straightConnector1">
+            <a:avLst/>
+          </a:prstGeom>
+          <a:ln w="19050">
+            <a:solidFill>
+              <a:schemeClr val="tx1"/>
+            </a:solidFill>
+            <a:tailEnd type="triangle"/>
+          </a:ln>
+        </p:spPr>
+        <p:style>
+          <a:lnRef idx="1">
+            <a:schemeClr val="accent1"/>
+          </a:lnRef>
+          <a:fillRef idx="0">
+            <a:schemeClr val="accent1"/>
+          </a:fillRef>
+          <a:effectRef idx="0">
+            <a:schemeClr val="accent1"/>
+          </a:effectRef>
+          <a:fontRef idx="minor">
+            <a:schemeClr val="tx1"/>
+          </a:fontRef>
+        </p:style>
+      </p:cxnSp>
+      <p:cxnSp>
+        <p:nvCxnSpPr>
+          <p:cNvPr id="78" name="直接箭头连接符 77">
+            <a:extLst>
+              <a:ext uri="{FF2B5EF4-FFF2-40B4-BE49-F238E27FC236}">
+                <a16:creationId xmlns:a16="http://schemas.microsoft.com/office/drawing/2014/main" id="{892FA8C9-7BA8-5D4A-530B-8765148369A7}"/>
+              </a:ext>
+            </a:extLst>
+          </p:cNvPr>
+          <p:cNvCxnSpPr>
+            <a:cxnSpLocks/>
+            <a:stCxn id="80" idx="2"/>
+            <a:endCxn id="70" idx="0"/>
+          </p:cNvCxnSpPr>
+          <p:nvPr/>
+        </p:nvCxnSpPr>
+        <p:spPr>
+          <a:xfrm flipH="1">
+            <a:off x="2418763" y="1739441"/>
+            <a:ext cx="1" cy="582032"/>
+          </a:xfrm>
+          <a:prstGeom prst="straightConnector1">
+            <a:avLst/>
+          </a:prstGeom>
+          <a:ln w="19050">
+            <a:solidFill>
+              <a:schemeClr val="tx1"/>
+            </a:solidFill>
+            <a:tailEnd type="triangle"/>
+          </a:ln>
+        </p:spPr>
+        <p:style>
+          <a:lnRef idx="1">
+            <a:schemeClr val="accent1"/>
+          </a:lnRef>
+          <a:fillRef idx="0">
+            <a:schemeClr val="accent1"/>
+          </a:fillRef>
+          <a:effectRef idx="0">
+            <a:schemeClr val="accent1"/>
+          </a:effectRef>
+          <a:fontRef idx="minor">
+            <a:schemeClr val="tx1"/>
+          </a:fontRef>
+        </p:style>
+      </p:cxnSp>
+      <p:cxnSp>
+        <p:nvCxnSpPr>
+          <p:cNvPr id="79" name="直接箭头连接符 78">
+            <a:extLst>
+              <a:ext uri="{FF2B5EF4-FFF2-40B4-BE49-F238E27FC236}">
+                <a16:creationId xmlns:a16="http://schemas.microsoft.com/office/drawing/2014/main" id="{35C9B866-7DF1-A0E5-59F2-ACEB88BEC353}"/>
+              </a:ext>
+            </a:extLst>
+          </p:cNvPr>
+          <p:cNvCxnSpPr>
+            <a:cxnSpLocks/>
+            <a:stCxn id="72" idx="2"/>
+            <a:endCxn id="73" idx="0"/>
+          </p:cNvCxnSpPr>
+          <p:nvPr/>
+        </p:nvCxnSpPr>
+        <p:spPr>
+          <a:xfrm flipH="1">
+            <a:off x="2419616" y="4640672"/>
+            <a:ext cx="853" cy="439194"/>
+          </a:xfrm>
+          <a:prstGeom prst="straightConnector1">
+            <a:avLst/>
+          </a:prstGeom>
+          <a:ln w="19050">
+            <a:solidFill>
+              <a:schemeClr val="tx1"/>
+            </a:solidFill>
+            <a:tailEnd type="triangle"/>
+          </a:ln>
+        </p:spPr>
+        <p:style>
+          <a:lnRef idx="1">
+            <a:schemeClr val="accent1"/>
+          </a:lnRef>
+          <a:fillRef idx="0">
+            <a:schemeClr val="accent1"/>
+          </a:fillRef>
+          <a:effectRef idx="0">
+            <a:schemeClr val="accent1"/>
+          </a:effectRef>
+          <a:fontRef idx="minor">
+            <a:schemeClr val="tx1"/>
+          </a:fontRef>
+        </p:style>
+      </p:cxnSp>
+      <p:sp>
+        <p:nvSpPr>
+          <p:cNvPr id="80" name="文本框 79">
+            <a:extLst>
+              <a:ext uri="{FF2B5EF4-FFF2-40B4-BE49-F238E27FC236}">
+                <a16:creationId xmlns:a16="http://schemas.microsoft.com/office/drawing/2014/main" id="{362C46F8-55BF-EA31-9539-C04A021688A6}"/>
+              </a:ext>
+            </a:extLst>
+          </p:cNvPr>
+          <p:cNvSpPr txBox="1"/>
+          <p:nvPr/>
+        </p:nvSpPr>
+        <p:spPr>
+          <a:xfrm>
+            <a:off x="1123766" y="1093110"/>
+            <a:ext cx="2589995" cy="646331"/>
+          </a:xfrm>
+          <a:prstGeom prst="rect">
+            <a:avLst/>
+          </a:prstGeom>
+          <a:noFill/>
+        </p:spPr>
+        <p:txBody>
+          <a:bodyPr wrap="square">
+            <a:spAutoFit/>
+          </a:bodyPr>
+          <a:lstStyle/>
+          <a:p>
+            <a:pPr algn="ctr"/>
+            <a:r>
+              <a:rPr lang="en-US" altLang="zh-CN" dirty="0">
+                <a:solidFill>
+                  <a:schemeClr val="tx1"/>
+                </a:solidFill>
+                <a:latin typeface="Consolas" panose="020B0609020204030204" pitchFamily="49" charset="0"/>
+                <a:cs typeface="Times New Roman" panose="02020603050405020304" pitchFamily="18" charset="0"/>
+              </a:rPr>
+              <a:t>Data</a:t>
+            </a:r>
+          </a:p>
+          <a:p>
+            <a:pPr algn="ctr"/>
+            <a:r>
+              <a:rPr lang="en-US" altLang="zh-CN" dirty="0">
+                <a:latin typeface="Consolas" panose="020B0609020204030204" pitchFamily="49" charset="0"/>
+                <a:cs typeface="Times New Roman" panose="02020603050405020304" pitchFamily="18" charset="0"/>
+              </a:rPr>
+              <a:t>(</a:t>
+            </a:r>
+            <a:r>
+              <a:rPr lang="en-US" altLang="zh-CN" dirty="0">
+                <a:solidFill>
+                  <a:schemeClr val="tx1"/>
+                </a:solidFill>
+                <a:latin typeface="Consolas" panose="020B0609020204030204" pitchFamily="49" charset="0"/>
+                <a:cs typeface="Times New Roman" panose="02020603050405020304" pitchFamily="18" charset="0"/>
+              </a:rPr>
+              <a:t>Noise: </a:t>
+            </a:r>
+            <a:r>
+              <a:rPr lang="en-US" altLang="zh-CN" b="1" dirty="0">
+                <a:solidFill>
+                  <a:schemeClr val="tx1"/>
+                </a:solidFill>
+                <a:latin typeface="Consolas" panose="020B0609020204030204" pitchFamily="49" charset="0"/>
+                <a:cs typeface="Times New Roman" panose="02020603050405020304" pitchFamily="18" charset="0"/>
+              </a:rPr>
+              <a:t>0.1</a:t>
+            </a:r>
+            <a:r>
+              <a:rPr lang="en-US" altLang="zh-CN" dirty="0">
+                <a:solidFill>
+                  <a:schemeClr val="tx1"/>
+                </a:solidFill>
+                <a:latin typeface="Consolas" panose="020B0609020204030204" pitchFamily="49" charset="0"/>
+                <a:cs typeface="Times New Roman" panose="02020603050405020304" pitchFamily="18" charset="0"/>
+              </a:rPr>
+              <a:t>, No RR</a:t>
+            </a:r>
+            <a:r>
+              <a:rPr lang="en-US" altLang="zh-CN" dirty="0">
+                <a:latin typeface="Consolas" panose="020B0609020204030204" pitchFamily="49" charset="0"/>
+                <a:cs typeface="Times New Roman" panose="02020603050405020304" pitchFamily="18" charset="0"/>
+              </a:rPr>
+              <a:t>)</a:t>
+            </a:r>
+            <a:endParaRPr lang="zh-CN" altLang="en-US" dirty="0">
+              <a:solidFill>
+                <a:schemeClr val="tx1"/>
+              </a:solidFill>
+              <a:latin typeface="Consolas" panose="020B0609020204030204" pitchFamily="49" charset="0"/>
+              <a:cs typeface="Times New Roman" panose="02020603050405020304" pitchFamily="18" charset="0"/>
+            </a:endParaRPr>
+          </a:p>
+        </p:txBody>
+      </p:sp>
+      <p:sp>
+        <p:nvSpPr>
+          <p:cNvPr id="85" name="文本框 84">
+            <a:extLst>
+              <a:ext uri="{FF2B5EF4-FFF2-40B4-BE49-F238E27FC236}">
+                <a16:creationId xmlns:a16="http://schemas.microsoft.com/office/drawing/2014/main" id="{7D4CB667-5027-CAB0-9DC9-A3A1F9D2949B}"/>
+              </a:ext>
+            </a:extLst>
+          </p:cNvPr>
+          <p:cNvSpPr txBox="1"/>
+          <p:nvPr/>
+        </p:nvSpPr>
+        <p:spPr>
+          <a:xfrm>
+            <a:off x="9550912" y="2317189"/>
+            <a:ext cx="2734122" cy="369332"/>
+          </a:xfrm>
+          <a:prstGeom prst="rect">
+            <a:avLst/>
+          </a:prstGeom>
+          <a:noFill/>
+        </p:spPr>
+        <p:txBody>
+          <a:bodyPr wrap="square">
+            <a:spAutoFit/>
+          </a:bodyPr>
+          <a:lstStyle/>
+          <a:p>
+            <a:pPr algn="ctr"/>
+            <a:r>
+              <a:rPr lang="zh-CN" altLang="en-US" dirty="0">
+                <a:solidFill>
+                  <a:schemeClr val="tx1"/>
+                </a:solidFill>
+                <a:latin typeface="Consolas" panose="020B0609020204030204" pitchFamily="49" charset="0"/>
+                <a:cs typeface="Times New Roman" panose="02020603050405020304" pitchFamily="18" charset="0"/>
+              </a:rPr>
+              <a:t>此处插入计算公式</a:t>
+            </a:r>
+          </a:p>
+        </p:txBody>
+      </p:sp>
+      <p:cxnSp>
+        <p:nvCxnSpPr>
+          <p:cNvPr id="86" name="直接连接符 85">
+            <a:extLst>
+              <a:ext uri="{FF2B5EF4-FFF2-40B4-BE49-F238E27FC236}">
+                <a16:creationId xmlns:a16="http://schemas.microsoft.com/office/drawing/2014/main" id="{E93621D2-0FF1-5CEA-5413-6CF2BB4FEAE0}"/>
+              </a:ext>
+            </a:extLst>
+          </p:cNvPr>
+          <p:cNvCxnSpPr>
+            <a:cxnSpLocks/>
+          </p:cNvCxnSpPr>
+          <p:nvPr/>
+        </p:nvCxnSpPr>
+        <p:spPr>
+          <a:xfrm>
+            <a:off x="5059354" y="931371"/>
+            <a:ext cx="0" cy="5992163"/>
+          </a:xfrm>
+          <a:prstGeom prst="line">
+            <a:avLst/>
+          </a:prstGeom>
+          <a:ln w="19050">
+            <a:solidFill>
+              <a:schemeClr val="bg1">
+                <a:lumMod val="65000"/>
+              </a:schemeClr>
+            </a:solidFill>
+            <a:prstDash val="dash"/>
+          </a:ln>
+        </p:spPr>
+        <p:style>
+          <a:lnRef idx="1">
+            <a:schemeClr val="accent1"/>
+          </a:lnRef>
+          <a:fillRef idx="0">
+            <a:schemeClr val="accent1"/>
+          </a:fillRef>
+          <a:effectRef idx="0">
+            <a:schemeClr val="accent1"/>
+          </a:effectRef>
+          <a:fontRef idx="minor">
+            <a:schemeClr val="tx1"/>
+          </a:fontRef>
+        </p:style>
+      </p:cxnSp>
     </p:spTree>
     <p:extLst>
       <p:ext uri="{BB962C8B-B14F-4D97-AF65-F5344CB8AC3E}">
-        <p14:creationId xmlns:p14="http://schemas.microsoft.com/office/powerpoint/2010/main" val="1228992076"/>
+        <p14:creationId xmlns:p14="http://schemas.microsoft.com/office/powerpoint/2010/main" val="1427167682"/>
       </p:ext>
     </p:extLst>
   </p:cSld>
@@ -9205,8 +10405,8 @@
         </p:nvSpPr>
         <p:spPr>
           <a:xfrm>
-            <a:off x="1268361" y="1848465"/>
-            <a:ext cx="9134168" cy="646331"/>
+            <a:off x="1053548" y="4008570"/>
+            <a:ext cx="5695657" cy="1200329"/>
           </a:xfrm>
           <a:prstGeom prst="rect">
             <a:avLst/>
@@ -9221,7 +10421,7 @@
           <a:p>
             <a:r>
               <a:rPr lang="zh-CN" altLang="en-US" dirty="0"/>
-              <a:t>流程图，基于</a:t>
+              <a:t>基于</a:t>
             </a:r>
             <a:r>
               <a:rPr lang="en-US" altLang="zh-CN" dirty="0"/>
@@ -9229,18 +10429,65 @@
             </a:r>
             <a:r>
               <a:rPr lang="zh-CN" altLang="en-US" dirty="0"/>
-              <a:t>的周期分隔，会出现很严重的</a:t>
-            </a:r>
-            <a:r>
-              <a:rPr lang="en-US" altLang="zh-CN" dirty="0" err="1"/>
-              <a:t>cengci</a:t>
-            </a:r>
+              <a:t>的周期分隔，会出现很严重的参差现象。</a:t>
+            </a:r>
+            <a:endParaRPr lang="en-US" altLang="zh-CN" dirty="0"/>
+          </a:p>
+          <a:p>
+            <a:endParaRPr lang="en-US" altLang="zh-CN" dirty="0"/>
+          </a:p>
+          <a:p>
             <a:r>
               <a:rPr lang="zh-CN" altLang="en-US" dirty="0"/>
-              <a:t>现象。</a:t>
+              <a:t>每分钟的</a:t>
+            </a:r>
+            <a:r>
+              <a:rPr lang="en-US" altLang="zh-CN" dirty="0"/>
+              <a:t>HR</a:t>
+            </a:r>
+            <a:r>
+              <a:rPr lang="zh-CN" altLang="en-US" dirty="0"/>
+              <a:t>，并不等于这十秒的</a:t>
+            </a:r>
+            <a:r>
+              <a:rPr lang="en-US" altLang="zh-CN" dirty="0"/>
+              <a:t>HR</a:t>
+            </a:r>
+            <a:r>
+              <a:rPr lang="zh-CN" altLang="en-US" dirty="0"/>
+              <a:t>，一点点的误差周期，就会导致效果很差</a:t>
             </a:r>
             <a:endParaRPr lang="en-US" altLang="zh-CN" dirty="0"/>
           </a:p>
+        </p:txBody>
+      </p:sp>
+      <p:sp>
+        <p:nvSpPr>
+          <p:cNvPr id="5" name="文本框 4">
+            <a:extLst>
+              <a:ext uri="{FF2B5EF4-FFF2-40B4-BE49-F238E27FC236}">
+                <a16:creationId xmlns:a16="http://schemas.microsoft.com/office/drawing/2014/main" id="{03930A31-865F-7F09-AF5C-C771086B0B99}"/>
+              </a:ext>
+            </a:extLst>
+          </p:cNvPr>
+          <p:cNvSpPr txBox="1"/>
+          <p:nvPr/>
+        </p:nvSpPr>
+        <p:spPr>
+          <a:xfrm>
+            <a:off x="6964018" y="3928476"/>
+            <a:ext cx="4174434" cy="923330"/>
+          </a:xfrm>
+          <a:prstGeom prst="rect">
+            <a:avLst/>
+          </a:prstGeom>
+          <a:noFill/>
+        </p:spPr>
+        <p:txBody>
+          <a:bodyPr wrap="square">
+            <a:spAutoFit/>
+          </a:bodyPr>
+          <a:lstStyle/>
           <a:p>
             <a:r>
               <a:rPr lang="zh-CN" altLang="en-US" dirty="0"/>
@@ -9252,7 +10499,14 @@
             </a:r>
             <a:r>
               <a:rPr lang="zh-CN" altLang="en-US" dirty="0"/>
-              <a:t>分成两类并且每一类的数量相近，说明</a:t>
+              <a:t>分成两类并且每一类的数量相近，</a:t>
+            </a:r>
+            <a:endParaRPr lang="en-US" altLang="zh-CN" dirty="0"/>
+          </a:p>
+          <a:p>
+            <a:r>
+              <a:rPr lang="zh-CN" altLang="en-US" dirty="0"/>
+              <a:t>说明</a:t>
             </a:r>
             <a:r>
               <a:rPr lang="en-US" altLang="zh-CN" dirty="0" err="1"/>
@@ -9298,10 +10552,10 @@
       </p:grpSpPr>
       <p:sp>
         <p:nvSpPr>
-          <p:cNvPr id="55" name="文本框 54">
-            <a:extLst>
-              <a:ext uri="{FF2B5EF4-FFF2-40B4-BE49-F238E27FC236}">
-                <a16:creationId xmlns:a16="http://schemas.microsoft.com/office/drawing/2014/main" id="{32A2BE86-86A6-F1FC-83EE-91A826B532E5}"/>
+          <p:cNvPr id="2" name="文本框 1">
+            <a:extLst>
+              <a:ext uri="{FF2B5EF4-FFF2-40B4-BE49-F238E27FC236}">
+                <a16:creationId xmlns:a16="http://schemas.microsoft.com/office/drawing/2014/main" id="{4301BE2B-0820-0143-B72A-D9CEA12265BD}"/>
               </a:ext>
             </a:extLst>
           </p:cNvPr>
@@ -9311,7 +10565,7 @@
         <p:spPr>
           <a:xfrm>
             <a:off x="1122218" y="423950"/>
-            <a:ext cx="4584920" cy="461665"/>
+            <a:ext cx="8169266" cy="461665"/>
           </a:xfrm>
           <a:prstGeom prst="rect">
             <a:avLst/>
@@ -9336,21 +10590,21 @@
           <a:p>
             <a:r>
               <a:rPr lang="en-US" altLang="zh-CN" dirty="0"/>
-              <a:t>Work_3: </a:t>
+              <a:t>Work_2: </a:t>
             </a:r>
             <a:r>
               <a:rPr lang="en-US" altLang="zh-CN" sz="1400" dirty="0"/>
-              <a:t>Tutorial</a:t>
-            </a:r>
-          </a:p>
-        </p:txBody>
-      </p:sp>
-      <p:sp>
-        <p:nvSpPr>
-          <p:cNvPr id="6" name="文本框 5">
-            <a:extLst>
-              <a:ext uri="{FF2B5EF4-FFF2-40B4-BE49-F238E27FC236}">
-                <a16:creationId xmlns:a16="http://schemas.microsoft.com/office/drawing/2014/main" id="{7D3C1437-CD92-F8AB-CD0E-DB8E6FD1E81B}"/>
+              <a:t>S &amp; D prediction in the noise level of 0.1 by getting template</a:t>
+            </a:r>
+          </a:p>
+        </p:txBody>
+      </p:sp>
+      <p:sp>
+        <p:nvSpPr>
+          <p:cNvPr id="4" name="文本框 3">
+            <a:extLst>
+              <a:ext uri="{FF2B5EF4-FFF2-40B4-BE49-F238E27FC236}">
+                <a16:creationId xmlns:a16="http://schemas.microsoft.com/office/drawing/2014/main" id="{F4B9CF12-A831-545C-B1D3-D127CF520246}"/>
               </a:ext>
             </a:extLst>
           </p:cNvPr>
@@ -9359,8 +10613,8 @@
         </p:nvSpPr>
         <p:spPr>
           <a:xfrm>
-            <a:off x="1396180" y="2379406"/>
-            <a:ext cx="9134168" cy="1200329"/>
+            <a:off x="1268361" y="1848465"/>
+            <a:ext cx="9134168" cy="1754326"/>
           </a:xfrm>
           <a:prstGeom prst="rect">
             <a:avLst/>
@@ -9374,18 +10628,16 @@
           <a:lstStyle/>
           <a:p>
             <a:r>
+              <a:rPr lang="zh-CN" altLang="en-US" dirty="0"/>
+              <a:t>基于峰数量的周期分隔，效果比基于</a:t>
+            </a:r>
+            <a:r>
               <a:rPr lang="en-US" altLang="zh-CN" dirty="0"/>
-              <a:t>Dataset</a:t>
-            </a:r>
-          </a:p>
-          <a:p>
+              <a:t>HR</a:t>
+            </a:r>
             <a:r>
               <a:rPr lang="zh-CN" altLang="en-US" dirty="0"/>
-              <a:t>其他的成熟的库都有，类似</a:t>
-            </a:r>
-            <a:r>
-              <a:rPr lang="en-US" altLang="zh-CN" dirty="0" err="1"/>
-              <a:t>sktlearn</a:t>
+              <a:t>的好很多，但依然不是很理想</a:t>
             </a:r>
             <a:endParaRPr lang="en-US" altLang="zh-CN" dirty="0"/>
           </a:p>
@@ -9393,9 +10645,22 @@
             <a:endParaRPr lang="en-US" altLang="zh-CN" dirty="0"/>
           </a:p>
           <a:p>
+            <a:endParaRPr lang="en-US" altLang="zh-CN" dirty="0"/>
+          </a:p>
+          <a:p>
+            <a:endParaRPr lang="en-US" altLang="zh-CN" dirty="0"/>
+          </a:p>
+          <a:p>
             <a:r>
               <a:rPr lang="zh-CN" altLang="en-US" dirty="0"/>
-              <a:t>同时代码对比</a:t>
+              <a:t>他的实验结果的说明。</a:t>
+            </a:r>
+            <a:endParaRPr lang="en-US" altLang="zh-CN" dirty="0"/>
+          </a:p>
+          <a:p>
+            <a:r>
+              <a:rPr lang="zh-CN" altLang="en-US" dirty="0"/>
+              <a:t>遇到的一些问题。这个问题正在研究中。</a:t>
             </a:r>
             <a:endParaRPr lang="en-US" altLang="zh-CN" dirty="0"/>
           </a:p>
@@ -9404,7 +10669,7 @@
     </p:spTree>
     <p:extLst>
       <p:ext uri="{BB962C8B-B14F-4D97-AF65-F5344CB8AC3E}">
-        <p14:creationId xmlns:p14="http://schemas.microsoft.com/office/powerpoint/2010/main" val="4256841388"/>
+        <p14:creationId xmlns:p14="http://schemas.microsoft.com/office/powerpoint/2010/main" val="1228992076"/>
       </p:ext>
     </p:extLst>
   </p:cSld>
